--- a/images/page.pptx
+++ b/images/page.pptx
@@ -4,6 +4,9 @@
   <p:sldMasterIdLst>
     <p:sldMasterId id="2147483648" r:id="rId1"/>
   </p:sldMasterIdLst>
+  <p:notesMasterIdLst>
+    <p:notesMasterId r:id="rId3"/>
+  </p:notesMasterIdLst>
   <p:sldIdLst>
     <p:sldId id="256" r:id="rId2"/>
   </p:sldIdLst>
@@ -112,6 +115,439 @@
 </p:presentation>
 </file>
 
+<file path=ppt/notesMasters/notesMaster1.xml><?xml version="1.0" encoding="utf-8"?>
+<p:notesMaster xmlns:a="http://schemas.openxmlformats.org/drawingml/2006/main" xmlns:r="http://schemas.openxmlformats.org/officeDocument/2006/relationships" xmlns:p="http://schemas.openxmlformats.org/presentationml/2006/main">
+  <p:cSld>
+    <p:bg>
+      <p:bgRef idx="1001">
+        <a:schemeClr val="bg1"/>
+      </p:bgRef>
+    </p:bg>
+    <p:spTree>
+      <p:nvGrpSpPr>
+        <p:cNvPr id="1" name=""/>
+        <p:cNvGrpSpPr/>
+        <p:nvPr/>
+      </p:nvGrpSpPr>
+      <p:grpSpPr>
+        <a:xfrm>
+          <a:off x="0" y="0"/>
+          <a:ext cx="0" cy="0"/>
+          <a:chOff x="0" y="0"/>
+          <a:chExt cx="0" cy="0"/>
+        </a:xfrm>
+      </p:grpSpPr>
+      <p:sp>
+        <p:nvSpPr>
+          <p:cNvPr id="2" name="Header Placeholder 1"/>
+          <p:cNvSpPr>
+            <a:spLocks noGrp="1"/>
+          </p:cNvSpPr>
+          <p:nvPr>
+            <p:ph type="hdr" sz="quarter"/>
+          </p:nvPr>
+        </p:nvSpPr>
+        <p:spPr>
+          <a:xfrm>
+            <a:off x="0" y="0"/>
+            <a:ext cx="2971800" cy="458788"/>
+          </a:xfrm>
+          <a:prstGeom prst="rect">
+            <a:avLst/>
+          </a:prstGeom>
+        </p:spPr>
+        <p:txBody>
+          <a:bodyPr vert="horz" lIns="91440" tIns="45720" rIns="91440" bIns="45720" rtlCol="0"/>
+          <a:lstStyle>
+            <a:lvl1pPr algn="l">
+              <a:defRPr sz="1200"/>
+            </a:lvl1pPr>
+          </a:lstStyle>
+          <a:p>
+            <a:endParaRPr lang="en-US"/>
+          </a:p>
+        </p:txBody>
+      </p:sp>
+      <p:sp>
+        <p:nvSpPr>
+          <p:cNvPr id="3" name="Date Placeholder 2"/>
+          <p:cNvSpPr>
+            <a:spLocks noGrp="1"/>
+          </p:cNvSpPr>
+          <p:nvPr>
+            <p:ph type="dt" idx="1"/>
+          </p:nvPr>
+        </p:nvSpPr>
+        <p:spPr>
+          <a:xfrm>
+            <a:off x="3884613" y="0"/>
+            <a:ext cx="2971800" cy="458788"/>
+          </a:xfrm>
+          <a:prstGeom prst="rect">
+            <a:avLst/>
+          </a:prstGeom>
+        </p:spPr>
+        <p:txBody>
+          <a:bodyPr vert="horz" lIns="91440" tIns="45720" rIns="91440" bIns="45720" rtlCol="0"/>
+          <a:lstStyle>
+            <a:lvl1pPr algn="r">
+              <a:defRPr sz="1200"/>
+            </a:lvl1pPr>
+          </a:lstStyle>
+          <a:p>
+            <a:fld id="{1AC07CF5-E3D8-44D9-AB18-48680B7A2A06}" type="datetimeFigureOut">
+              <a:rPr lang="en-US" smtClean="0"/>
+              <a:t>8/9/2025</a:t>
+            </a:fld>
+            <a:endParaRPr lang="en-US"/>
+          </a:p>
+        </p:txBody>
+      </p:sp>
+      <p:sp>
+        <p:nvSpPr>
+          <p:cNvPr id="4" name="Slide Image Placeholder 3"/>
+          <p:cNvSpPr>
+            <a:spLocks noGrp="1" noRot="1" noChangeAspect="1"/>
+          </p:cNvSpPr>
+          <p:nvPr>
+            <p:ph type="sldImg" idx="2"/>
+          </p:nvPr>
+        </p:nvSpPr>
+        <p:spPr>
+          <a:xfrm>
+            <a:off x="685800" y="1143000"/>
+            <a:ext cx="5486400" cy="3086100"/>
+          </a:xfrm>
+          <a:prstGeom prst="rect">
+            <a:avLst/>
+          </a:prstGeom>
+          <a:noFill/>
+          <a:ln w="12700">
+            <a:solidFill>
+              <a:prstClr val="black"/>
+            </a:solidFill>
+          </a:ln>
+        </p:spPr>
+        <p:txBody>
+          <a:bodyPr vert="horz" lIns="91440" tIns="45720" rIns="91440" bIns="45720" rtlCol="0" anchor="ctr"/>
+          <a:lstStyle/>
+          <a:p>
+            <a:endParaRPr lang="en-US"/>
+          </a:p>
+        </p:txBody>
+      </p:sp>
+      <p:sp>
+        <p:nvSpPr>
+          <p:cNvPr id="5" name="Notes Placeholder 4"/>
+          <p:cNvSpPr>
+            <a:spLocks noGrp="1"/>
+          </p:cNvSpPr>
+          <p:nvPr>
+            <p:ph type="body" sz="quarter" idx="3"/>
+          </p:nvPr>
+        </p:nvSpPr>
+        <p:spPr>
+          <a:xfrm>
+            <a:off x="685800" y="4400550"/>
+            <a:ext cx="5486400" cy="3600450"/>
+          </a:xfrm>
+          <a:prstGeom prst="rect">
+            <a:avLst/>
+          </a:prstGeom>
+        </p:spPr>
+        <p:txBody>
+          <a:bodyPr vert="horz" lIns="91440" tIns="45720" rIns="91440" bIns="45720" rtlCol="0"/>
+          <a:lstStyle/>
+          <a:p>
+            <a:pPr lvl="0"/>
+            <a:r>
+              <a:rPr lang="en-US"/>
+              <a:t>Click to edit Master text styles</a:t>
+            </a:r>
+          </a:p>
+          <a:p>
+            <a:pPr lvl="1"/>
+            <a:r>
+              <a:rPr lang="en-US"/>
+              <a:t>Second level</a:t>
+            </a:r>
+          </a:p>
+          <a:p>
+            <a:pPr lvl="2"/>
+            <a:r>
+              <a:rPr lang="en-US"/>
+              <a:t>Third level</a:t>
+            </a:r>
+          </a:p>
+          <a:p>
+            <a:pPr lvl="3"/>
+            <a:r>
+              <a:rPr lang="en-US"/>
+              <a:t>Fourth level</a:t>
+            </a:r>
+          </a:p>
+          <a:p>
+            <a:pPr lvl="4"/>
+            <a:r>
+              <a:rPr lang="en-US"/>
+              <a:t>Fifth level</a:t>
+            </a:r>
+          </a:p>
+        </p:txBody>
+      </p:sp>
+      <p:sp>
+        <p:nvSpPr>
+          <p:cNvPr id="6" name="Footer Placeholder 5"/>
+          <p:cNvSpPr>
+            <a:spLocks noGrp="1"/>
+          </p:cNvSpPr>
+          <p:nvPr>
+            <p:ph type="ftr" sz="quarter" idx="4"/>
+          </p:nvPr>
+        </p:nvSpPr>
+        <p:spPr>
+          <a:xfrm>
+            <a:off x="0" y="8685213"/>
+            <a:ext cx="2971800" cy="458787"/>
+          </a:xfrm>
+          <a:prstGeom prst="rect">
+            <a:avLst/>
+          </a:prstGeom>
+        </p:spPr>
+        <p:txBody>
+          <a:bodyPr vert="horz" lIns="91440" tIns="45720" rIns="91440" bIns="45720" rtlCol="0" anchor="b"/>
+          <a:lstStyle>
+            <a:lvl1pPr algn="l">
+              <a:defRPr sz="1200"/>
+            </a:lvl1pPr>
+          </a:lstStyle>
+          <a:p>
+            <a:endParaRPr lang="en-US"/>
+          </a:p>
+        </p:txBody>
+      </p:sp>
+      <p:sp>
+        <p:nvSpPr>
+          <p:cNvPr id="7" name="Slide Number Placeholder 6"/>
+          <p:cNvSpPr>
+            <a:spLocks noGrp="1"/>
+          </p:cNvSpPr>
+          <p:nvPr>
+            <p:ph type="sldNum" sz="quarter" idx="5"/>
+          </p:nvPr>
+        </p:nvSpPr>
+        <p:spPr>
+          <a:xfrm>
+            <a:off x="3884613" y="8685213"/>
+            <a:ext cx="2971800" cy="458787"/>
+          </a:xfrm>
+          <a:prstGeom prst="rect">
+            <a:avLst/>
+          </a:prstGeom>
+        </p:spPr>
+        <p:txBody>
+          <a:bodyPr vert="horz" lIns="91440" tIns="45720" rIns="91440" bIns="45720" rtlCol="0" anchor="b"/>
+          <a:lstStyle>
+            <a:lvl1pPr algn="r">
+              <a:defRPr sz="1200"/>
+            </a:lvl1pPr>
+          </a:lstStyle>
+          <a:p>
+            <a:fld id="{0D62A6B0-F2DA-440F-88D0-52594E8892B7}" type="slidenum">
+              <a:rPr lang="en-US" smtClean="0"/>
+              <a:t>‹#›</a:t>
+            </a:fld>
+            <a:endParaRPr lang="en-US"/>
+          </a:p>
+        </p:txBody>
+      </p:sp>
+    </p:spTree>
+    <p:extLst>
+      <p:ext uri="{BB962C8B-B14F-4D97-AF65-F5344CB8AC3E}">
+        <p14:creationId xmlns:p14="http://schemas.microsoft.com/office/powerpoint/2010/main" val="2731577280"/>
+      </p:ext>
+    </p:extLst>
+  </p:cSld>
+  <p:clrMap bg1="lt1" tx1="dk1" bg2="lt2" tx2="dk2" accent1="accent1" accent2="accent2" accent3="accent3" accent4="accent4" accent5="accent5" accent6="accent6" hlink="hlink" folHlink="folHlink"/>
+  <p:notesStyle>
+    <a:lvl1pPr marL="0" algn="l" defTabSz="914400" rtl="0" eaLnBrk="1" latinLnBrk="0" hangingPunct="1">
+      <a:defRPr sz="1200" kern="1200">
+        <a:solidFill>
+          <a:schemeClr val="tx1"/>
+        </a:solidFill>
+        <a:latin typeface="+mn-lt"/>
+        <a:ea typeface="+mn-ea"/>
+        <a:cs typeface="+mn-cs"/>
+      </a:defRPr>
+    </a:lvl1pPr>
+    <a:lvl2pPr marL="457200" algn="l" defTabSz="914400" rtl="0" eaLnBrk="1" latinLnBrk="0" hangingPunct="1">
+      <a:defRPr sz="1200" kern="1200">
+        <a:solidFill>
+          <a:schemeClr val="tx1"/>
+        </a:solidFill>
+        <a:latin typeface="+mn-lt"/>
+        <a:ea typeface="+mn-ea"/>
+        <a:cs typeface="+mn-cs"/>
+      </a:defRPr>
+    </a:lvl2pPr>
+    <a:lvl3pPr marL="914400" algn="l" defTabSz="914400" rtl="0" eaLnBrk="1" latinLnBrk="0" hangingPunct="1">
+      <a:defRPr sz="1200" kern="1200">
+        <a:solidFill>
+          <a:schemeClr val="tx1"/>
+        </a:solidFill>
+        <a:latin typeface="+mn-lt"/>
+        <a:ea typeface="+mn-ea"/>
+        <a:cs typeface="+mn-cs"/>
+      </a:defRPr>
+    </a:lvl3pPr>
+    <a:lvl4pPr marL="1371600" algn="l" defTabSz="914400" rtl="0" eaLnBrk="1" latinLnBrk="0" hangingPunct="1">
+      <a:defRPr sz="1200" kern="1200">
+        <a:solidFill>
+          <a:schemeClr val="tx1"/>
+        </a:solidFill>
+        <a:latin typeface="+mn-lt"/>
+        <a:ea typeface="+mn-ea"/>
+        <a:cs typeface="+mn-cs"/>
+      </a:defRPr>
+    </a:lvl4pPr>
+    <a:lvl5pPr marL="1828800" algn="l" defTabSz="914400" rtl="0" eaLnBrk="1" latinLnBrk="0" hangingPunct="1">
+      <a:defRPr sz="1200" kern="1200">
+        <a:solidFill>
+          <a:schemeClr val="tx1"/>
+        </a:solidFill>
+        <a:latin typeface="+mn-lt"/>
+        <a:ea typeface="+mn-ea"/>
+        <a:cs typeface="+mn-cs"/>
+      </a:defRPr>
+    </a:lvl5pPr>
+    <a:lvl6pPr marL="2286000" algn="l" defTabSz="914400" rtl="0" eaLnBrk="1" latinLnBrk="0" hangingPunct="1">
+      <a:defRPr sz="1200" kern="1200">
+        <a:solidFill>
+          <a:schemeClr val="tx1"/>
+        </a:solidFill>
+        <a:latin typeface="+mn-lt"/>
+        <a:ea typeface="+mn-ea"/>
+        <a:cs typeface="+mn-cs"/>
+      </a:defRPr>
+    </a:lvl6pPr>
+    <a:lvl7pPr marL="2743200" algn="l" defTabSz="914400" rtl="0" eaLnBrk="1" latinLnBrk="0" hangingPunct="1">
+      <a:defRPr sz="1200" kern="1200">
+        <a:solidFill>
+          <a:schemeClr val="tx1"/>
+        </a:solidFill>
+        <a:latin typeface="+mn-lt"/>
+        <a:ea typeface="+mn-ea"/>
+        <a:cs typeface="+mn-cs"/>
+      </a:defRPr>
+    </a:lvl7pPr>
+    <a:lvl8pPr marL="3200400" algn="l" defTabSz="914400" rtl="0" eaLnBrk="1" latinLnBrk="0" hangingPunct="1">
+      <a:defRPr sz="1200" kern="1200">
+        <a:solidFill>
+          <a:schemeClr val="tx1"/>
+        </a:solidFill>
+        <a:latin typeface="+mn-lt"/>
+        <a:ea typeface="+mn-ea"/>
+        <a:cs typeface="+mn-cs"/>
+      </a:defRPr>
+    </a:lvl8pPr>
+    <a:lvl9pPr marL="3657600" algn="l" defTabSz="914400" rtl="0" eaLnBrk="1" latinLnBrk="0" hangingPunct="1">
+      <a:defRPr sz="1200" kern="1200">
+        <a:solidFill>
+          <a:schemeClr val="tx1"/>
+        </a:solidFill>
+        <a:latin typeface="+mn-lt"/>
+        <a:ea typeface="+mn-ea"/>
+        <a:cs typeface="+mn-cs"/>
+      </a:defRPr>
+    </a:lvl9pPr>
+  </p:notesStyle>
+</p:notesMaster>
+</file>
+
+<file path=ppt/notesSlides/notesSlide1.xml><?xml version="1.0" encoding="utf-8"?>
+<p:notes xmlns:a="http://schemas.openxmlformats.org/drawingml/2006/main" xmlns:r="http://schemas.openxmlformats.org/officeDocument/2006/relationships" xmlns:p="http://schemas.openxmlformats.org/presentationml/2006/main">
+  <p:cSld>
+    <p:spTree>
+      <p:nvGrpSpPr>
+        <p:cNvPr id="1" name=""/>
+        <p:cNvGrpSpPr/>
+        <p:nvPr/>
+      </p:nvGrpSpPr>
+      <p:grpSpPr>
+        <a:xfrm>
+          <a:off x="0" y="0"/>
+          <a:ext cx="0" cy="0"/>
+          <a:chOff x="0" y="0"/>
+          <a:chExt cx="0" cy="0"/>
+        </a:xfrm>
+      </p:grpSpPr>
+      <p:sp>
+        <p:nvSpPr>
+          <p:cNvPr id="2" name="Slide Image Placeholder 1"/>
+          <p:cNvSpPr>
+            <a:spLocks noGrp="1" noRot="1" noChangeAspect="1"/>
+          </p:cNvSpPr>
+          <p:nvPr>
+            <p:ph type="sldImg"/>
+          </p:nvPr>
+        </p:nvSpPr>
+        <p:spPr/>
+      </p:sp>
+      <p:sp>
+        <p:nvSpPr>
+          <p:cNvPr id="3" name="Notes Placeholder 2"/>
+          <p:cNvSpPr>
+            <a:spLocks noGrp="1"/>
+          </p:cNvSpPr>
+          <p:nvPr>
+            <p:ph type="body" idx="1"/>
+          </p:nvPr>
+        </p:nvSpPr>
+        <p:spPr/>
+        <p:txBody>
+          <a:bodyPr/>
+          <a:lstStyle/>
+          <a:p>
+            <a:endParaRPr lang="en-US" dirty="0"/>
+          </a:p>
+        </p:txBody>
+      </p:sp>
+      <p:sp>
+        <p:nvSpPr>
+          <p:cNvPr id="4" name="Slide Number Placeholder 3"/>
+          <p:cNvSpPr>
+            <a:spLocks noGrp="1"/>
+          </p:cNvSpPr>
+          <p:nvPr>
+            <p:ph type="sldNum" sz="quarter" idx="5"/>
+          </p:nvPr>
+        </p:nvSpPr>
+        <p:spPr/>
+        <p:txBody>
+          <a:bodyPr/>
+          <a:lstStyle/>
+          <a:p>
+            <a:fld id="{0D62A6B0-F2DA-440F-88D0-52594E8892B7}" type="slidenum">
+              <a:rPr lang="en-US" smtClean="0"/>
+              <a:t>1</a:t>
+            </a:fld>
+            <a:endParaRPr lang="en-US"/>
+          </a:p>
+        </p:txBody>
+      </p:sp>
+    </p:spTree>
+    <p:extLst>
+      <p:ext uri="{BB962C8B-B14F-4D97-AF65-F5344CB8AC3E}">
+        <p14:creationId xmlns:p14="http://schemas.microsoft.com/office/powerpoint/2010/main" val="4087492908"/>
+      </p:ext>
+    </p:extLst>
+  </p:cSld>
+  <p:clrMapOvr>
+    <a:masterClrMapping/>
+  </p:clrMapOvr>
+</p:notes>
+</file>
+
 <file path=ppt/slideLayouts/slideLayout1.xml><?xml version="1.0" encoding="utf-8"?>
 <p:sldLayout xmlns:a="http://schemas.openxmlformats.org/drawingml/2006/main" xmlns:r="http://schemas.openxmlformats.org/officeDocument/2006/relationships" xmlns:p="http://schemas.openxmlformats.org/presentationml/2006/main" type="title" preserve="1">
   <p:cSld name="Title Slide">
@@ -154,7 +590,7 @@
           </a:lstStyle>
           <a:p>
             <a:r>
-              <a:rPr lang="en-US" smtClean="0"/>
+              <a:rPr lang="en-US"/>
               <a:t>Click to edit Master title style</a:t>
             </a:r>
             <a:endParaRPr lang="en-GB"/>
@@ -219,7 +655,7 @@
           </a:lstStyle>
           <a:p>
             <a:r>
-              <a:rPr lang="en-US" smtClean="0"/>
+              <a:rPr lang="en-US"/>
               <a:t>Click to edit Master subtitle style</a:t>
             </a:r>
             <a:endParaRPr lang="en-GB"/>
@@ -337,7 +773,7 @@
           <a:lstStyle/>
           <a:p>
             <a:r>
-              <a:rPr lang="en-US" smtClean="0"/>
+              <a:rPr lang="en-US"/>
               <a:t>Click to edit Master title style</a:t>
             </a:r>
             <a:endParaRPr lang="en-GB"/>
@@ -361,35 +797,35 @@
           <a:p>
             <a:pPr lvl="0"/>
             <a:r>
-              <a:rPr lang="en-US" smtClean="0"/>
+              <a:rPr lang="en-US"/>
               <a:t>Click to edit Master text styles</a:t>
             </a:r>
           </a:p>
           <a:p>
             <a:pPr lvl="1"/>
             <a:r>
-              <a:rPr lang="en-US" smtClean="0"/>
+              <a:rPr lang="en-US"/>
               <a:t>Second level</a:t>
             </a:r>
           </a:p>
           <a:p>
             <a:pPr lvl="2"/>
             <a:r>
-              <a:rPr lang="en-US" smtClean="0"/>
+              <a:rPr lang="en-US"/>
               <a:t>Third level</a:t>
             </a:r>
           </a:p>
           <a:p>
             <a:pPr lvl="3"/>
             <a:r>
-              <a:rPr lang="en-US" smtClean="0"/>
+              <a:rPr lang="en-US"/>
               <a:t>Fourth level</a:t>
             </a:r>
           </a:p>
           <a:p>
             <a:pPr lvl="4"/>
             <a:r>
-              <a:rPr lang="en-US" smtClean="0"/>
+              <a:rPr lang="en-US"/>
               <a:t>Fifth level</a:t>
             </a:r>
             <a:endParaRPr lang="en-GB"/>
@@ -512,7 +948,7 @@
           <a:lstStyle/>
           <a:p>
             <a:r>
-              <a:rPr lang="en-US" smtClean="0"/>
+              <a:rPr lang="en-US"/>
               <a:t>Click to edit Master title style</a:t>
             </a:r>
             <a:endParaRPr lang="en-GB"/>
@@ -541,35 +977,35 @@
           <a:p>
             <a:pPr lvl="0"/>
             <a:r>
-              <a:rPr lang="en-US" smtClean="0"/>
+              <a:rPr lang="en-US"/>
               <a:t>Click to edit Master text styles</a:t>
             </a:r>
           </a:p>
           <a:p>
             <a:pPr lvl="1"/>
             <a:r>
-              <a:rPr lang="en-US" smtClean="0"/>
+              <a:rPr lang="en-US"/>
               <a:t>Second level</a:t>
             </a:r>
           </a:p>
           <a:p>
             <a:pPr lvl="2"/>
             <a:r>
-              <a:rPr lang="en-US" smtClean="0"/>
+              <a:rPr lang="en-US"/>
               <a:t>Third level</a:t>
             </a:r>
           </a:p>
           <a:p>
             <a:pPr lvl="3"/>
             <a:r>
-              <a:rPr lang="en-US" smtClean="0"/>
+              <a:rPr lang="en-US"/>
               <a:t>Fourth level</a:t>
             </a:r>
           </a:p>
           <a:p>
             <a:pPr lvl="4"/>
             <a:r>
-              <a:rPr lang="en-US" smtClean="0"/>
+              <a:rPr lang="en-US"/>
               <a:t>Fifth level</a:t>
             </a:r>
             <a:endParaRPr lang="en-GB"/>
@@ -687,7 +1123,7 @@
           <a:lstStyle/>
           <a:p>
             <a:r>
-              <a:rPr lang="en-US" smtClean="0"/>
+              <a:rPr lang="en-US"/>
               <a:t>Click to edit Master title style</a:t>
             </a:r>
             <a:endParaRPr lang="en-GB"/>
@@ -711,35 +1147,35 @@
           <a:p>
             <a:pPr lvl="0"/>
             <a:r>
-              <a:rPr lang="en-US" smtClean="0"/>
+              <a:rPr lang="en-US"/>
               <a:t>Click to edit Master text styles</a:t>
             </a:r>
           </a:p>
           <a:p>
             <a:pPr lvl="1"/>
             <a:r>
-              <a:rPr lang="en-US" smtClean="0"/>
+              <a:rPr lang="en-US"/>
               <a:t>Second level</a:t>
             </a:r>
           </a:p>
           <a:p>
             <a:pPr lvl="2"/>
             <a:r>
-              <a:rPr lang="en-US" smtClean="0"/>
+              <a:rPr lang="en-US"/>
               <a:t>Third level</a:t>
             </a:r>
           </a:p>
           <a:p>
             <a:pPr lvl="3"/>
             <a:r>
-              <a:rPr lang="en-US" smtClean="0"/>
+              <a:rPr lang="en-US"/>
               <a:t>Fourth level</a:t>
             </a:r>
           </a:p>
           <a:p>
             <a:pPr lvl="4"/>
             <a:r>
-              <a:rPr lang="en-US" smtClean="0"/>
+              <a:rPr lang="en-US"/>
               <a:t>Fifth level</a:t>
             </a:r>
             <a:endParaRPr lang="en-GB"/>
@@ -866,7 +1302,7 @@
           </a:lstStyle>
           <a:p>
             <a:r>
-              <a:rPr lang="en-US" smtClean="0"/>
+              <a:rPr lang="en-US"/>
               <a:t>Click to edit Master title style</a:t>
             </a:r>
             <a:endParaRPr lang="en-GB"/>
@@ -986,7 +1422,7 @@
           <a:p>
             <a:pPr lvl="0"/>
             <a:r>
-              <a:rPr lang="en-US" smtClean="0"/>
+              <a:rPr lang="en-US"/>
               <a:t>Click to edit Master text styles</a:t>
             </a:r>
           </a:p>
@@ -1103,7 +1539,7 @@
           <a:lstStyle/>
           <a:p>
             <a:r>
-              <a:rPr lang="en-US" smtClean="0"/>
+              <a:rPr lang="en-US"/>
               <a:t>Click to edit Master title style</a:t>
             </a:r>
             <a:endParaRPr lang="en-GB"/>
@@ -1132,35 +1568,35 @@
           <a:p>
             <a:pPr lvl="0"/>
             <a:r>
-              <a:rPr lang="en-US" smtClean="0"/>
+              <a:rPr lang="en-US"/>
               <a:t>Click to edit Master text styles</a:t>
             </a:r>
           </a:p>
           <a:p>
             <a:pPr lvl="1"/>
             <a:r>
-              <a:rPr lang="en-US" smtClean="0"/>
+              <a:rPr lang="en-US"/>
               <a:t>Second level</a:t>
             </a:r>
           </a:p>
           <a:p>
             <a:pPr lvl="2"/>
             <a:r>
-              <a:rPr lang="en-US" smtClean="0"/>
+              <a:rPr lang="en-US"/>
               <a:t>Third level</a:t>
             </a:r>
           </a:p>
           <a:p>
             <a:pPr lvl="3"/>
             <a:r>
-              <a:rPr lang="en-US" smtClean="0"/>
+              <a:rPr lang="en-US"/>
               <a:t>Fourth level</a:t>
             </a:r>
           </a:p>
           <a:p>
             <a:pPr lvl="4"/>
             <a:r>
-              <a:rPr lang="en-US" smtClean="0"/>
+              <a:rPr lang="en-US"/>
               <a:t>Fifth level</a:t>
             </a:r>
             <a:endParaRPr lang="en-GB"/>
@@ -1189,35 +1625,35 @@
           <a:p>
             <a:pPr lvl="0"/>
             <a:r>
-              <a:rPr lang="en-US" smtClean="0"/>
+              <a:rPr lang="en-US"/>
               <a:t>Click to edit Master text styles</a:t>
             </a:r>
           </a:p>
           <a:p>
             <a:pPr lvl="1"/>
             <a:r>
-              <a:rPr lang="en-US" smtClean="0"/>
+              <a:rPr lang="en-US"/>
               <a:t>Second level</a:t>
             </a:r>
           </a:p>
           <a:p>
             <a:pPr lvl="2"/>
             <a:r>
-              <a:rPr lang="en-US" smtClean="0"/>
+              <a:rPr lang="en-US"/>
               <a:t>Third level</a:t>
             </a:r>
           </a:p>
           <a:p>
             <a:pPr lvl="3"/>
             <a:r>
-              <a:rPr lang="en-US" smtClean="0"/>
+              <a:rPr lang="en-US"/>
               <a:t>Fourth level</a:t>
             </a:r>
           </a:p>
           <a:p>
             <a:pPr lvl="4"/>
             <a:r>
-              <a:rPr lang="en-US" smtClean="0"/>
+              <a:rPr lang="en-US"/>
               <a:t>Fifth level</a:t>
             </a:r>
             <a:endParaRPr lang="en-GB"/>
@@ -1340,7 +1776,7 @@
           <a:lstStyle/>
           <a:p>
             <a:r>
-              <a:rPr lang="en-US" smtClean="0"/>
+              <a:rPr lang="en-US"/>
               <a:t>Click to edit Master title style</a:t>
             </a:r>
             <a:endParaRPr lang="en-GB"/>
@@ -1406,7 +1842,7 @@
           <a:p>
             <a:pPr lvl="0"/>
             <a:r>
-              <a:rPr lang="en-US" smtClean="0"/>
+              <a:rPr lang="en-US"/>
               <a:t>Click to edit Master text styles</a:t>
             </a:r>
           </a:p>
@@ -1434,35 +1870,35 @@
           <a:p>
             <a:pPr lvl="0"/>
             <a:r>
-              <a:rPr lang="en-US" smtClean="0"/>
+              <a:rPr lang="en-US"/>
               <a:t>Click to edit Master text styles</a:t>
             </a:r>
           </a:p>
           <a:p>
             <a:pPr lvl="1"/>
             <a:r>
-              <a:rPr lang="en-US" smtClean="0"/>
+              <a:rPr lang="en-US"/>
               <a:t>Second level</a:t>
             </a:r>
           </a:p>
           <a:p>
             <a:pPr lvl="2"/>
             <a:r>
-              <a:rPr lang="en-US" smtClean="0"/>
+              <a:rPr lang="en-US"/>
               <a:t>Third level</a:t>
             </a:r>
           </a:p>
           <a:p>
             <a:pPr lvl="3"/>
             <a:r>
-              <a:rPr lang="en-US" smtClean="0"/>
+              <a:rPr lang="en-US"/>
               <a:t>Fourth level</a:t>
             </a:r>
           </a:p>
           <a:p>
             <a:pPr lvl="4"/>
             <a:r>
-              <a:rPr lang="en-US" smtClean="0"/>
+              <a:rPr lang="en-US"/>
               <a:t>Fifth level</a:t>
             </a:r>
             <a:endParaRPr lang="en-GB"/>
@@ -1528,7 +1964,7 @@
           <a:p>
             <a:pPr lvl="0"/>
             <a:r>
-              <a:rPr lang="en-US" smtClean="0"/>
+              <a:rPr lang="en-US"/>
               <a:t>Click to edit Master text styles</a:t>
             </a:r>
           </a:p>
@@ -1556,35 +1992,35 @@
           <a:p>
             <a:pPr lvl="0"/>
             <a:r>
-              <a:rPr lang="en-US" smtClean="0"/>
+              <a:rPr lang="en-US"/>
               <a:t>Click to edit Master text styles</a:t>
             </a:r>
           </a:p>
           <a:p>
             <a:pPr lvl="1"/>
             <a:r>
-              <a:rPr lang="en-US" smtClean="0"/>
+              <a:rPr lang="en-US"/>
               <a:t>Second level</a:t>
             </a:r>
           </a:p>
           <a:p>
             <a:pPr lvl="2"/>
             <a:r>
-              <a:rPr lang="en-US" smtClean="0"/>
+              <a:rPr lang="en-US"/>
               <a:t>Third level</a:t>
             </a:r>
           </a:p>
           <a:p>
             <a:pPr lvl="3"/>
             <a:r>
-              <a:rPr lang="en-US" smtClean="0"/>
+              <a:rPr lang="en-US"/>
               <a:t>Fourth level</a:t>
             </a:r>
           </a:p>
           <a:p>
             <a:pPr lvl="4"/>
             <a:r>
-              <a:rPr lang="en-US" smtClean="0"/>
+              <a:rPr lang="en-US"/>
               <a:t>Fifth level</a:t>
             </a:r>
             <a:endParaRPr lang="en-GB"/>
@@ -1702,7 +2138,7 @@
           <a:lstStyle/>
           <a:p>
             <a:r>
-              <a:rPr lang="en-US" smtClean="0"/>
+              <a:rPr lang="en-US"/>
               <a:t>Click to edit Master title style</a:t>
             </a:r>
             <a:endParaRPr lang="en-GB"/>
@@ -1924,7 +2360,7 @@
           </a:lstStyle>
           <a:p>
             <a:r>
-              <a:rPr lang="en-US" smtClean="0"/>
+              <a:rPr lang="en-US"/>
               <a:t>Click to edit Master title style</a:t>
             </a:r>
             <a:endParaRPr lang="en-GB"/>
@@ -1981,35 +2417,35 @@
           <a:p>
             <a:pPr lvl="0"/>
             <a:r>
-              <a:rPr lang="en-US" smtClean="0"/>
+              <a:rPr lang="en-US"/>
               <a:t>Click to edit Master text styles</a:t>
             </a:r>
           </a:p>
           <a:p>
             <a:pPr lvl="1"/>
             <a:r>
-              <a:rPr lang="en-US" smtClean="0"/>
+              <a:rPr lang="en-US"/>
               <a:t>Second level</a:t>
             </a:r>
           </a:p>
           <a:p>
             <a:pPr lvl="2"/>
             <a:r>
-              <a:rPr lang="en-US" smtClean="0"/>
+              <a:rPr lang="en-US"/>
               <a:t>Third level</a:t>
             </a:r>
           </a:p>
           <a:p>
             <a:pPr lvl="3"/>
             <a:r>
-              <a:rPr lang="en-US" smtClean="0"/>
+              <a:rPr lang="en-US"/>
               <a:t>Fourth level</a:t>
             </a:r>
           </a:p>
           <a:p>
             <a:pPr lvl="4"/>
             <a:r>
-              <a:rPr lang="en-US" smtClean="0"/>
+              <a:rPr lang="en-US"/>
               <a:t>Fifth level</a:t>
             </a:r>
             <a:endParaRPr lang="en-GB"/>
@@ -2075,7 +2511,7 @@
           <a:p>
             <a:pPr lvl="0"/>
             <a:r>
-              <a:rPr lang="en-US" smtClean="0"/>
+              <a:rPr lang="en-US"/>
               <a:t>Click to edit Master text styles</a:t>
             </a:r>
           </a:p>
@@ -2201,7 +2637,7 @@
           </a:lstStyle>
           <a:p>
             <a:r>
-              <a:rPr lang="en-US" smtClean="0"/>
+              <a:rPr lang="en-US"/>
               <a:t>Click to edit Master title style</a:t>
             </a:r>
             <a:endParaRPr lang="en-GB"/>
@@ -2328,7 +2764,7 @@
           <a:p>
             <a:pPr lvl="0"/>
             <a:r>
-              <a:rPr lang="en-US" smtClean="0"/>
+              <a:rPr lang="en-US"/>
               <a:t>Click to edit Master text styles</a:t>
             </a:r>
           </a:p>
@@ -2460,7 +2896,7 @@
           <a:lstStyle/>
           <a:p>
             <a:r>
-              <a:rPr lang="en-US" smtClean="0"/>
+              <a:rPr lang="en-US"/>
               <a:t>Click to edit Master title style</a:t>
             </a:r>
             <a:endParaRPr lang="en-GB"/>
@@ -2494,35 +2930,35 @@
           <a:p>
             <a:pPr lvl="0"/>
             <a:r>
-              <a:rPr lang="en-US" smtClean="0"/>
+              <a:rPr lang="en-US"/>
               <a:t>Click to edit Master text styles</a:t>
             </a:r>
           </a:p>
           <a:p>
             <a:pPr lvl="1"/>
             <a:r>
-              <a:rPr lang="en-US" smtClean="0"/>
+              <a:rPr lang="en-US"/>
               <a:t>Second level</a:t>
             </a:r>
           </a:p>
           <a:p>
             <a:pPr lvl="2"/>
             <a:r>
-              <a:rPr lang="en-US" smtClean="0"/>
+              <a:rPr lang="en-US"/>
               <a:t>Third level</a:t>
             </a:r>
           </a:p>
           <a:p>
             <a:pPr lvl="3"/>
             <a:r>
-              <a:rPr lang="en-US" smtClean="0"/>
+              <a:rPr lang="en-US"/>
               <a:t>Fourth level</a:t>
             </a:r>
           </a:p>
           <a:p>
             <a:pPr lvl="4"/>
             <a:r>
-              <a:rPr lang="en-US" smtClean="0"/>
+              <a:rPr lang="en-US"/>
               <a:t>Fifth level</a:t>
             </a:r>
             <a:endParaRPr lang="en-GB"/>
@@ -2977,8 +3413,8 @@
         </p:nvSpPr>
         <p:spPr>
           <a:xfrm>
-            <a:off x="5035272" y="283539"/>
-            <a:ext cx="2635527" cy="1712818"/>
+            <a:off x="5288803" y="405108"/>
+            <a:ext cx="2884554" cy="1712818"/>
           </a:xfrm>
           <a:prstGeom prst="roundRect">
             <a:avLst>
@@ -2992,11 +3428,7 @@
             </a:schemeClr>
           </a:solidFill>
           <a:ln>
-            <a:solidFill>
-              <a:schemeClr val="accent2">
-                <a:lumMod val="50000"/>
-              </a:schemeClr>
-            </a:solidFill>
+            <a:noFill/>
           </a:ln>
         </p:spPr>
         <p:style>
@@ -3032,7 +3464,7 @@
         </p:nvSpPr>
         <p:spPr>
           <a:xfrm>
-            <a:off x="9293692" y="2716901"/>
+            <a:off x="9003835" y="2766196"/>
             <a:ext cx="2276009" cy="1712818"/>
           </a:xfrm>
           <a:prstGeom prst="roundRect">
@@ -3047,11 +3479,7 @@
             </a:schemeClr>
           </a:solidFill>
           <a:ln>
-            <a:solidFill>
-              <a:schemeClr val="accent2">
-                <a:lumMod val="50000"/>
-              </a:schemeClr>
-            </a:solidFill>
+            <a:noFill/>
           </a:ln>
         </p:spPr>
         <p:style>
@@ -3087,8 +3515,8 @@
         </p:nvSpPr>
         <p:spPr>
           <a:xfrm>
-            <a:off x="5392748" y="2708734"/>
-            <a:ext cx="2706921" cy="1712818"/>
+            <a:off x="5298158" y="2758029"/>
+            <a:ext cx="2890802" cy="1712818"/>
           </a:xfrm>
           <a:prstGeom prst="roundRect">
             <a:avLst>
@@ -3102,11 +3530,7 @@
             </a:schemeClr>
           </a:solidFill>
           <a:ln>
-            <a:solidFill>
-              <a:schemeClr val="accent2">
-                <a:lumMod val="50000"/>
-              </a:schemeClr>
-            </a:solidFill>
+            <a:noFill/>
           </a:ln>
         </p:spPr>
         <p:style>
@@ -3142,7 +3566,7 @@
         </p:nvSpPr>
         <p:spPr>
           <a:xfrm>
-            <a:off x="2164080" y="2699162"/>
+            <a:off x="2069490" y="2748457"/>
             <a:ext cx="2308860" cy="1712818"/>
           </a:xfrm>
           <a:prstGeom prst="roundRect">
@@ -3157,11 +3581,7 @@
             </a:schemeClr>
           </a:solidFill>
           <a:ln>
-            <a:solidFill>
-              <a:schemeClr val="accent2">
-                <a:lumMod val="50000"/>
-              </a:schemeClr>
-            </a:solidFill>
+            <a:noFill/>
           </a:ln>
         </p:spPr>
         <p:style>
@@ -3198,7 +3618,7 @@
           <p:nvPr/>
         </p:nvPicPr>
         <p:blipFill rotWithShape="1">
-          <a:blip r:embed="rId2" cstate="print">
+          <a:blip r:embed="rId3" cstate="print">
             <a:extLst>
               <a:ext uri="{28A0092B-C50C-407E-A947-70E740481C1C}">
                 <a14:useLocalDpi xmlns:a14="http://schemas.microsoft.com/office/drawing/2010/main" val="0"/>
@@ -3210,8 +3630,8 @@
         </p:blipFill>
         <p:spPr>
           <a:xfrm rot="16200000">
-            <a:off x="9743461" y="2373418"/>
-            <a:ext cx="1364302" cy="2107821"/>
+            <a:off x="9459690" y="2324330"/>
+            <a:ext cx="1364302" cy="2276009"/>
           </a:xfrm>
           <a:prstGeom prst="rect">
             <a:avLst/>
@@ -3227,35 +3647,6 @@
           <p:nvPr/>
         </p:nvPicPr>
         <p:blipFill rotWithShape="1">
-          <a:blip r:embed="rId3" cstate="print">
-            <a:extLst>
-              <a:ext uri="{28A0092B-C50C-407E-A947-70E740481C1C}">
-                <a14:useLocalDpi xmlns:a14="http://schemas.microsoft.com/office/drawing/2010/main" val="0"/>
-              </a:ext>
-            </a:extLst>
-          </a:blip>
-          <a:srcRect r="911" b="23346"/>
-          <a:stretch/>
-        </p:blipFill>
-        <p:spPr>
-          <a:xfrm>
-            <a:off x="5587819" y="2731179"/>
-            <a:ext cx="2375589" cy="1378301"/>
-          </a:xfrm>
-          <a:prstGeom prst="rect">
-            <a:avLst/>
-          </a:prstGeom>
-        </p:spPr>
-      </p:pic>
-      <p:pic>
-        <p:nvPicPr>
-          <p:cNvPr id="7" name="Picture 6"/>
-          <p:cNvPicPr>
-            <a:picLocks noChangeAspect="1"/>
-          </p:cNvPicPr>
-          <p:nvPr/>
-        </p:nvPicPr>
-        <p:blipFill>
           <a:blip r:embed="rId4" cstate="print">
             <a:extLst>
               <a:ext uri="{28A0092B-C50C-407E-A947-70E740481C1C}">
@@ -3263,14 +3654,15 @@
               </a:ext>
             </a:extLst>
           </a:blip>
+          <a:srcRect l="977" t="7019" r="-67" b="31993"/>
           <a:stretch>
             <a:fillRect/>
           </a:stretch>
         </p:blipFill>
         <p:spPr>
           <a:xfrm>
-            <a:off x="2241273" y="2745178"/>
-            <a:ext cx="2188487" cy="1364302"/>
+            <a:off x="5290173" y="2731104"/>
+            <a:ext cx="2898787" cy="1338103"/>
           </a:xfrm>
           <a:prstGeom prst="rect">
             <a:avLst/>
@@ -3279,9 +3671,9 @@
       </p:pic>
       <p:pic>
         <p:nvPicPr>
-          <p:cNvPr id="1026" name="Picture 2" descr="Không có mô tả ảnh."/>
+          <p:cNvPr id="7" name="Picture 6"/>
           <p:cNvPicPr>
-            <a:picLocks noChangeAspect="1" noChangeArrowheads="1"/>
+            <a:picLocks noChangeAspect="1"/>
           </p:cNvPicPr>
           <p:nvPr/>
         </p:nvPicPr>
@@ -3293,1459 +3685,23 @@
               </a:ext>
             </a:extLst>
           </a:blip>
-          <a:srcRect/>
           <a:stretch>
             <a:fillRect/>
           </a:stretch>
         </p:blipFill>
-        <p:spPr bwMode="auto">
-          <a:xfrm rot="5400000">
-            <a:off x="5810574" y="-249025"/>
-            <a:ext cx="1084921" cy="2421699"/>
+        <p:spPr>
+          <a:xfrm>
+            <a:off x="2069490" y="2727393"/>
+            <a:ext cx="2298163" cy="1364302"/>
           </a:xfrm>
           <a:prstGeom prst="rect">
             <a:avLst/>
           </a:prstGeom>
-          <a:noFill/>
-          <a:extLst>
-            <a:ext uri="{909E8E84-426E-40DD-AFC4-6F175D3DCCD1}">
-              <a14:hiddenFill xmlns:a14="http://schemas.microsoft.com/office/drawing/2010/main">
-                <a:solidFill>
-                  <a:srgbClr val="FFFFFF"/>
-                </a:solidFill>
-              </a14:hiddenFill>
-            </a:ext>
-          </a:extLst>
-        </p:spPr>
-      </p:pic>
-      <p:cxnSp>
-        <p:nvCxnSpPr>
-          <p:cNvPr id="12" name="Straight Connector 11"/>
-          <p:cNvCxnSpPr/>
-          <p:nvPr/>
-        </p:nvCxnSpPr>
-        <p:spPr>
-          <a:xfrm>
-            <a:off x="0" y="2537560"/>
-            <a:ext cx="12192000" cy="16476"/>
-          </a:xfrm>
-          <a:prstGeom prst="line">
-            <a:avLst/>
-          </a:prstGeom>
-          <a:ln w="28575">
-            <a:prstDash val="sysDash"/>
-          </a:ln>
-        </p:spPr>
-        <p:style>
-          <a:lnRef idx="1">
-            <a:schemeClr val="accent1"/>
-          </a:lnRef>
-          <a:fillRef idx="0">
-            <a:schemeClr val="accent1"/>
-          </a:fillRef>
-          <a:effectRef idx="0">
-            <a:schemeClr val="accent1"/>
-          </a:effectRef>
-          <a:fontRef idx="minor">
-            <a:schemeClr val="tx1"/>
-          </a:fontRef>
-        </p:style>
-      </p:cxnSp>
-      <p:sp>
-        <p:nvSpPr>
-          <p:cNvPr id="13" name="TextBox 12"/>
-          <p:cNvSpPr txBox="1"/>
-          <p:nvPr/>
-        </p:nvSpPr>
-        <p:spPr>
-          <a:xfrm>
-            <a:off x="2543588" y="4076064"/>
-            <a:ext cx="1583855" cy="369332"/>
-          </a:xfrm>
-          <a:prstGeom prst="rect">
-            <a:avLst/>
-          </a:prstGeom>
-          <a:noFill/>
-        </p:spPr>
-        <p:txBody>
-          <a:bodyPr wrap="square" rtlCol="0">
-            <a:spAutoFit/>
-          </a:bodyPr>
-          <a:lstStyle/>
-          <a:p>
-            <a:pPr algn="ctr"/>
-            <a:r>
-              <a:rPr lang="en-GB" b="1" dirty="0" err="1" smtClean="0">
-                <a:latin typeface="Times New Roman" panose="02020603050405020304" pitchFamily="18" charset="0"/>
-                <a:cs typeface="Times New Roman" panose="02020603050405020304" pitchFamily="18" charset="0"/>
-              </a:rPr>
-              <a:t>Thiết</a:t>
-            </a:r>
-            <a:r>
-              <a:rPr lang="en-GB" b="1" dirty="0" smtClean="0">
-                <a:latin typeface="Times New Roman" panose="02020603050405020304" pitchFamily="18" charset="0"/>
-                <a:cs typeface="Times New Roman" panose="02020603050405020304" pitchFamily="18" charset="0"/>
-              </a:rPr>
-              <a:t> </a:t>
-            </a:r>
-            <a:r>
-              <a:rPr lang="en-GB" b="1" dirty="0" err="1" smtClean="0">
-                <a:latin typeface="Times New Roman" panose="02020603050405020304" pitchFamily="18" charset="0"/>
-                <a:cs typeface="Times New Roman" panose="02020603050405020304" pitchFamily="18" charset="0"/>
-              </a:rPr>
-              <a:t>kế</a:t>
-            </a:r>
-            <a:r>
-              <a:rPr lang="en-GB" b="1" dirty="0" smtClean="0">
-                <a:latin typeface="Times New Roman" panose="02020603050405020304" pitchFamily="18" charset="0"/>
-                <a:cs typeface="Times New Roman" panose="02020603050405020304" pitchFamily="18" charset="0"/>
-              </a:rPr>
-              <a:t> </a:t>
-            </a:r>
-            <a:r>
-              <a:rPr lang="en-GB" b="1" dirty="0" smtClean="0">
-                <a:latin typeface="Times New Roman" panose="02020603050405020304" pitchFamily="18" charset="0"/>
-                <a:cs typeface="Times New Roman" panose="02020603050405020304" pitchFamily="18" charset="0"/>
-              </a:rPr>
-              <a:t>RTL</a:t>
-            </a:r>
-            <a:endParaRPr lang="en-GB" b="1" dirty="0">
-              <a:latin typeface="Times New Roman" panose="02020603050405020304" pitchFamily="18" charset="0"/>
-              <a:cs typeface="Times New Roman" panose="02020603050405020304" pitchFamily="18" charset="0"/>
-            </a:endParaRPr>
-          </a:p>
-        </p:txBody>
-      </p:sp>
-      <p:sp>
-        <p:nvSpPr>
-          <p:cNvPr id="15" name="TextBox 14"/>
-          <p:cNvSpPr txBox="1"/>
-          <p:nvPr/>
-        </p:nvSpPr>
-        <p:spPr>
-          <a:xfrm>
-            <a:off x="5509809" y="4077601"/>
-            <a:ext cx="2345514" cy="369332"/>
-          </a:xfrm>
-          <a:prstGeom prst="rect">
-            <a:avLst/>
-          </a:prstGeom>
-          <a:noFill/>
-        </p:spPr>
-        <p:txBody>
-          <a:bodyPr wrap="none" rtlCol="0">
-            <a:spAutoFit/>
-          </a:bodyPr>
-          <a:lstStyle/>
-          <a:p>
-            <a:r>
-              <a:rPr lang="en-GB" b="1" dirty="0" err="1" smtClean="0">
-                <a:latin typeface="Times New Roman" panose="02020603050405020304" pitchFamily="18" charset="0"/>
-                <a:cs typeface="Times New Roman" panose="02020603050405020304" pitchFamily="18" charset="0"/>
-              </a:rPr>
-              <a:t>Mô</a:t>
-            </a:r>
-            <a:r>
-              <a:rPr lang="en-GB" b="1" dirty="0" smtClean="0">
-                <a:latin typeface="Times New Roman" panose="02020603050405020304" pitchFamily="18" charset="0"/>
-                <a:cs typeface="Times New Roman" panose="02020603050405020304" pitchFamily="18" charset="0"/>
-              </a:rPr>
-              <a:t> </a:t>
-            </a:r>
-            <a:r>
-              <a:rPr lang="en-GB" b="1" dirty="0" err="1" smtClean="0">
-                <a:latin typeface="Times New Roman" panose="02020603050405020304" pitchFamily="18" charset="0"/>
-                <a:cs typeface="Times New Roman" panose="02020603050405020304" pitchFamily="18" charset="0"/>
-              </a:rPr>
-              <a:t>phỏng</a:t>
-            </a:r>
-            <a:r>
-              <a:rPr lang="en-GB" b="1" dirty="0" smtClean="0">
-                <a:latin typeface="Times New Roman" panose="02020603050405020304" pitchFamily="18" charset="0"/>
-                <a:cs typeface="Times New Roman" panose="02020603050405020304" pitchFamily="18" charset="0"/>
-              </a:rPr>
-              <a:t> </a:t>
-            </a:r>
-            <a:r>
-              <a:rPr lang="en-GB" b="1" dirty="0" err="1" smtClean="0">
-                <a:latin typeface="Times New Roman" panose="02020603050405020304" pitchFamily="18" charset="0"/>
-                <a:cs typeface="Times New Roman" panose="02020603050405020304" pitchFamily="18" charset="0"/>
-              </a:rPr>
-              <a:t>trên</a:t>
-            </a:r>
-            <a:r>
-              <a:rPr lang="en-GB" b="1" dirty="0" smtClean="0">
-                <a:latin typeface="Times New Roman" panose="02020603050405020304" pitchFamily="18" charset="0"/>
-                <a:cs typeface="Times New Roman" panose="02020603050405020304" pitchFamily="18" charset="0"/>
-              </a:rPr>
-              <a:t> </a:t>
-            </a:r>
-            <a:r>
-              <a:rPr lang="en-GB" b="1" dirty="0" smtClean="0">
-                <a:latin typeface="Times New Roman" panose="02020603050405020304" pitchFamily="18" charset="0"/>
-                <a:cs typeface="Times New Roman" panose="02020603050405020304" pitchFamily="18" charset="0"/>
-              </a:rPr>
-              <a:t>FPGA</a:t>
-            </a:r>
-            <a:endParaRPr lang="en-GB" b="1" dirty="0">
-              <a:latin typeface="Times New Roman" panose="02020603050405020304" pitchFamily="18" charset="0"/>
-              <a:cs typeface="Times New Roman" panose="02020603050405020304" pitchFamily="18" charset="0"/>
-            </a:endParaRPr>
-          </a:p>
-        </p:txBody>
-      </p:sp>
-      <p:sp>
-        <p:nvSpPr>
-          <p:cNvPr id="14" name="TextBox 13"/>
-          <p:cNvSpPr txBox="1"/>
-          <p:nvPr/>
-        </p:nvSpPr>
-        <p:spPr>
-          <a:xfrm>
-            <a:off x="20401" y="3199280"/>
-            <a:ext cx="2020097" cy="677108"/>
-          </a:xfrm>
-          <a:prstGeom prst="rect">
-            <a:avLst/>
-          </a:prstGeom>
-          <a:noFill/>
-        </p:spPr>
-        <p:txBody>
-          <a:bodyPr wrap="square" rtlCol="0">
-            <a:spAutoFit/>
-          </a:bodyPr>
-          <a:lstStyle/>
-          <a:p>
-            <a:pPr algn="ctr"/>
-            <a:r>
-              <a:rPr lang="en-GB" sz="2000" b="1" dirty="0" err="1" smtClean="0">
-                <a:solidFill>
-                  <a:schemeClr val="accent4">
-                    <a:lumMod val="50000"/>
-                  </a:schemeClr>
-                </a:solidFill>
-                <a:latin typeface="Times New Roman" panose="02020603050405020304" pitchFamily="18" charset="0"/>
-                <a:cs typeface="Times New Roman" panose="02020603050405020304" pitchFamily="18" charset="0"/>
-              </a:rPr>
-              <a:t>Thiết</a:t>
-            </a:r>
-            <a:r>
-              <a:rPr lang="en-GB" sz="2000" b="1" dirty="0" smtClean="0">
-                <a:solidFill>
-                  <a:schemeClr val="accent4">
-                    <a:lumMod val="50000"/>
-                  </a:schemeClr>
-                </a:solidFill>
-                <a:latin typeface="Times New Roman" panose="02020603050405020304" pitchFamily="18" charset="0"/>
-                <a:cs typeface="Times New Roman" panose="02020603050405020304" pitchFamily="18" charset="0"/>
-              </a:rPr>
-              <a:t> </a:t>
-            </a:r>
-            <a:r>
-              <a:rPr lang="en-GB" sz="2000" b="1" dirty="0" err="1" smtClean="0">
-                <a:solidFill>
-                  <a:schemeClr val="accent4">
-                    <a:lumMod val="50000"/>
-                  </a:schemeClr>
-                </a:solidFill>
-                <a:latin typeface="Times New Roman" panose="02020603050405020304" pitchFamily="18" charset="0"/>
-                <a:cs typeface="Times New Roman" panose="02020603050405020304" pitchFamily="18" charset="0"/>
-              </a:rPr>
-              <a:t>kế</a:t>
-            </a:r>
-            <a:r>
-              <a:rPr lang="en-GB" sz="2000" b="1" dirty="0" smtClean="0">
-                <a:solidFill>
-                  <a:schemeClr val="accent4">
-                    <a:lumMod val="50000"/>
-                  </a:schemeClr>
-                </a:solidFill>
-                <a:latin typeface="Times New Roman" panose="02020603050405020304" pitchFamily="18" charset="0"/>
-                <a:cs typeface="Times New Roman" panose="02020603050405020304" pitchFamily="18" charset="0"/>
-              </a:rPr>
-              <a:t> vi </a:t>
-            </a:r>
-            <a:r>
-              <a:rPr lang="en-GB" sz="2000" b="1" dirty="0" err="1" smtClean="0">
-                <a:solidFill>
-                  <a:schemeClr val="accent4">
-                    <a:lumMod val="50000"/>
-                  </a:schemeClr>
-                </a:solidFill>
-                <a:latin typeface="Times New Roman" panose="02020603050405020304" pitchFamily="18" charset="0"/>
-                <a:cs typeface="Times New Roman" panose="02020603050405020304" pitchFamily="18" charset="0"/>
-              </a:rPr>
-              <a:t>mạch</a:t>
-            </a:r>
-            <a:endParaRPr lang="en-GB" sz="2000" b="1" dirty="0" smtClean="0">
-              <a:solidFill>
-                <a:schemeClr val="accent4">
-                  <a:lumMod val="50000"/>
-                </a:schemeClr>
-              </a:solidFill>
-              <a:latin typeface="Times New Roman" panose="02020603050405020304" pitchFamily="18" charset="0"/>
-              <a:cs typeface="Times New Roman" panose="02020603050405020304" pitchFamily="18" charset="0"/>
-            </a:endParaRPr>
-          </a:p>
-          <a:p>
-            <a:pPr algn="ctr"/>
-            <a:r>
-              <a:rPr lang="en-GB" b="1" dirty="0" smtClean="0">
-                <a:solidFill>
-                  <a:schemeClr val="accent4">
-                    <a:lumMod val="50000"/>
-                  </a:schemeClr>
-                </a:solidFill>
-                <a:latin typeface="Times New Roman" panose="02020603050405020304" pitchFamily="18" charset="0"/>
-                <a:cs typeface="Times New Roman" panose="02020603050405020304" pitchFamily="18" charset="0"/>
-              </a:rPr>
-              <a:t>(Semiconductor)</a:t>
-            </a:r>
-            <a:endParaRPr lang="en-GB" b="1" dirty="0">
-              <a:solidFill>
-                <a:schemeClr val="accent4">
-                  <a:lumMod val="50000"/>
-                </a:schemeClr>
-              </a:solidFill>
-              <a:latin typeface="Times New Roman" panose="02020603050405020304" pitchFamily="18" charset="0"/>
-              <a:cs typeface="Times New Roman" panose="02020603050405020304" pitchFamily="18" charset="0"/>
-            </a:endParaRPr>
-          </a:p>
-        </p:txBody>
-      </p:sp>
-      <p:sp>
-        <p:nvSpPr>
-          <p:cNvPr id="16" name="TextBox 15"/>
-          <p:cNvSpPr txBox="1"/>
-          <p:nvPr/>
-        </p:nvSpPr>
-        <p:spPr>
-          <a:xfrm>
-            <a:off x="90511" y="864951"/>
-            <a:ext cx="1979941" cy="707886"/>
-          </a:xfrm>
-          <a:prstGeom prst="rect">
-            <a:avLst/>
-          </a:prstGeom>
-          <a:noFill/>
-        </p:spPr>
-        <p:txBody>
-          <a:bodyPr wrap="square" rtlCol="0">
-            <a:spAutoFit/>
-          </a:bodyPr>
-          <a:lstStyle/>
-          <a:p>
-            <a:pPr algn="ctr"/>
-            <a:r>
-              <a:rPr lang="en-GB" sz="2000" b="1" dirty="0" err="1" smtClean="0">
-                <a:solidFill>
-                  <a:schemeClr val="accent6">
-                    <a:lumMod val="50000"/>
-                  </a:schemeClr>
-                </a:solidFill>
-                <a:latin typeface="Times New Roman" panose="02020603050405020304" pitchFamily="18" charset="0"/>
-                <a:cs typeface="Times New Roman" panose="02020603050405020304" pitchFamily="18" charset="0"/>
-              </a:rPr>
-              <a:t>Trí</a:t>
-            </a:r>
-            <a:r>
-              <a:rPr lang="en-GB" sz="2000" b="1" dirty="0" smtClean="0">
-                <a:solidFill>
-                  <a:schemeClr val="accent6">
-                    <a:lumMod val="50000"/>
-                  </a:schemeClr>
-                </a:solidFill>
-                <a:latin typeface="Times New Roman" panose="02020603050405020304" pitchFamily="18" charset="0"/>
-                <a:cs typeface="Times New Roman" panose="02020603050405020304" pitchFamily="18" charset="0"/>
-              </a:rPr>
-              <a:t> </a:t>
-            </a:r>
-            <a:r>
-              <a:rPr lang="en-GB" sz="2000" b="1" dirty="0" err="1" smtClean="0">
-                <a:solidFill>
-                  <a:schemeClr val="accent6">
-                    <a:lumMod val="50000"/>
-                  </a:schemeClr>
-                </a:solidFill>
-                <a:latin typeface="Times New Roman" panose="02020603050405020304" pitchFamily="18" charset="0"/>
-                <a:cs typeface="Times New Roman" panose="02020603050405020304" pitchFamily="18" charset="0"/>
-              </a:rPr>
-              <a:t>tuệ</a:t>
-            </a:r>
-            <a:r>
-              <a:rPr lang="en-GB" sz="2000" b="1" dirty="0" smtClean="0">
-                <a:solidFill>
-                  <a:schemeClr val="accent6">
-                    <a:lumMod val="50000"/>
-                  </a:schemeClr>
-                </a:solidFill>
-                <a:latin typeface="Times New Roman" panose="02020603050405020304" pitchFamily="18" charset="0"/>
-                <a:cs typeface="Times New Roman" panose="02020603050405020304" pitchFamily="18" charset="0"/>
-              </a:rPr>
-              <a:t> </a:t>
-            </a:r>
-            <a:r>
-              <a:rPr lang="en-GB" sz="2000" b="1" dirty="0" err="1" smtClean="0">
-                <a:solidFill>
-                  <a:schemeClr val="accent6">
-                    <a:lumMod val="50000"/>
-                  </a:schemeClr>
-                </a:solidFill>
-                <a:latin typeface="Times New Roman" panose="02020603050405020304" pitchFamily="18" charset="0"/>
-                <a:cs typeface="Times New Roman" panose="02020603050405020304" pitchFamily="18" charset="0"/>
-              </a:rPr>
-              <a:t>nhân</a:t>
-            </a:r>
-            <a:r>
-              <a:rPr lang="en-GB" sz="2000" b="1" dirty="0" smtClean="0">
-                <a:solidFill>
-                  <a:schemeClr val="accent6">
-                    <a:lumMod val="50000"/>
-                  </a:schemeClr>
-                </a:solidFill>
-                <a:latin typeface="Times New Roman" panose="02020603050405020304" pitchFamily="18" charset="0"/>
-                <a:cs typeface="Times New Roman" panose="02020603050405020304" pitchFamily="18" charset="0"/>
-              </a:rPr>
-              <a:t> </a:t>
-            </a:r>
-            <a:r>
-              <a:rPr lang="en-GB" sz="2000" b="1" dirty="0" err="1" smtClean="0">
-                <a:solidFill>
-                  <a:schemeClr val="accent6">
-                    <a:lumMod val="50000"/>
-                  </a:schemeClr>
-                </a:solidFill>
-                <a:latin typeface="Times New Roman" panose="02020603050405020304" pitchFamily="18" charset="0"/>
-                <a:cs typeface="Times New Roman" panose="02020603050405020304" pitchFamily="18" charset="0"/>
-              </a:rPr>
-              <a:t>tạo</a:t>
-            </a:r>
-            <a:endParaRPr lang="en-GB" sz="2000" b="1" dirty="0" smtClean="0">
-              <a:solidFill>
-                <a:schemeClr val="accent6">
-                  <a:lumMod val="50000"/>
-                </a:schemeClr>
-              </a:solidFill>
-              <a:latin typeface="Times New Roman" panose="02020603050405020304" pitchFamily="18" charset="0"/>
-              <a:cs typeface="Times New Roman" panose="02020603050405020304" pitchFamily="18" charset="0"/>
-            </a:endParaRPr>
-          </a:p>
-          <a:p>
-            <a:pPr algn="ctr"/>
-            <a:r>
-              <a:rPr lang="en-GB" sz="2000" b="1" dirty="0" smtClean="0">
-                <a:solidFill>
-                  <a:schemeClr val="accent6">
-                    <a:lumMod val="50000"/>
-                  </a:schemeClr>
-                </a:solidFill>
-                <a:latin typeface="Times New Roman" panose="02020603050405020304" pitchFamily="18" charset="0"/>
-                <a:cs typeface="Times New Roman" panose="02020603050405020304" pitchFamily="18" charset="0"/>
-              </a:rPr>
-              <a:t> (AI)</a:t>
-            </a:r>
-            <a:endParaRPr lang="en-GB" sz="2000" b="1" dirty="0">
-              <a:solidFill>
-                <a:schemeClr val="accent6">
-                  <a:lumMod val="50000"/>
-                </a:schemeClr>
-              </a:solidFill>
-              <a:latin typeface="Times New Roman" panose="02020603050405020304" pitchFamily="18" charset="0"/>
-              <a:cs typeface="Times New Roman" panose="02020603050405020304" pitchFamily="18" charset="0"/>
-            </a:endParaRPr>
-          </a:p>
-        </p:txBody>
-      </p:sp>
-      <p:sp>
-        <p:nvSpPr>
-          <p:cNvPr id="18" name="TextBox 17"/>
-          <p:cNvSpPr txBox="1"/>
-          <p:nvPr/>
-        </p:nvSpPr>
-        <p:spPr>
-          <a:xfrm>
-            <a:off x="-91439" y="5116800"/>
-            <a:ext cx="2255519" cy="1015663"/>
-          </a:xfrm>
-          <a:prstGeom prst="rect">
-            <a:avLst/>
-          </a:prstGeom>
-          <a:noFill/>
-        </p:spPr>
-        <p:txBody>
-          <a:bodyPr wrap="square" rtlCol="0">
-            <a:spAutoFit/>
-          </a:bodyPr>
-          <a:lstStyle/>
-          <a:p>
-            <a:pPr algn="ctr"/>
-            <a:r>
-              <a:rPr lang="en-GB" sz="2000" b="1" dirty="0" err="1" smtClean="0">
-                <a:solidFill>
-                  <a:srgbClr val="0070C0"/>
-                </a:solidFill>
-                <a:latin typeface="Times New Roman" panose="02020603050405020304" pitchFamily="18" charset="0"/>
-                <a:cs typeface="Times New Roman" panose="02020603050405020304" pitchFamily="18" charset="0"/>
-              </a:rPr>
-              <a:t>Tính</a:t>
-            </a:r>
-            <a:r>
-              <a:rPr lang="en-GB" sz="2000" b="1" dirty="0" smtClean="0">
-                <a:solidFill>
-                  <a:srgbClr val="0070C0"/>
-                </a:solidFill>
-                <a:latin typeface="Times New Roman" panose="02020603050405020304" pitchFamily="18" charset="0"/>
-                <a:cs typeface="Times New Roman" panose="02020603050405020304" pitchFamily="18" charset="0"/>
-              </a:rPr>
-              <a:t> </a:t>
-            </a:r>
-            <a:r>
-              <a:rPr lang="en-GB" sz="2000" b="1" dirty="0" err="1" smtClean="0">
-                <a:solidFill>
-                  <a:srgbClr val="0070C0"/>
-                </a:solidFill>
-                <a:latin typeface="Times New Roman" panose="02020603050405020304" pitchFamily="18" charset="0"/>
-                <a:cs typeface="Times New Roman" panose="02020603050405020304" pitchFamily="18" charset="0"/>
-              </a:rPr>
-              <a:t>toán</a:t>
-            </a:r>
-            <a:r>
-              <a:rPr lang="en-GB" sz="2000" b="1" dirty="0" smtClean="0">
-                <a:solidFill>
-                  <a:srgbClr val="0070C0"/>
-                </a:solidFill>
-                <a:latin typeface="Times New Roman" panose="02020603050405020304" pitchFamily="18" charset="0"/>
-                <a:cs typeface="Times New Roman" panose="02020603050405020304" pitchFamily="18" charset="0"/>
-              </a:rPr>
-              <a:t> </a:t>
-            </a:r>
-            <a:r>
-              <a:rPr lang="en-GB" sz="2000" b="1" dirty="0" err="1" smtClean="0">
-                <a:solidFill>
-                  <a:srgbClr val="0070C0"/>
-                </a:solidFill>
-                <a:latin typeface="Times New Roman" panose="02020603050405020304" pitchFamily="18" charset="0"/>
-                <a:cs typeface="Times New Roman" panose="02020603050405020304" pitchFamily="18" charset="0"/>
-              </a:rPr>
-              <a:t>lượng</a:t>
-            </a:r>
-            <a:r>
-              <a:rPr lang="en-GB" sz="2000" b="1" dirty="0" smtClean="0">
-                <a:solidFill>
-                  <a:srgbClr val="0070C0"/>
-                </a:solidFill>
-                <a:latin typeface="Times New Roman" panose="02020603050405020304" pitchFamily="18" charset="0"/>
-                <a:cs typeface="Times New Roman" panose="02020603050405020304" pitchFamily="18" charset="0"/>
-              </a:rPr>
-              <a:t> </a:t>
-            </a:r>
-            <a:r>
-              <a:rPr lang="en-GB" sz="2000" b="1" dirty="0" err="1" smtClean="0">
-                <a:solidFill>
-                  <a:srgbClr val="0070C0"/>
-                </a:solidFill>
-                <a:latin typeface="Times New Roman" panose="02020603050405020304" pitchFamily="18" charset="0"/>
-                <a:cs typeface="Times New Roman" panose="02020603050405020304" pitchFamily="18" charset="0"/>
-              </a:rPr>
-              <a:t>tử</a:t>
-            </a:r>
-            <a:endParaRPr lang="en-GB" sz="2000" b="1" dirty="0" smtClean="0">
-              <a:solidFill>
-                <a:srgbClr val="0070C0"/>
-              </a:solidFill>
-              <a:latin typeface="Times New Roman" panose="02020603050405020304" pitchFamily="18" charset="0"/>
-              <a:cs typeface="Times New Roman" panose="02020603050405020304" pitchFamily="18" charset="0"/>
-            </a:endParaRPr>
-          </a:p>
-          <a:p>
-            <a:pPr algn="ctr"/>
-            <a:r>
-              <a:rPr lang="en-GB" sz="2000" b="1" dirty="0" smtClean="0">
-                <a:solidFill>
-                  <a:srgbClr val="0070C0"/>
-                </a:solidFill>
-                <a:latin typeface="Times New Roman" panose="02020603050405020304" pitchFamily="18" charset="0"/>
-                <a:cs typeface="Times New Roman" panose="02020603050405020304" pitchFamily="18" charset="0"/>
-              </a:rPr>
-              <a:t> (</a:t>
-            </a:r>
-            <a:r>
-              <a:rPr lang="en-GB" b="1" dirty="0" smtClean="0">
-                <a:solidFill>
-                  <a:srgbClr val="0070C0"/>
-                </a:solidFill>
-                <a:latin typeface="Times New Roman" panose="02020603050405020304" pitchFamily="18" charset="0"/>
-                <a:cs typeface="Times New Roman" panose="02020603050405020304" pitchFamily="18" charset="0"/>
-              </a:rPr>
-              <a:t>Quantum Computing</a:t>
-            </a:r>
-            <a:r>
-              <a:rPr lang="en-GB" sz="2000" b="1" dirty="0" smtClean="0">
-                <a:solidFill>
-                  <a:srgbClr val="0070C0"/>
-                </a:solidFill>
-                <a:latin typeface="Times New Roman" panose="02020603050405020304" pitchFamily="18" charset="0"/>
-                <a:cs typeface="Times New Roman" panose="02020603050405020304" pitchFamily="18" charset="0"/>
-              </a:rPr>
-              <a:t>)</a:t>
-            </a:r>
-            <a:endParaRPr lang="en-GB" sz="2000" b="1" dirty="0">
-              <a:solidFill>
-                <a:srgbClr val="0070C0"/>
-              </a:solidFill>
-              <a:latin typeface="Times New Roman" panose="02020603050405020304" pitchFamily="18" charset="0"/>
-              <a:cs typeface="Times New Roman" panose="02020603050405020304" pitchFamily="18" charset="0"/>
-            </a:endParaRPr>
-          </a:p>
-        </p:txBody>
-      </p:sp>
-      <p:cxnSp>
-        <p:nvCxnSpPr>
-          <p:cNvPr id="19" name="Straight Connector 18"/>
-          <p:cNvCxnSpPr/>
-          <p:nvPr/>
-        </p:nvCxnSpPr>
-        <p:spPr>
-          <a:xfrm>
-            <a:off x="0" y="4609798"/>
-            <a:ext cx="12192000" cy="16476"/>
-          </a:xfrm>
-          <a:prstGeom prst="line">
-            <a:avLst/>
-          </a:prstGeom>
-          <a:ln w="28575">
-            <a:prstDash val="sysDash"/>
-          </a:ln>
-        </p:spPr>
-        <p:style>
-          <a:lnRef idx="1">
-            <a:schemeClr val="accent1"/>
-          </a:lnRef>
-          <a:fillRef idx="0">
-            <a:schemeClr val="accent1"/>
-          </a:fillRef>
-          <a:effectRef idx="0">
-            <a:schemeClr val="accent1"/>
-          </a:effectRef>
-          <a:fontRef idx="minor">
-            <a:schemeClr val="tx1"/>
-          </a:fontRef>
-        </p:style>
-      </p:cxnSp>
-      <p:sp>
-        <p:nvSpPr>
-          <p:cNvPr id="21" name="TextBox 20"/>
-          <p:cNvSpPr txBox="1"/>
-          <p:nvPr/>
-        </p:nvSpPr>
-        <p:spPr>
-          <a:xfrm>
-            <a:off x="9293691" y="4076064"/>
-            <a:ext cx="2332690" cy="369332"/>
-          </a:xfrm>
-          <a:prstGeom prst="rect">
-            <a:avLst/>
-          </a:prstGeom>
-          <a:noFill/>
-        </p:spPr>
-        <p:txBody>
-          <a:bodyPr wrap="none" rtlCol="0">
-            <a:spAutoFit/>
-          </a:bodyPr>
-          <a:lstStyle/>
-          <a:p>
-            <a:r>
-              <a:rPr lang="en-GB" b="1" dirty="0" err="1" smtClean="0">
-                <a:latin typeface="Times New Roman" panose="02020603050405020304" pitchFamily="18" charset="0"/>
-                <a:cs typeface="Times New Roman" panose="02020603050405020304" pitchFamily="18" charset="0"/>
-              </a:rPr>
-              <a:t>Đúc</a:t>
-            </a:r>
-            <a:r>
-              <a:rPr lang="en-GB" b="1" dirty="0" smtClean="0">
-                <a:latin typeface="Times New Roman" panose="02020603050405020304" pitchFamily="18" charset="0"/>
-                <a:cs typeface="Times New Roman" panose="02020603050405020304" pitchFamily="18" charset="0"/>
-              </a:rPr>
-              <a:t> chip </a:t>
-            </a:r>
-            <a:r>
-              <a:rPr lang="en-GB" b="1" dirty="0" err="1" smtClean="0">
-                <a:latin typeface="Times New Roman" panose="02020603050405020304" pitchFamily="18" charset="0"/>
-                <a:cs typeface="Times New Roman" panose="02020603050405020304" pitchFamily="18" charset="0"/>
-              </a:rPr>
-              <a:t>nguyên</a:t>
-            </a:r>
-            <a:r>
-              <a:rPr lang="en-GB" b="1" dirty="0" smtClean="0">
-                <a:latin typeface="Times New Roman" panose="02020603050405020304" pitchFamily="18" charset="0"/>
-                <a:cs typeface="Times New Roman" panose="02020603050405020304" pitchFamily="18" charset="0"/>
-              </a:rPr>
-              <a:t> </a:t>
-            </a:r>
-            <a:r>
-              <a:rPr lang="en-GB" b="1" dirty="0" err="1" smtClean="0">
-                <a:latin typeface="Times New Roman" panose="02020603050405020304" pitchFamily="18" charset="0"/>
-                <a:cs typeface="Times New Roman" panose="02020603050405020304" pitchFamily="18" charset="0"/>
-              </a:rPr>
-              <a:t>mẫu</a:t>
-            </a:r>
-            <a:endParaRPr lang="en-GB" b="1" dirty="0">
-              <a:latin typeface="Times New Roman" panose="02020603050405020304" pitchFamily="18" charset="0"/>
-              <a:cs typeface="Times New Roman" panose="02020603050405020304" pitchFamily="18" charset="0"/>
-            </a:endParaRPr>
-          </a:p>
-        </p:txBody>
-      </p:sp>
-      <p:sp>
-        <p:nvSpPr>
-          <p:cNvPr id="3" name="Right Arrow 2"/>
-          <p:cNvSpPr/>
-          <p:nvPr/>
-        </p:nvSpPr>
-        <p:spPr>
-          <a:xfrm>
-            <a:off x="4577345" y="3438887"/>
-            <a:ext cx="758723" cy="252511"/>
-          </a:xfrm>
-          <a:prstGeom prst="rightArrow">
-            <a:avLst/>
-          </a:prstGeom>
-        </p:spPr>
-        <p:style>
-          <a:lnRef idx="2">
-            <a:schemeClr val="accent1">
-              <a:shade val="50000"/>
-            </a:schemeClr>
-          </a:lnRef>
-          <a:fillRef idx="1">
-            <a:schemeClr val="accent1"/>
-          </a:fillRef>
-          <a:effectRef idx="0">
-            <a:schemeClr val="accent1"/>
-          </a:effectRef>
-          <a:fontRef idx="minor">
-            <a:schemeClr val="lt1"/>
-          </a:fontRef>
-        </p:style>
-        <p:txBody>
-          <a:bodyPr rtlCol="0" anchor="ctr"/>
-          <a:lstStyle/>
-          <a:p>
-            <a:pPr algn="ctr"/>
-            <a:endParaRPr lang="en-GB"/>
-          </a:p>
-        </p:txBody>
-      </p:sp>
-      <p:sp>
-        <p:nvSpPr>
-          <p:cNvPr id="24" name="Right Arrow 23"/>
-          <p:cNvSpPr/>
-          <p:nvPr/>
-        </p:nvSpPr>
-        <p:spPr>
-          <a:xfrm>
-            <a:off x="8300444" y="3447054"/>
-            <a:ext cx="758723" cy="252511"/>
-          </a:xfrm>
-          <a:prstGeom prst="rightArrow">
-            <a:avLst/>
-          </a:prstGeom>
-        </p:spPr>
-        <p:style>
-          <a:lnRef idx="2">
-            <a:schemeClr val="accent1">
-              <a:shade val="50000"/>
-            </a:schemeClr>
-          </a:lnRef>
-          <a:fillRef idx="1">
-            <a:schemeClr val="accent1"/>
-          </a:fillRef>
-          <a:effectRef idx="0">
-            <a:schemeClr val="accent1"/>
-          </a:effectRef>
-          <a:fontRef idx="minor">
-            <a:schemeClr val="lt1"/>
-          </a:fontRef>
-        </p:style>
-        <p:txBody>
-          <a:bodyPr rtlCol="0" anchor="ctr"/>
-          <a:lstStyle/>
-          <a:p>
-            <a:pPr algn="ctr"/>
-            <a:endParaRPr lang="en-GB"/>
-          </a:p>
-        </p:txBody>
-      </p:sp>
-      <p:sp>
-        <p:nvSpPr>
-          <p:cNvPr id="25" name="Rounded Rectangle 24"/>
-          <p:cNvSpPr/>
-          <p:nvPr/>
-        </p:nvSpPr>
-        <p:spPr>
-          <a:xfrm>
-            <a:off x="2241273" y="290723"/>
-            <a:ext cx="2308860" cy="1712818"/>
-          </a:xfrm>
-          <a:prstGeom prst="roundRect">
-            <a:avLst>
-              <a:gd name="adj" fmla="val 5572"/>
-            </a:avLst>
-          </a:prstGeom>
-          <a:solidFill>
-            <a:schemeClr val="accent6">
-              <a:lumMod val="60000"/>
-              <a:lumOff val="40000"/>
-            </a:schemeClr>
-          </a:solidFill>
-          <a:ln>
-            <a:solidFill>
-              <a:schemeClr val="accent2">
-                <a:lumMod val="50000"/>
-              </a:schemeClr>
-            </a:solidFill>
-          </a:ln>
-        </p:spPr>
-        <p:style>
-          <a:lnRef idx="2">
-            <a:schemeClr val="accent1">
-              <a:shade val="50000"/>
-            </a:schemeClr>
-          </a:lnRef>
-          <a:fillRef idx="1">
-            <a:schemeClr val="accent1"/>
-          </a:fillRef>
-          <a:effectRef idx="0">
-            <a:schemeClr val="accent1"/>
-          </a:effectRef>
-          <a:fontRef idx="minor">
-            <a:schemeClr val="lt1"/>
-          </a:fontRef>
-        </p:style>
-        <p:txBody>
-          <a:bodyPr rtlCol="0" anchor="ctr"/>
-          <a:lstStyle/>
-          <a:p>
-            <a:pPr algn="ctr"/>
-            <a:endParaRPr lang="en-GB"/>
-          </a:p>
-        </p:txBody>
-      </p:sp>
-      <p:pic>
-        <p:nvPicPr>
-          <p:cNvPr id="26" name="Picture 25"/>
-          <p:cNvPicPr>
-            <a:picLocks noChangeAspect="1"/>
-          </p:cNvPicPr>
-          <p:nvPr/>
-        </p:nvPicPr>
-        <p:blipFill>
-          <a:blip r:embed="rId4" cstate="print">
-            <a:extLst>
-              <a:ext uri="{28A0092B-C50C-407E-A947-70E740481C1C}">
-                <a14:useLocalDpi xmlns:a14="http://schemas.microsoft.com/office/drawing/2010/main" val="0"/>
-              </a:ext>
-            </a:extLst>
-          </a:blip>
-          <a:stretch>
-            <a:fillRect/>
-          </a:stretch>
-        </p:blipFill>
-        <p:spPr>
-          <a:xfrm>
-            <a:off x="2318466" y="336739"/>
-            <a:ext cx="2188487" cy="1364302"/>
-          </a:xfrm>
-          <a:prstGeom prst="rect">
-            <a:avLst/>
-          </a:prstGeom>
-        </p:spPr>
-      </p:pic>
-      <p:sp>
-        <p:nvSpPr>
-          <p:cNvPr id="27" name="TextBox 26"/>
-          <p:cNvSpPr txBox="1"/>
-          <p:nvPr/>
-        </p:nvSpPr>
-        <p:spPr>
-          <a:xfrm>
-            <a:off x="2469624" y="1627025"/>
-            <a:ext cx="1886170" cy="369332"/>
-          </a:xfrm>
-          <a:prstGeom prst="rect">
-            <a:avLst/>
-          </a:prstGeom>
-          <a:noFill/>
-        </p:spPr>
-        <p:txBody>
-          <a:bodyPr wrap="square" rtlCol="0">
-            <a:spAutoFit/>
-          </a:bodyPr>
-          <a:lstStyle/>
-          <a:p>
-            <a:pPr algn="ctr"/>
-            <a:r>
-              <a:rPr lang="en-GB" b="1" dirty="0" err="1" smtClean="0">
-                <a:latin typeface="Times New Roman" panose="02020603050405020304" pitchFamily="18" charset="0"/>
-                <a:cs typeface="Times New Roman" panose="02020603050405020304" pitchFamily="18" charset="0"/>
-              </a:rPr>
-              <a:t>Đề</a:t>
-            </a:r>
-            <a:r>
-              <a:rPr lang="en-GB" b="1" dirty="0" smtClean="0">
-                <a:latin typeface="Times New Roman" panose="02020603050405020304" pitchFamily="18" charset="0"/>
-                <a:cs typeface="Times New Roman" panose="02020603050405020304" pitchFamily="18" charset="0"/>
-              </a:rPr>
-              <a:t> </a:t>
-            </a:r>
-            <a:r>
-              <a:rPr lang="en-GB" b="1" dirty="0" err="1" smtClean="0">
-                <a:latin typeface="Times New Roman" panose="02020603050405020304" pitchFamily="18" charset="0"/>
-                <a:cs typeface="Times New Roman" panose="02020603050405020304" pitchFamily="18" charset="0"/>
-              </a:rPr>
-              <a:t>xuất</a:t>
-            </a:r>
-            <a:r>
-              <a:rPr lang="en-GB" b="1" dirty="0" smtClean="0">
-                <a:latin typeface="Times New Roman" panose="02020603050405020304" pitchFamily="18" charset="0"/>
-                <a:cs typeface="Times New Roman" panose="02020603050405020304" pitchFamily="18" charset="0"/>
-              </a:rPr>
-              <a:t> </a:t>
-            </a:r>
-            <a:r>
-              <a:rPr lang="en-GB" b="1" dirty="0" err="1" smtClean="0">
-                <a:latin typeface="Times New Roman" panose="02020603050405020304" pitchFamily="18" charset="0"/>
-                <a:cs typeface="Times New Roman" panose="02020603050405020304" pitchFamily="18" charset="0"/>
-              </a:rPr>
-              <a:t>mô</a:t>
-            </a:r>
-            <a:r>
-              <a:rPr lang="en-GB" b="1" dirty="0" smtClean="0">
-                <a:latin typeface="Times New Roman" panose="02020603050405020304" pitchFamily="18" charset="0"/>
-                <a:cs typeface="Times New Roman" panose="02020603050405020304" pitchFamily="18" charset="0"/>
-              </a:rPr>
-              <a:t> </a:t>
-            </a:r>
-            <a:r>
-              <a:rPr lang="en-GB" b="1" dirty="0" err="1" smtClean="0">
-                <a:latin typeface="Times New Roman" panose="02020603050405020304" pitchFamily="18" charset="0"/>
-                <a:cs typeface="Times New Roman" panose="02020603050405020304" pitchFamily="18" charset="0"/>
-              </a:rPr>
-              <a:t>hình</a:t>
-            </a:r>
-            <a:endParaRPr lang="en-GB" b="1" dirty="0">
-              <a:latin typeface="Times New Roman" panose="02020603050405020304" pitchFamily="18" charset="0"/>
-              <a:cs typeface="Times New Roman" panose="02020603050405020304" pitchFamily="18" charset="0"/>
-            </a:endParaRPr>
-          </a:p>
-        </p:txBody>
-      </p:sp>
-      <p:sp>
-        <p:nvSpPr>
-          <p:cNvPr id="29" name="TextBox 28"/>
-          <p:cNvSpPr txBox="1"/>
-          <p:nvPr/>
-        </p:nvSpPr>
-        <p:spPr>
-          <a:xfrm>
-            <a:off x="5392748" y="1598395"/>
-            <a:ext cx="2052678" cy="369332"/>
-          </a:xfrm>
-          <a:prstGeom prst="rect">
-            <a:avLst/>
-          </a:prstGeom>
-          <a:noFill/>
-        </p:spPr>
-        <p:txBody>
-          <a:bodyPr wrap="none" rtlCol="0">
-            <a:spAutoFit/>
-          </a:bodyPr>
-          <a:lstStyle/>
-          <a:p>
-            <a:r>
-              <a:rPr lang="en-GB" b="1" dirty="0" smtClean="0">
-                <a:latin typeface="Times New Roman" panose="02020603050405020304" pitchFamily="18" charset="0"/>
-                <a:cs typeface="Times New Roman" panose="02020603050405020304" pitchFamily="18" charset="0"/>
-              </a:rPr>
-              <a:t>Training </a:t>
-            </a:r>
-            <a:r>
-              <a:rPr lang="en-GB" b="1" dirty="0" err="1" smtClean="0">
-                <a:latin typeface="Times New Roman" panose="02020603050405020304" pitchFamily="18" charset="0"/>
-                <a:cs typeface="Times New Roman" panose="02020603050405020304" pitchFamily="18" charset="0"/>
-              </a:rPr>
-              <a:t>trên</a:t>
-            </a:r>
-            <a:r>
-              <a:rPr lang="en-GB" b="1" dirty="0" smtClean="0">
-                <a:latin typeface="Times New Roman" panose="02020603050405020304" pitchFamily="18" charset="0"/>
-                <a:cs typeface="Times New Roman" panose="02020603050405020304" pitchFamily="18" charset="0"/>
-              </a:rPr>
-              <a:t> GPU</a:t>
-            </a:r>
-            <a:endParaRPr lang="en-GB" b="1" dirty="0">
-              <a:latin typeface="Times New Roman" panose="02020603050405020304" pitchFamily="18" charset="0"/>
-              <a:cs typeface="Times New Roman" panose="02020603050405020304" pitchFamily="18" charset="0"/>
-            </a:endParaRPr>
-          </a:p>
-        </p:txBody>
-      </p:sp>
-      <p:sp>
-        <p:nvSpPr>
-          <p:cNvPr id="30" name="Rounded Rectangle 29"/>
-          <p:cNvSpPr/>
-          <p:nvPr/>
-        </p:nvSpPr>
-        <p:spPr>
-          <a:xfrm>
-            <a:off x="8499833" y="324502"/>
-            <a:ext cx="2308860" cy="1712818"/>
-          </a:xfrm>
-          <a:prstGeom prst="roundRect">
-            <a:avLst>
-              <a:gd name="adj" fmla="val 5572"/>
-            </a:avLst>
-          </a:prstGeom>
-          <a:solidFill>
-            <a:schemeClr val="accent6">
-              <a:lumMod val="60000"/>
-              <a:lumOff val="40000"/>
-            </a:schemeClr>
-          </a:solidFill>
-          <a:ln>
-            <a:solidFill>
-              <a:schemeClr val="accent2">
-                <a:lumMod val="50000"/>
-              </a:schemeClr>
-            </a:solidFill>
-          </a:ln>
-        </p:spPr>
-        <p:style>
-          <a:lnRef idx="2">
-            <a:schemeClr val="accent1">
-              <a:shade val="50000"/>
-            </a:schemeClr>
-          </a:lnRef>
-          <a:fillRef idx="1">
-            <a:schemeClr val="accent1"/>
-          </a:fillRef>
-          <a:effectRef idx="0">
-            <a:schemeClr val="accent1"/>
-          </a:effectRef>
-          <a:fontRef idx="minor">
-            <a:schemeClr val="lt1"/>
-          </a:fontRef>
-        </p:style>
-        <p:txBody>
-          <a:bodyPr rtlCol="0" anchor="ctr"/>
-          <a:lstStyle/>
-          <a:p>
-            <a:pPr algn="ctr"/>
-            <a:endParaRPr lang="en-GB"/>
-          </a:p>
-        </p:txBody>
-      </p:sp>
-      <p:pic>
-        <p:nvPicPr>
-          <p:cNvPr id="32" name="Picture 31"/>
-          <p:cNvPicPr>
-            <a:picLocks noChangeAspect="1"/>
-          </p:cNvPicPr>
-          <p:nvPr/>
-        </p:nvPicPr>
-        <p:blipFill>
-          <a:blip r:embed="rId4" cstate="print">
-            <a:extLst>
-              <a:ext uri="{28A0092B-C50C-407E-A947-70E740481C1C}">
-                <a14:useLocalDpi xmlns:a14="http://schemas.microsoft.com/office/drawing/2010/main" val="0"/>
-              </a:ext>
-            </a:extLst>
-          </a:blip>
-          <a:stretch>
-            <a:fillRect/>
-          </a:stretch>
-        </p:blipFill>
-        <p:spPr>
-          <a:xfrm>
-            <a:off x="8560019" y="407367"/>
-            <a:ext cx="2188487" cy="1364302"/>
-          </a:xfrm>
-          <a:prstGeom prst="rect">
-            <a:avLst/>
-          </a:prstGeom>
-        </p:spPr>
-      </p:pic>
-      <p:sp>
-        <p:nvSpPr>
-          <p:cNvPr id="33" name="TextBox 32"/>
-          <p:cNvSpPr txBox="1"/>
-          <p:nvPr/>
-        </p:nvSpPr>
-        <p:spPr>
-          <a:xfrm>
-            <a:off x="8627923" y="1700695"/>
-            <a:ext cx="1909497" cy="369332"/>
-          </a:xfrm>
-          <a:prstGeom prst="rect">
-            <a:avLst/>
-          </a:prstGeom>
-          <a:noFill/>
-        </p:spPr>
-        <p:txBody>
-          <a:bodyPr wrap="none" rtlCol="0">
-            <a:spAutoFit/>
-          </a:bodyPr>
-          <a:lstStyle/>
-          <a:p>
-            <a:r>
-              <a:rPr lang="en-GB" b="1" dirty="0" err="1" smtClean="0">
-                <a:latin typeface="Times New Roman" panose="02020603050405020304" pitchFamily="18" charset="0"/>
-                <a:cs typeface="Times New Roman" panose="02020603050405020304" pitchFamily="18" charset="0"/>
-              </a:rPr>
-              <a:t>Mô</a:t>
-            </a:r>
-            <a:r>
-              <a:rPr lang="en-GB" b="1" dirty="0">
-                <a:latin typeface="Times New Roman" panose="02020603050405020304" pitchFamily="18" charset="0"/>
-                <a:cs typeface="Times New Roman" panose="02020603050405020304" pitchFamily="18" charset="0"/>
-              </a:rPr>
-              <a:t> </a:t>
-            </a:r>
-            <a:r>
-              <a:rPr lang="en-GB" b="1" dirty="0" err="1" smtClean="0">
-                <a:latin typeface="Times New Roman" panose="02020603050405020304" pitchFamily="18" charset="0"/>
-                <a:cs typeface="Times New Roman" panose="02020603050405020304" pitchFamily="18" charset="0"/>
-              </a:rPr>
-              <a:t>hình</a:t>
-            </a:r>
-            <a:r>
-              <a:rPr lang="en-GB" b="1" dirty="0" smtClean="0">
-                <a:latin typeface="Times New Roman" panose="02020603050405020304" pitchFamily="18" charset="0"/>
-                <a:cs typeface="Times New Roman" panose="02020603050405020304" pitchFamily="18" charset="0"/>
-              </a:rPr>
-              <a:t> </a:t>
-            </a:r>
-            <a:r>
-              <a:rPr lang="en-GB" b="1" dirty="0" err="1" smtClean="0">
-                <a:latin typeface="Times New Roman" panose="02020603050405020304" pitchFamily="18" charset="0"/>
-                <a:cs typeface="Times New Roman" panose="02020603050405020304" pitchFamily="18" charset="0"/>
-              </a:rPr>
-              <a:t>suy</a:t>
-            </a:r>
-            <a:r>
-              <a:rPr lang="en-GB" b="1" dirty="0" smtClean="0">
-                <a:latin typeface="Times New Roman" panose="02020603050405020304" pitchFamily="18" charset="0"/>
-                <a:cs typeface="Times New Roman" panose="02020603050405020304" pitchFamily="18" charset="0"/>
-              </a:rPr>
-              <a:t> </a:t>
-            </a:r>
-            <a:r>
-              <a:rPr lang="en-GB" b="1" dirty="0" err="1" smtClean="0">
-                <a:latin typeface="Times New Roman" panose="02020603050405020304" pitchFamily="18" charset="0"/>
-                <a:cs typeface="Times New Roman" panose="02020603050405020304" pitchFamily="18" charset="0"/>
-              </a:rPr>
-              <a:t>luận</a:t>
-            </a:r>
-            <a:endParaRPr lang="en-GB" b="1" dirty="0">
-              <a:latin typeface="Times New Roman" panose="02020603050405020304" pitchFamily="18" charset="0"/>
-              <a:cs typeface="Times New Roman" panose="02020603050405020304" pitchFamily="18" charset="0"/>
-            </a:endParaRPr>
-          </a:p>
-        </p:txBody>
-      </p:sp>
-      <p:sp>
-        <p:nvSpPr>
-          <p:cNvPr id="6" name="Bent Arrow 5"/>
-          <p:cNvSpPr/>
-          <p:nvPr/>
-        </p:nvSpPr>
-        <p:spPr>
-          <a:xfrm rot="16200000" flipH="1">
-            <a:off x="6305097" y="-890608"/>
-            <a:ext cx="412507" cy="6729413"/>
-          </a:xfrm>
-          <a:prstGeom prst="bentArrow">
-            <a:avLst/>
-          </a:prstGeom>
-        </p:spPr>
-        <p:style>
-          <a:lnRef idx="2">
-            <a:schemeClr val="accent1">
-              <a:shade val="50000"/>
-            </a:schemeClr>
-          </a:lnRef>
-          <a:fillRef idx="1">
-            <a:schemeClr val="accent1"/>
-          </a:fillRef>
-          <a:effectRef idx="0">
-            <a:schemeClr val="accent1"/>
-          </a:effectRef>
-          <a:fontRef idx="minor">
-            <a:schemeClr val="lt1"/>
-          </a:fontRef>
-        </p:style>
-        <p:txBody>
-          <a:bodyPr rtlCol="0" anchor="ctr"/>
-          <a:lstStyle/>
-          <a:p>
-            <a:pPr algn="ctr"/>
-            <a:endParaRPr lang="en-GB">
-              <a:solidFill>
-                <a:schemeClr val="tx1"/>
-              </a:solidFill>
-            </a:endParaRPr>
-          </a:p>
-        </p:txBody>
-      </p:sp>
-      <p:sp>
-        <p:nvSpPr>
-          <p:cNvPr id="10" name="Flowchart: Process 9"/>
-          <p:cNvSpPr/>
-          <p:nvPr/>
-        </p:nvSpPr>
-        <p:spPr>
-          <a:xfrm>
-            <a:off x="9746239" y="2025288"/>
-            <a:ext cx="129818" cy="347870"/>
-          </a:xfrm>
-          <a:prstGeom prst="flowChartProcess">
-            <a:avLst/>
-          </a:prstGeom>
-        </p:spPr>
-        <p:style>
-          <a:lnRef idx="2">
-            <a:schemeClr val="accent1">
-              <a:shade val="50000"/>
-            </a:schemeClr>
-          </a:lnRef>
-          <a:fillRef idx="1">
-            <a:schemeClr val="accent1"/>
-          </a:fillRef>
-          <a:effectRef idx="0">
-            <a:schemeClr val="accent1"/>
-          </a:effectRef>
-          <a:fontRef idx="minor">
-            <a:schemeClr val="lt1"/>
-          </a:fontRef>
-        </p:style>
-        <p:txBody>
-          <a:bodyPr rtlCol="0" anchor="ctr"/>
-          <a:lstStyle/>
-          <a:p>
-            <a:pPr algn="ctr"/>
-            <a:endParaRPr lang="en-GB"/>
-          </a:p>
-        </p:txBody>
-      </p:sp>
-      <p:sp>
-        <p:nvSpPr>
-          <p:cNvPr id="35" name="Rounded Rectangle 34"/>
-          <p:cNvSpPr/>
-          <p:nvPr/>
-        </p:nvSpPr>
-        <p:spPr>
-          <a:xfrm>
-            <a:off x="2120900" y="4949965"/>
-            <a:ext cx="2308860" cy="1712818"/>
-          </a:xfrm>
-          <a:prstGeom prst="roundRect">
-            <a:avLst>
-              <a:gd name="adj" fmla="val 5572"/>
-            </a:avLst>
-          </a:prstGeom>
-          <a:solidFill>
-            <a:schemeClr val="accent5">
-              <a:lumMod val="40000"/>
-              <a:lumOff val="60000"/>
-            </a:schemeClr>
-          </a:solidFill>
-          <a:ln>
-            <a:solidFill>
-              <a:schemeClr val="accent2">
-                <a:lumMod val="50000"/>
-              </a:schemeClr>
-            </a:solidFill>
-          </a:ln>
-        </p:spPr>
-        <p:style>
-          <a:lnRef idx="2">
-            <a:schemeClr val="accent1">
-              <a:shade val="50000"/>
-            </a:schemeClr>
-          </a:lnRef>
-          <a:fillRef idx="1">
-            <a:schemeClr val="accent1"/>
-          </a:fillRef>
-          <a:effectRef idx="0">
-            <a:schemeClr val="accent1"/>
-          </a:effectRef>
-          <a:fontRef idx="minor">
-            <a:schemeClr val="lt1"/>
-          </a:fontRef>
-        </p:style>
-        <p:txBody>
-          <a:bodyPr rtlCol="0" anchor="ctr"/>
-          <a:lstStyle/>
-          <a:p>
-            <a:pPr algn="ctr"/>
-            <a:endParaRPr lang="en-GB"/>
-          </a:p>
-        </p:txBody>
-      </p:sp>
-      <p:sp>
-        <p:nvSpPr>
-          <p:cNvPr id="36" name="Rounded Rectangle 35"/>
-          <p:cNvSpPr/>
-          <p:nvPr/>
-        </p:nvSpPr>
-        <p:spPr>
-          <a:xfrm>
-            <a:off x="5336068" y="4911565"/>
-            <a:ext cx="2852892" cy="1712818"/>
-          </a:xfrm>
-          <a:prstGeom prst="roundRect">
-            <a:avLst>
-              <a:gd name="adj" fmla="val 5572"/>
-            </a:avLst>
-          </a:prstGeom>
-          <a:solidFill>
-            <a:schemeClr val="accent5">
-              <a:lumMod val="40000"/>
-              <a:lumOff val="60000"/>
-            </a:schemeClr>
-          </a:solidFill>
-          <a:ln>
-            <a:solidFill>
-              <a:schemeClr val="accent2">
-                <a:lumMod val="50000"/>
-              </a:schemeClr>
-            </a:solidFill>
-          </a:ln>
-        </p:spPr>
-        <p:style>
-          <a:lnRef idx="2">
-            <a:schemeClr val="accent1">
-              <a:shade val="50000"/>
-            </a:schemeClr>
-          </a:lnRef>
-          <a:fillRef idx="1">
-            <a:schemeClr val="accent1"/>
-          </a:fillRef>
-          <a:effectRef idx="0">
-            <a:schemeClr val="accent1"/>
-          </a:effectRef>
-          <a:fontRef idx="minor">
-            <a:schemeClr val="lt1"/>
-          </a:fontRef>
-        </p:style>
-        <p:txBody>
-          <a:bodyPr rtlCol="0" anchor="ctr"/>
-          <a:lstStyle/>
-          <a:p>
-            <a:pPr algn="ctr"/>
-            <a:endParaRPr lang="en-GB"/>
-          </a:p>
-        </p:txBody>
-      </p:sp>
-      <p:sp>
-        <p:nvSpPr>
-          <p:cNvPr id="37" name="Rounded Rectangle 36"/>
-          <p:cNvSpPr/>
-          <p:nvPr/>
-        </p:nvSpPr>
-        <p:spPr>
-          <a:xfrm>
-            <a:off x="9260841" y="4904197"/>
-            <a:ext cx="2308860" cy="1712818"/>
-          </a:xfrm>
-          <a:prstGeom prst="roundRect">
-            <a:avLst>
-              <a:gd name="adj" fmla="val 5572"/>
-            </a:avLst>
-          </a:prstGeom>
-          <a:solidFill>
-            <a:schemeClr val="accent5">
-              <a:lumMod val="40000"/>
-              <a:lumOff val="60000"/>
-            </a:schemeClr>
-          </a:solidFill>
-          <a:ln>
-            <a:solidFill>
-              <a:schemeClr val="accent2">
-                <a:lumMod val="50000"/>
-              </a:schemeClr>
-            </a:solidFill>
-          </a:ln>
-        </p:spPr>
-        <p:style>
-          <a:lnRef idx="2">
-            <a:schemeClr val="accent1">
-              <a:shade val="50000"/>
-            </a:schemeClr>
-          </a:lnRef>
-          <a:fillRef idx="1">
-            <a:schemeClr val="accent1"/>
-          </a:fillRef>
-          <a:effectRef idx="0">
-            <a:schemeClr val="accent1"/>
-          </a:effectRef>
-          <a:fontRef idx="minor">
-            <a:schemeClr val="lt1"/>
-          </a:fontRef>
-        </p:style>
-        <p:txBody>
-          <a:bodyPr rtlCol="0" anchor="ctr"/>
-          <a:lstStyle/>
-          <a:p>
-            <a:pPr algn="ctr"/>
-            <a:endParaRPr lang="en-GB"/>
-          </a:p>
-        </p:txBody>
-      </p:sp>
-      <p:pic>
-        <p:nvPicPr>
-          <p:cNvPr id="38" name="Picture 2" descr="Không có mô tả ảnh."/>
-          <p:cNvPicPr>
-            <a:picLocks noChangeAspect="1" noChangeArrowheads="1"/>
-          </p:cNvPicPr>
-          <p:nvPr/>
-        </p:nvPicPr>
-        <p:blipFill>
-          <a:blip r:embed="rId5" cstate="print">
-            <a:extLst>
-              <a:ext uri="{28A0092B-C50C-407E-A947-70E740481C1C}">
-                <a14:useLocalDpi xmlns:a14="http://schemas.microsoft.com/office/drawing/2010/main" val="0"/>
-              </a:ext>
-            </a:extLst>
-          </a:blip>
-          <a:srcRect/>
-          <a:stretch>
-            <a:fillRect/>
-          </a:stretch>
-        </p:blipFill>
-        <p:spPr bwMode="auto">
-          <a:xfrm rot="5400000">
-            <a:off x="6210098" y="4448411"/>
-            <a:ext cx="1084921" cy="2421699"/>
-          </a:xfrm>
-          <a:prstGeom prst="rect">
-            <a:avLst/>
-          </a:prstGeom>
-          <a:noFill/>
-          <a:extLst>
-            <a:ext uri="{909E8E84-426E-40DD-AFC4-6F175D3DCCD1}">
-              <a14:hiddenFill xmlns:a14="http://schemas.microsoft.com/office/drawing/2010/main">
-                <a:solidFill>
-                  <a:srgbClr val="FFFFFF"/>
-                </a:solidFill>
-              </a14:hiddenFill>
-            </a:ext>
-          </a:extLst>
         </p:spPr>
       </p:pic>
       <p:pic>
         <p:nvPicPr>
-          <p:cNvPr id="39" name="Picture 2" descr="First quantum computer to pack 100 qubits enters crowded race"/>
+          <p:cNvPr id="1026" name="Picture 2" descr="Không có mô tả ảnh."/>
           <p:cNvPicPr>
             <a:picLocks noChangeAspect="1" noChangeArrowheads="1"/>
           </p:cNvPicPr>
@@ -4765,9 +3721,9 @@
           </a:stretch>
         </p:blipFill>
         <p:spPr bwMode="auto">
-          <a:xfrm>
-            <a:off x="9437940" y="4973489"/>
-            <a:ext cx="1853071" cy="1234576"/>
+          <a:xfrm rot="5400000">
+            <a:off x="6077355" y="-381975"/>
+            <a:ext cx="1313191" cy="2877608"/>
           </a:xfrm>
           <a:prstGeom prst="rect">
             <a:avLst/>
@@ -4784,16 +3740,51 @@
           </a:extLst>
         </p:spPr>
       </p:pic>
-      <p:sp>
-        <p:nvSpPr>
-          <p:cNvPr id="41" name="TextBox 40"/>
+      <p:cxnSp>
+        <p:nvCxnSpPr>
+          <p:cNvPr id="12" name="Straight Connector 11"/>
+          <p:cNvCxnSpPr>
+            <a:cxnSpLocks/>
+          </p:cNvCxnSpPr>
+          <p:nvPr/>
+        </p:nvCxnSpPr>
+        <p:spPr>
+          <a:xfrm>
+            <a:off x="523875" y="2538268"/>
+            <a:ext cx="10755967" cy="14535"/>
+          </a:xfrm>
+          <a:prstGeom prst="line">
+            <a:avLst/>
+          </a:prstGeom>
+          <a:ln w="28575">
+            <a:prstDash val="sysDash"/>
+          </a:ln>
+        </p:spPr>
+        <p:style>
+          <a:lnRef idx="1">
+            <a:schemeClr val="accent1"/>
+          </a:lnRef>
+          <a:fillRef idx="0">
+            <a:schemeClr val="accent1"/>
+          </a:fillRef>
+          <a:effectRef idx="0">
+            <a:schemeClr val="accent1"/>
+          </a:effectRef>
+          <a:fontRef idx="minor">
+            <a:schemeClr val="tx1"/>
+          </a:fontRef>
+        </p:style>
+      </p:cxnSp>
+      <p:sp>
+        <p:nvSpPr>
+          <p:cNvPr id="13" name="TextBox 12"/>
           <p:cNvSpPr txBox="1"/>
           <p:nvPr/>
         </p:nvSpPr>
         <p:spPr>
           <a:xfrm>
-            <a:off x="5749274" y="6230225"/>
-            <a:ext cx="2204450" cy="369332"/>
+            <a:off x="2029028" y="4106307"/>
+            <a:ext cx="2338625" cy="369332"/>
           </a:xfrm>
           <a:prstGeom prst="rect">
             <a:avLst/>
@@ -4801,74 +3792,257 @@
           <a:noFill/>
         </p:spPr>
         <p:txBody>
-          <a:bodyPr wrap="none" rtlCol="0">
+          <a:bodyPr wrap="square" rtlCol="0">
             <a:spAutoFit/>
           </a:bodyPr>
           <a:lstStyle/>
           <a:p>
-            <a:r>
-              <a:rPr lang="en-GB" b="1" dirty="0" err="1" smtClean="0">
-                <a:latin typeface="Times New Roman" panose="02020603050405020304" pitchFamily="18" charset="0"/>
+            <a:pPr algn="ctr"/>
+            <a:r>
+              <a:rPr lang="en-GB" b="1" dirty="0">
                 <a:cs typeface="Times New Roman" panose="02020603050405020304" pitchFamily="18" charset="0"/>
               </a:rPr>
-              <a:t>Mô</a:t>
-            </a:r>
-            <a:r>
-              <a:rPr lang="en-GB" b="1" dirty="0" smtClean="0">
-                <a:latin typeface="Times New Roman" panose="02020603050405020304" pitchFamily="18" charset="0"/>
+              <a:t>RTL design</a:t>
+            </a:r>
+          </a:p>
+        </p:txBody>
+      </p:sp>
+      <p:sp>
+        <p:nvSpPr>
+          <p:cNvPr id="15" name="TextBox 14"/>
+          <p:cNvSpPr txBox="1"/>
+          <p:nvPr/>
+        </p:nvSpPr>
+        <p:spPr>
+          <a:xfrm>
+            <a:off x="5290173" y="4098318"/>
+            <a:ext cx="2906772" cy="369332"/>
+          </a:xfrm>
+          <a:prstGeom prst="rect">
+            <a:avLst/>
+          </a:prstGeom>
+          <a:noFill/>
+        </p:spPr>
+        <p:txBody>
+          <a:bodyPr wrap="square" rtlCol="0">
+            <a:spAutoFit/>
+          </a:bodyPr>
+          <a:lstStyle/>
+          <a:p>
+            <a:pPr algn="ctr"/>
+            <a:r>
+              <a:rPr lang="en-GB" b="1" dirty="0">
                 <a:cs typeface="Times New Roman" panose="02020603050405020304" pitchFamily="18" charset="0"/>
               </a:rPr>
-              <a:t> </a:t>
-            </a:r>
-            <a:r>
-              <a:rPr lang="en-GB" b="1" dirty="0" err="1" smtClean="0">
-                <a:latin typeface="Times New Roman" panose="02020603050405020304" pitchFamily="18" charset="0"/>
+              <a:t>Simulating on FPGA</a:t>
+            </a:r>
+          </a:p>
+        </p:txBody>
+      </p:sp>
+      <p:sp>
+        <p:nvSpPr>
+          <p:cNvPr id="14" name="TextBox 13"/>
+          <p:cNvSpPr txBox="1"/>
+          <p:nvPr/>
+        </p:nvSpPr>
+        <p:spPr>
+          <a:xfrm>
+            <a:off x="449527" y="3387558"/>
+            <a:ext cx="2020097" cy="369332"/>
+          </a:xfrm>
+          <a:prstGeom prst="rect">
+            <a:avLst/>
+          </a:prstGeom>
+          <a:noFill/>
+        </p:spPr>
+        <p:txBody>
+          <a:bodyPr wrap="square" rtlCol="0">
+            <a:spAutoFit/>
+          </a:bodyPr>
+          <a:lstStyle/>
+          <a:p>
+            <a:r>
+              <a:rPr lang="en-GB" b="1" dirty="0">
+                <a:solidFill>
+                  <a:schemeClr val="accent4">
+                    <a:lumMod val="50000"/>
+                  </a:schemeClr>
+                </a:solidFill>
                 <a:cs typeface="Times New Roman" panose="02020603050405020304" pitchFamily="18" charset="0"/>
               </a:rPr>
-              <a:t>phỏng</a:t>
-            </a:r>
-            <a:r>
-              <a:rPr lang="en-GB" b="1" dirty="0" smtClean="0">
-                <a:latin typeface="Times New Roman" panose="02020603050405020304" pitchFamily="18" charset="0"/>
+              <a:t>Semiconductor</a:t>
+            </a:r>
+          </a:p>
+        </p:txBody>
+      </p:sp>
+      <p:sp>
+        <p:nvSpPr>
+          <p:cNvPr id="16" name="TextBox 15"/>
+          <p:cNvSpPr txBox="1"/>
+          <p:nvPr/>
+        </p:nvSpPr>
+        <p:spPr>
+          <a:xfrm>
+            <a:off x="449527" y="1052374"/>
+            <a:ext cx="1979941" cy="400110"/>
+          </a:xfrm>
+          <a:prstGeom prst="rect">
+            <a:avLst/>
+          </a:prstGeom>
+          <a:noFill/>
+        </p:spPr>
+        <p:txBody>
+          <a:bodyPr wrap="square" rtlCol="0">
+            <a:spAutoFit/>
+          </a:bodyPr>
+          <a:lstStyle/>
+          <a:p>
+            <a:r>
+              <a:rPr lang="en-GB" sz="2000" b="1" dirty="0">
+                <a:solidFill>
+                  <a:schemeClr val="accent6">
+                    <a:lumMod val="50000"/>
+                  </a:schemeClr>
+                </a:solidFill>
                 <a:cs typeface="Times New Roman" panose="02020603050405020304" pitchFamily="18" charset="0"/>
               </a:rPr>
-              <a:t> </a:t>
-            </a:r>
-            <a:r>
-              <a:rPr lang="en-GB" b="1" dirty="0" err="1" smtClean="0">
-                <a:latin typeface="Times New Roman" panose="02020603050405020304" pitchFamily="18" charset="0"/>
+              <a:t>AI</a:t>
+            </a:r>
+          </a:p>
+        </p:txBody>
+      </p:sp>
+      <p:sp>
+        <p:nvSpPr>
+          <p:cNvPr id="18" name="TextBox 17"/>
+          <p:cNvSpPr txBox="1"/>
+          <p:nvPr/>
+        </p:nvSpPr>
+        <p:spPr>
+          <a:xfrm>
+            <a:off x="449528" y="5432395"/>
+            <a:ext cx="1876394" cy="646331"/>
+          </a:xfrm>
+          <a:prstGeom prst="rect">
+            <a:avLst/>
+          </a:prstGeom>
+          <a:noFill/>
+        </p:spPr>
+        <p:txBody>
+          <a:bodyPr wrap="square" rtlCol="0">
+            <a:spAutoFit/>
+          </a:bodyPr>
+          <a:lstStyle/>
+          <a:p>
+            <a:r>
+              <a:rPr lang="en-GB" b="1" dirty="0">
+                <a:solidFill>
+                  <a:srgbClr val="0070C0"/>
+                </a:solidFill>
                 <a:cs typeface="Times New Roman" panose="02020603050405020304" pitchFamily="18" charset="0"/>
               </a:rPr>
-              <a:t>trên</a:t>
-            </a:r>
-            <a:r>
-              <a:rPr lang="en-GB" b="1" dirty="0" smtClean="0">
-                <a:latin typeface="Times New Roman" panose="02020603050405020304" pitchFamily="18" charset="0"/>
+              <a:t>Quantum Computing</a:t>
+            </a:r>
+            <a:endParaRPr lang="en-GB" sz="2000" b="1" dirty="0">
+              <a:solidFill>
+                <a:srgbClr val="0070C0"/>
+              </a:solidFill>
+              <a:cs typeface="Times New Roman" panose="02020603050405020304" pitchFamily="18" charset="0"/>
+            </a:endParaRPr>
+          </a:p>
+        </p:txBody>
+      </p:sp>
+      <p:cxnSp>
+        <p:nvCxnSpPr>
+          <p:cNvPr id="19" name="Straight Connector 18"/>
+          <p:cNvCxnSpPr>
+            <a:cxnSpLocks/>
+          </p:cNvCxnSpPr>
+          <p:nvPr/>
+        </p:nvCxnSpPr>
+        <p:spPr>
+          <a:xfrm>
+            <a:off x="557213" y="4791531"/>
+            <a:ext cx="10769680" cy="14554"/>
+          </a:xfrm>
+          <a:prstGeom prst="line">
+            <a:avLst/>
+          </a:prstGeom>
+          <a:ln w="28575">
+            <a:prstDash val="sysDash"/>
+          </a:ln>
+        </p:spPr>
+        <p:style>
+          <a:lnRef idx="1">
+            <a:schemeClr val="accent1"/>
+          </a:lnRef>
+          <a:fillRef idx="0">
+            <a:schemeClr val="accent1"/>
+          </a:fillRef>
+          <a:effectRef idx="0">
+            <a:schemeClr val="accent1"/>
+          </a:effectRef>
+          <a:fontRef idx="minor">
+            <a:schemeClr val="tx1"/>
+          </a:fontRef>
+        </p:style>
+      </p:cxnSp>
+      <p:sp>
+        <p:nvSpPr>
+          <p:cNvPr id="21" name="TextBox 20"/>
+          <p:cNvSpPr txBox="1"/>
+          <p:nvPr/>
+        </p:nvSpPr>
+        <p:spPr>
+          <a:xfrm>
+            <a:off x="9003834" y="4111070"/>
+            <a:ext cx="2276008" cy="369332"/>
+          </a:xfrm>
+          <a:prstGeom prst="rect">
+            <a:avLst/>
+          </a:prstGeom>
+          <a:noFill/>
+        </p:spPr>
+        <p:txBody>
+          <a:bodyPr wrap="square" rtlCol="0">
+            <a:spAutoFit/>
+          </a:bodyPr>
+          <a:lstStyle/>
+          <a:p>
+            <a:pPr algn="ctr"/>
+            <a:r>
+              <a:rPr lang="en-GB" b="1" dirty="0">
                 <a:cs typeface="Times New Roman" panose="02020603050405020304" pitchFamily="18" charset="0"/>
               </a:rPr>
-              <a:t> GPU</a:t>
-            </a:r>
-            <a:endParaRPr lang="en-GB" b="1" dirty="0">
-              <a:latin typeface="Times New Roman" panose="02020603050405020304" pitchFamily="18" charset="0"/>
-              <a:cs typeface="Times New Roman" panose="02020603050405020304" pitchFamily="18" charset="0"/>
-            </a:endParaRPr>
-          </a:p>
-        </p:txBody>
-      </p:sp>
-      <p:sp>
-        <p:nvSpPr>
-          <p:cNvPr id="43" name="Right Arrow 42"/>
+              <a:t>Fabricate chip</a:t>
+            </a:r>
+          </a:p>
+        </p:txBody>
+      </p:sp>
+      <p:sp>
+        <p:nvSpPr>
+          <p:cNvPr id="25" name="Rounded Rectangle 24"/>
           <p:cNvSpPr/>
           <p:nvPr/>
         </p:nvSpPr>
         <p:spPr>
           <a:xfrm>
-            <a:off x="8751570" y="5076395"/>
-            <a:ext cx="506986" cy="252511"/>
-          </a:xfrm>
-          <a:prstGeom prst="rightArrow">
-            <a:avLst/>
+            <a:off x="2029027" y="417762"/>
+            <a:ext cx="2362820" cy="1712818"/>
+          </a:xfrm>
+          <a:prstGeom prst="roundRect">
+            <a:avLst>
+              <a:gd name="adj" fmla="val 5572"/>
+            </a:avLst>
           </a:prstGeom>
+          <a:solidFill>
+            <a:schemeClr val="accent6">
+              <a:lumMod val="60000"/>
+              <a:lumOff val="40000"/>
+            </a:schemeClr>
+          </a:solidFill>
+          <a:ln>
+            <a:noFill/>
+          </a:ln>
         </p:spPr>
         <p:style>
           <a:lnRef idx="2">
@@ -4897,18 +4071,93 @@
       </p:sp>
       <p:sp>
         <p:nvSpPr>
-          <p:cNvPr id="44" name="Right Arrow 43"/>
+          <p:cNvPr id="27" name="TextBox 26"/>
+          <p:cNvSpPr txBox="1"/>
+          <p:nvPr/>
+        </p:nvSpPr>
+        <p:spPr>
+          <a:xfrm>
+            <a:off x="2267257" y="1754064"/>
+            <a:ext cx="1930251" cy="369332"/>
+          </a:xfrm>
+          <a:prstGeom prst="rect">
+            <a:avLst/>
+          </a:prstGeom>
+          <a:noFill/>
+        </p:spPr>
+        <p:txBody>
+          <a:bodyPr wrap="square" rtlCol="0">
+            <a:spAutoFit/>
+          </a:bodyPr>
+          <a:lstStyle/>
+          <a:p>
+            <a:pPr algn="ctr"/>
+            <a:r>
+              <a:rPr lang="en-GB" b="1" dirty="0">
+                <a:cs typeface="Times New Roman" panose="02020603050405020304" pitchFamily="18" charset="0"/>
+              </a:rPr>
+              <a:t>Propose model</a:t>
+            </a:r>
+          </a:p>
+        </p:txBody>
+      </p:sp>
+      <p:sp>
+        <p:nvSpPr>
+          <p:cNvPr id="29" name="TextBox 28"/>
+          <p:cNvSpPr txBox="1"/>
+          <p:nvPr/>
+        </p:nvSpPr>
+        <p:spPr>
+          <a:xfrm>
+            <a:off x="5288614" y="1724727"/>
+            <a:ext cx="2900341" cy="369332"/>
+          </a:xfrm>
+          <a:prstGeom prst="rect">
+            <a:avLst/>
+          </a:prstGeom>
+          <a:noFill/>
+        </p:spPr>
+        <p:txBody>
+          <a:bodyPr wrap="square" rtlCol="0">
+            <a:spAutoFit/>
+          </a:bodyPr>
+          <a:lstStyle/>
+          <a:p>
+            <a:pPr algn="ctr"/>
+            <a:r>
+              <a:rPr lang="en-GB" b="1" dirty="0">
+                <a:cs typeface="Times New Roman" panose="02020603050405020304" pitchFamily="18" charset="0"/>
+              </a:rPr>
+              <a:t>Training on GPU</a:t>
+            </a:r>
+          </a:p>
+        </p:txBody>
+      </p:sp>
+      <p:sp>
+        <p:nvSpPr>
+          <p:cNvPr id="30" name="Rounded Rectangle 29"/>
           <p:cNvSpPr/>
           <p:nvPr/>
         </p:nvSpPr>
         <p:spPr>
           <a:xfrm>
-            <a:off x="8235696" y="5732400"/>
-            <a:ext cx="1022860" cy="252511"/>
-          </a:xfrm>
-          <a:prstGeom prst="rightArrow">
-            <a:avLst/>
+            <a:off x="8994603" y="411169"/>
+            <a:ext cx="2236983" cy="1712818"/>
+          </a:xfrm>
+          <a:prstGeom prst="roundRect">
+            <a:avLst>
+              <a:gd name="adj" fmla="val 5572"/>
+            </a:avLst>
           </a:prstGeom>
+          <a:solidFill>
+            <a:schemeClr val="accent6">
+              <a:lumMod val="60000"/>
+              <a:lumOff val="40000"/>
+            </a:schemeClr>
+          </a:solidFill>
+          <a:ln>
+            <a:noFill/>
+          </a:ln>
         </p:spPr>
         <p:style>
           <a:lnRef idx="2">
@@ -4937,18 +4186,61 @@
       </p:sp>
       <p:sp>
         <p:nvSpPr>
-          <p:cNvPr id="45" name="Right Arrow 44"/>
+          <p:cNvPr id="33" name="TextBox 32"/>
+          <p:cNvSpPr txBox="1"/>
+          <p:nvPr/>
+        </p:nvSpPr>
+        <p:spPr>
+          <a:xfrm>
+            <a:off x="8994603" y="1733591"/>
+            <a:ext cx="2236983" cy="369332"/>
+          </a:xfrm>
+          <a:prstGeom prst="rect">
+            <a:avLst/>
+          </a:prstGeom>
+          <a:noFill/>
+        </p:spPr>
+        <p:txBody>
+          <a:bodyPr wrap="square" rtlCol="0">
+            <a:spAutoFit/>
+          </a:bodyPr>
+          <a:lstStyle/>
+          <a:p>
+            <a:pPr algn="ctr"/>
+            <a:r>
+              <a:rPr lang="en-GB" b="1" dirty="0">
+                <a:cs typeface="Times New Roman" panose="02020603050405020304" pitchFamily="18" charset="0"/>
+              </a:rPr>
+              <a:t>Inference model</a:t>
+            </a:r>
+          </a:p>
+        </p:txBody>
+      </p:sp>
+      <p:sp>
+        <p:nvSpPr>
+          <p:cNvPr id="35" name="Rounded Rectangle 34"/>
           <p:cNvSpPr/>
           <p:nvPr/>
         </p:nvSpPr>
         <p:spPr>
           <a:xfrm>
-            <a:off x="4635400" y="5732399"/>
-            <a:ext cx="711591" cy="252511"/>
-          </a:xfrm>
-          <a:prstGeom prst="rightArrow">
-            <a:avLst/>
+            <a:off x="2056790" y="4911565"/>
+            <a:ext cx="2297830" cy="1687992"/>
+          </a:xfrm>
+          <a:prstGeom prst="roundRect">
+            <a:avLst>
+              <a:gd name="adj" fmla="val 5572"/>
+            </a:avLst>
           </a:prstGeom>
+          <a:solidFill>
+            <a:schemeClr val="accent5">
+              <a:lumMod val="40000"/>
+              <a:lumOff val="60000"/>
+            </a:schemeClr>
+          </a:solidFill>
+          <a:ln>
+            <a:noFill/>
+          </a:ln>
         </p:spPr>
         <p:style>
           <a:lnRef idx="2">
@@ -4977,18 +4269,29 @@
       </p:sp>
       <p:sp>
         <p:nvSpPr>
-          <p:cNvPr id="46" name="Flowchart: Process 45"/>
+          <p:cNvPr id="36" name="Rounded Rectangle 35"/>
           <p:cNvSpPr/>
           <p:nvPr/>
         </p:nvSpPr>
         <p:spPr>
-          <a:xfrm rot="16200000">
-            <a:off x="8294740" y="3907166"/>
-            <a:ext cx="129818" cy="347870"/>
-          </a:xfrm>
-          <a:prstGeom prst="flowChartProcess">
-            <a:avLst/>
+          <a:xfrm>
+            <a:off x="5336068" y="4911565"/>
+            <a:ext cx="2852892" cy="1712818"/>
+          </a:xfrm>
+          <a:prstGeom prst="roundRect">
+            <a:avLst>
+              <a:gd name="adj" fmla="val 5572"/>
+            </a:avLst>
           </a:prstGeom>
+          <a:solidFill>
+            <a:schemeClr val="accent5">
+              <a:lumMod val="40000"/>
+              <a:lumOff val="60000"/>
+            </a:schemeClr>
+          </a:solidFill>
+          <a:ln>
+            <a:noFill/>
+          </a:ln>
         </p:spPr>
         <p:style>
           <a:lnRef idx="2">
@@ -5017,18 +4320,29 @@
       </p:sp>
       <p:sp>
         <p:nvSpPr>
-          <p:cNvPr id="47" name="Flowchart: Process 46"/>
+          <p:cNvPr id="37" name="Rounded Rectangle 36"/>
           <p:cNvSpPr/>
           <p:nvPr/>
         </p:nvSpPr>
         <p:spPr>
           <a:xfrm>
-            <a:off x="8642610" y="4050230"/>
-            <a:ext cx="129818" cy="1207570"/>
-          </a:xfrm>
-          <a:prstGeom prst="flowChartProcess">
-            <a:avLst/>
+            <a:off x="8998904" y="4923249"/>
+            <a:ext cx="2308860" cy="1712818"/>
+          </a:xfrm>
+          <a:prstGeom prst="roundRect">
+            <a:avLst>
+              <a:gd name="adj" fmla="val 5572"/>
+            </a:avLst>
           </a:prstGeom>
+          <a:solidFill>
+            <a:schemeClr val="accent5">
+              <a:lumMod val="40000"/>
+              <a:lumOff val="60000"/>
+            </a:schemeClr>
+          </a:solidFill>
+          <a:ln>
+            <a:noFill/>
+          </a:ln>
         </p:spPr>
         <p:style>
           <a:lnRef idx="2">
@@ -5055,80 +4369,16 @@
           </a:p>
         </p:txBody>
       </p:sp>
-      <p:sp>
-        <p:nvSpPr>
-          <p:cNvPr id="48" name="TextBox 47"/>
-          <p:cNvSpPr txBox="1"/>
-          <p:nvPr/>
-        </p:nvSpPr>
-        <p:spPr>
-          <a:xfrm>
-            <a:off x="2318466" y="6212425"/>
-            <a:ext cx="1653017" cy="369332"/>
-          </a:xfrm>
-          <a:prstGeom prst="rect">
-            <a:avLst/>
-          </a:prstGeom>
-          <a:noFill/>
-        </p:spPr>
-        <p:txBody>
-          <a:bodyPr wrap="none" rtlCol="0">
-            <a:spAutoFit/>
-          </a:bodyPr>
-          <a:lstStyle/>
-          <a:p>
-            <a:r>
-              <a:rPr lang="en-GB" b="1" dirty="0" err="1" smtClean="0">
-                <a:latin typeface="Times New Roman" panose="02020603050405020304" pitchFamily="18" charset="0"/>
-                <a:cs typeface="Times New Roman" panose="02020603050405020304" pitchFamily="18" charset="0"/>
-              </a:rPr>
-              <a:t>Mạch</a:t>
-            </a:r>
-            <a:r>
-              <a:rPr lang="en-GB" b="1" dirty="0" smtClean="0">
-                <a:latin typeface="Times New Roman" panose="02020603050405020304" pitchFamily="18" charset="0"/>
-                <a:cs typeface="Times New Roman" panose="02020603050405020304" pitchFamily="18" charset="0"/>
-              </a:rPr>
-              <a:t> </a:t>
-            </a:r>
-            <a:r>
-              <a:rPr lang="en-GB" b="1" dirty="0" err="1" smtClean="0">
-                <a:latin typeface="Times New Roman" panose="02020603050405020304" pitchFamily="18" charset="0"/>
-                <a:cs typeface="Times New Roman" panose="02020603050405020304" pitchFamily="18" charset="0"/>
-              </a:rPr>
-              <a:t>lượng</a:t>
-            </a:r>
-            <a:r>
-              <a:rPr lang="en-GB" b="1" dirty="0" smtClean="0">
-                <a:latin typeface="Times New Roman" panose="02020603050405020304" pitchFamily="18" charset="0"/>
-                <a:cs typeface="Times New Roman" panose="02020603050405020304" pitchFamily="18" charset="0"/>
-              </a:rPr>
-              <a:t> </a:t>
-            </a:r>
-            <a:r>
-              <a:rPr lang="en-GB" b="1" dirty="0" err="1" smtClean="0">
-                <a:latin typeface="Times New Roman" panose="02020603050405020304" pitchFamily="18" charset="0"/>
-                <a:cs typeface="Times New Roman" panose="02020603050405020304" pitchFamily="18" charset="0"/>
-              </a:rPr>
-              <a:t>tử</a:t>
-            </a:r>
-            <a:endParaRPr lang="en-GB" b="1" dirty="0">
-              <a:latin typeface="Times New Roman" panose="02020603050405020304" pitchFamily="18" charset="0"/>
-              <a:cs typeface="Times New Roman" panose="02020603050405020304" pitchFamily="18" charset="0"/>
-            </a:endParaRPr>
-          </a:p>
-        </p:txBody>
-      </p:sp>
       <p:pic>
         <p:nvPicPr>
-          <p:cNvPr id="1028" name="Picture 4" descr="Fractional Gates • Quantum Zeitgeist"/>
+          <p:cNvPr id="38" name="Picture 2" descr="Không có mô tả ảnh."/>
           <p:cNvPicPr>
             <a:picLocks noChangeAspect="1" noChangeArrowheads="1"/>
           </p:cNvPicPr>
           <p:nvPr/>
         </p:nvPicPr>
         <p:blipFill>
-          <a:blip r:embed="rId7" cstate="print">
+          <a:blip r:embed="rId6" cstate="print">
             <a:extLst>
               <a:ext uri="{28A0092B-C50C-407E-A947-70E740481C1C}">
                 <a14:useLocalDpi xmlns:a14="http://schemas.microsoft.com/office/drawing/2010/main" val="0"/>
@@ -5141,9 +4391,9 @@
           </a:stretch>
         </p:blipFill>
         <p:spPr bwMode="auto">
-          <a:xfrm>
-            <a:off x="2207495" y="5375744"/>
-            <a:ext cx="2178850" cy="629141"/>
+          <a:xfrm rot="5400000">
+            <a:off x="6122498" y="4125131"/>
+            <a:ext cx="1280023" cy="2852891"/>
           </a:xfrm>
           <a:prstGeom prst="rect">
             <a:avLst/>
@@ -5160,21 +4410,62 @@
           </a:extLst>
         </p:spPr>
       </p:pic>
-      <p:sp>
-        <p:nvSpPr>
-          <p:cNvPr id="50" name="TextBox 49"/>
-          <p:cNvSpPr txBox="1"/>
+      <p:pic>
+        <p:nvPicPr>
+          <p:cNvPr id="39" name="Picture 2" descr="First quantum computer to pack 100 qubits enters crowded race"/>
+          <p:cNvPicPr>
+            <a:picLocks noChangeAspect="1" noChangeArrowheads="1"/>
+          </p:cNvPicPr>
           <p:nvPr/>
-        </p:nvSpPr>
-        <p:spPr>
-          <a:xfrm>
-            <a:off x="9313046" y="6212425"/>
-            <a:ext cx="2256655" cy="646331"/>
+        </p:nvPicPr>
+        <p:blipFill rotWithShape="1">
+          <a:blip r:embed="rId7" cstate="print">
+            <a:extLst>
+              <a:ext uri="{28A0092B-C50C-407E-A947-70E740481C1C}">
+                <a14:useLocalDpi xmlns:a14="http://schemas.microsoft.com/office/drawing/2010/main" val="0"/>
+              </a:ext>
+            </a:extLst>
+          </a:blip>
+          <a:srcRect t="27758" b="3469"/>
+          <a:stretch>
+            <a:fillRect/>
+          </a:stretch>
+        </p:blipFill>
+        <p:spPr bwMode="auto">
+          <a:xfrm>
+            <a:off x="8994603" y="4926722"/>
+            <a:ext cx="2332290" cy="1068641"/>
           </a:xfrm>
           <a:prstGeom prst="rect">
             <a:avLst/>
           </a:prstGeom>
           <a:noFill/>
+          <a:extLst>
+            <a:ext uri="{909E8E84-426E-40DD-AFC4-6F175D3DCCD1}">
+              <a14:hiddenFill xmlns:a14="http://schemas.microsoft.com/office/drawing/2010/main">
+                <a:solidFill>
+                  <a:srgbClr val="FFFFFF"/>
+                </a:solidFill>
+              </a14:hiddenFill>
+            </a:ext>
+          </a:extLst>
+        </p:spPr>
+      </p:pic>
+      <p:sp>
+        <p:nvSpPr>
+          <p:cNvPr id="41" name="TextBox 40"/>
+          <p:cNvSpPr txBox="1"/>
+          <p:nvPr/>
+        </p:nvSpPr>
+        <p:spPr>
+          <a:xfrm>
+            <a:off x="5336068" y="6249277"/>
+            <a:ext cx="2852892" cy="369332"/>
+          </a:xfrm>
+          <a:prstGeom prst="rect">
+            <a:avLst/>
+          </a:prstGeom>
+          <a:noFill/>
         </p:spPr>
         <p:txBody>
           <a:bodyPr wrap="square" rtlCol="0">
@@ -5182,90 +4473,1065 @@
           </a:bodyPr>
           <a:lstStyle/>
           <a:p>
-            <a:r>
-              <a:rPr lang="en-GB" b="1" dirty="0" err="1" smtClean="0">
-                <a:latin typeface="Times New Roman" panose="02020603050405020304" pitchFamily="18" charset="0"/>
+            <a:pPr algn="ctr"/>
+            <a:r>
+              <a:rPr lang="en-GB" b="1" dirty="0">
                 <a:cs typeface="Times New Roman" panose="02020603050405020304" pitchFamily="18" charset="0"/>
               </a:rPr>
-              <a:t>Chạy</a:t>
-            </a:r>
-            <a:r>
-              <a:rPr lang="en-GB" b="1" dirty="0" smtClean="0">
-                <a:latin typeface="Times New Roman" panose="02020603050405020304" pitchFamily="18" charset="0"/>
+              <a:t>Simulating on CPU/GPU/…</a:t>
+            </a:r>
+          </a:p>
+        </p:txBody>
+      </p:sp>
+      <p:sp>
+        <p:nvSpPr>
+          <p:cNvPr id="48" name="TextBox 47"/>
+          <p:cNvSpPr txBox="1"/>
+          <p:nvPr/>
+        </p:nvSpPr>
+        <p:spPr>
+          <a:xfrm>
+            <a:off x="2056790" y="6212425"/>
+            <a:ext cx="2297830" cy="369332"/>
+          </a:xfrm>
+          <a:prstGeom prst="rect">
+            <a:avLst/>
+          </a:prstGeom>
+          <a:noFill/>
+        </p:spPr>
+        <p:txBody>
+          <a:bodyPr wrap="square" rtlCol="0">
+            <a:spAutoFit/>
+          </a:bodyPr>
+          <a:lstStyle/>
+          <a:p>
+            <a:pPr algn="ctr"/>
+            <a:r>
+              <a:rPr lang="en-GB" b="1" dirty="0">
                 <a:cs typeface="Times New Roman" panose="02020603050405020304" pitchFamily="18" charset="0"/>
               </a:rPr>
-              <a:t> </a:t>
-            </a:r>
-            <a:r>
-              <a:rPr lang="en-GB" b="1" dirty="0" err="1" smtClean="0">
-                <a:latin typeface="Times New Roman" panose="02020603050405020304" pitchFamily="18" charset="0"/>
+              <a:t>Quantum algorithms</a:t>
+            </a:r>
+          </a:p>
+        </p:txBody>
+      </p:sp>
+      <p:pic>
+        <p:nvPicPr>
+          <p:cNvPr id="1028" name="Picture 4" descr="Fractional Gates • Quantum Zeitgeist"/>
+          <p:cNvPicPr>
+            <a:picLocks noChangeAspect="1" noChangeArrowheads="1"/>
+          </p:cNvPicPr>
+          <p:nvPr/>
+        </p:nvPicPr>
+        <p:blipFill rotWithShape="1">
+          <a:blip r:embed="rId8" cstate="print">
+            <a:extLst>
+              <a:ext uri="{28A0092B-C50C-407E-A947-70E740481C1C}">
+                <a14:useLocalDpi xmlns:a14="http://schemas.microsoft.com/office/drawing/2010/main" val="0"/>
+              </a:ext>
+            </a:extLst>
+          </a:blip>
+          <a:srcRect r="45430"/>
+          <a:stretch>
+            <a:fillRect/>
+          </a:stretch>
+        </p:blipFill>
+        <p:spPr bwMode="auto">
+          <a:xfrm>
+            <a:off x="2052384" y="4905726"/>
+            <a:ext cx="2302570" cy="1225197"/>
+          </a:xfrm>
+          <a:prstGeom prst="rect">
+            <a:avLst/>
+          </a:prstGeom>
+          <a:noFill/>
+          <a:extLst>
+            <a:ext uri="{909E8E84-426E-40DD-AFC4-6F175D3DCCD1}">
+              <a14:hiddenFill xmlns:a14="http://schemas.microsoft.com/office/drawing/2010/main">
+                <a:solidFill>
+                  <a:srgbClr val="FFFFFF"/>
+                </a:solidFill>
+              </a14:hiddenFill>
+            </a:ext>
+          </a:extLst>
+        </p:spPr>
+      </p:pic>
+      <p:sp>
+        <p:nvSpPr>
+          <p:cNvPr id="50" name="TextBox 49"/>
+          <p:cNvSpPr txBox="1"/>
+          <p:nvPr/>
+        </p:nvSpPr>
+        <p:spPr>
+          <a:xfrm>
+            <a:off x="9021200" y="5983317"/>
+            <a:ext cx="2286564" cy="646331"/>
+          </a:xfrm>
+          <a:prstGeom prst="rect">
+            <a:avLst/>
+          </a:prstGeom>
+          <a:noFill/>
+        </p:spPr>
+        <p:txBody>
+          <a:bodyPr wrap="square" rtlCol="0">
+            <a:spAutoFit/>
+          </a:bodyPr>
+          <a:lstStyle/>
+          <a:p>
+            <a:pPr algn="ctr"/>
+            <a:r>
+              <a:rPr lang="en-GB" b="1" dirty="0">
                 <a:cs typeface="Times New Roman" panose="02020603050405020304" pitchFamily="18" charset="0"/>
               </a:rPr>
-              <a:t>máy</a:t>
-            </a:r>
-            <a:r>
-              <a:rPr lang="en-GB" b="1" dirty="0" smtClean="0">
-                <a:latin typeface="Times New Roman" panose="02020603050405020304" pitchFamily="18" charset="0"/>
-                <a:cs typeface="Times New Roman" panose="02020603050405020304" pitchFamily="18" charset="0"/>
-              </a:rPr>
-              <a:t> </a:t>
-            </a:r>
-            <a:r>
-              <a:rPr lang="en-GB" b="1" dirty="0" err="1" smtClean="0">
-                <a:latin typeface="Times New Roman" panose="02020603050405020304" pitchFamily="18" charset="0"/>
-                <a:cs typeface="Times New Roman" panose="02020603050405020304" pitchFamily="18" charset="0"/>
-              </a:rPr>
-              <a:t>tính</a:t>
-            </a:r>
-            <a:r>
-              <a:rPr lang="en-GB" b="1" dirty="0" smtClean="0">
-                <a:latin typeface="Times New Roman" panose="02020603050405020304" pitchFamily="18" charset="0"/>
-                <a:cs typeface="Times New Roman" panose="02020603050405020304" pitchFamily="18" charset="0"/>
-              </a:rPr>
-              <a:t> </a:t>
-            </a:r>
-            <a:r>
-              <a:rPr lang="en-GB" b="1" dirty="0" err="1" smtClean="0">
-                <a:latin typeface="Times New Roman" panose="02020603050405020304" pitchFamily="18" charset="0"/>
-                <a:cs typeface="Times New Roman" panose="02020603050405020304" pitchFamily="18" charset="0"/>
-              </a:rPr>
-              <a:t>lượng</a:t>
-            </a:r>
-            <a:r>
-              <a:rPr lang="en-GB" b="1" dirty="0" smtClean="0">
-                <a:latin typeface="Times New Roman" panose="02020603050405020304" pitchFamily="18" charset="0"/>
-                <a:cs typeface="Times New Roman" panose="02020603050405020304" pitchFamily="18" charset="0"/>
-              </a:rPr>
-              <a:t> </a:t>
-            </a:r>
-            <a:r>
-              <a:rPr lang="en-GB" b="1" dirty="0" err="1" smtClean="0">
-                <a:latin typeface="Times New Roman" panose="02020603050405020304" pitchFamily="18" charset="0"/>
-                <a:cs typeface="Times New Roman" panose="02020603050405020304" pitchFamily="18" charset="0"/>
-              </a:rPr>
-              <a:t>tử</a:t>
-            </a:r>
-            <a:r>
-              <a:rPr lang="en-GB" b="1" dirty="0">
-                <a:latin typeface="Times New Roman" panose="02020603050405020304" pitchFamily="18" charset="0"/>
-                <a:cs typeface="Times New Roman" panose="02020603050405020304" pitchFamily="18" charset="0"/>
-              </a:rPr>
-              <a:t> </a:t>
-            </a:r>
-            <a:r>
-              <a:rPr lang="en-GB" b="1" dirty="0" err="1" smtClean="0">
-                <a:latin typeface="Times New Roman" panose="02020603050405020304" pitchFamily="18" charset="0"/>
-                <a:cs typeface="Times New Roman" panose="02020603050405020304" pitchFamily="18" charset="0"/>
-              </a:rPr>
-              <a:t>thật</a:t>
-            </a:r>
-            <a:endParaRPr lang="en-GB" b="1" dirty="0">
-              <a:latin typeface="Times New Roman" panose="02020603050405020304" pitchFamily="18" charset="0"/>
-              <a:cs typeface="Times New Roman" panose="02020603050405020304" pitchFamily="18" charset="0"/>
-            </a:endParaRPr>
-          </a:p>
-        </p:txBody>
-      </p:sp>
+              <a:t>Deploy on real quantum computer</a:t>
+            </a:r>
+          </a:p>
+        </p:txBody>
+      </p:sp>
+      <p:cxnSp>
+        <p:nvCxnSpPr>
+          <p:cNvPr id="9" name="Straight Arrow Connector 8">
+            <a:extLst>
+              <a:ext uri="{FF2B5EF4-FFF2-40B4-BE49-F238E27FC236}">
+                <a16:creationId xmlns:a16="http://schemas.microsoft.com/office/drawing/2014/main" id="{19A9A614-AC84-386A-4184-21527C5F924D}"/>
+              </a:ext>
+            </a:extLst>
+          </p:cNvPr>
+          <p:cNvCxnSpPr>
+            <a:cxnSpLocks/>
+            <a:stCxn id="35" idx="3"/>
+            <a:endCxn id="36" idx="1"/>
+          </p:cNvCxnSpPr>
+          <p:nvPr/>
+        </p:nvCxnSpPr>
+        <p:spPr>
+          <a:xfrm>
+            <a:off x="4354620" y="5755561"/>
+            <a:ext cx="981448" cy="12413"/>
+          </a:xfrm>
+          <a:prstGeom prst="straightConnector1">
+            <a:avLst/>
+          </a:prstGeom>
+          <a:ln w="76200">
+            <a:solidFill>
+              <a:schemeClr val="accent5"/>
+            </a:solidFill>
+            <a:tailEnd type="triangle"/>
+          </a:ln>
+        </p:spPr>
+        <p:style>
+          <a:lnRef idx="1">
+            <a:schemeClr val="dk1"/>
+          </a:lnRef>
+          <a:fillRef idx="0">
+            <a:schemeClr val="dk1"/>
+          </a:fillRef>
+          <a:effectRef idx="0">
+            <a:schemeClr val="dk1"/>
+          </a:effectRef>
+          <a:fontRef idx="minor">
+            <a:schemeClr val="tx1"/>
+          </a:fontRef>
+        </p:style>
+      </p:cxnSp>
+      <p:cxnSp>
+        <p:nvCxnSpPr>
+          <p:cNvPr id="42" name="Straight Arrow Connector 41">
+            <a:extLst>
+              <a:ext uri="{FF2B5EF4-FFF2-40B4-BE49-F238E27FC236}">
+                <a16:creationId xmlns:a16="http://schemas.microsoft.com/office/drawing/2014/main" id="{722E3C8D-3F8C-E4C3-DB35-D4E55D0806A2}"/>
+              </a:ext>
+            </a:extLst>
+          </p:cNvPr>
+          <p:cNvCxnSpPr>
+            <a:cxnSpLocks/>
+            <a:stCxn id="36" idx="3"/>
+            <a:endCxn id="37" idx="1"/>
+          </p:cNvCxnSpPr>
+          <p:nvPr/>
+        </p:nvCxnSpPr>
+        <p:spPr>
+          <a:xfrm>
+            <a:off x="8188960" y="5767974"/>
+            <a:ext cx="809944" cy="11684"/>
+          </a:xfrm>
+          <a:prstGeom prst="straightConnector1">
+            <a:avLst/>
+          </a:prstGeom>
+          <a:ln w="76200">
+            <a:solidFill>
+              <a:schemeClr val="accent5"/>
+            </a:solidFill>
+            <a:tailEnd type="triangle"/>
+          </a:ln>
+        </p:spPr>
+        <p:style>
+          <a:lnRef idx="1">
+            <a:schemeClr val="dk1"/>
+          </a:lnRef>
+          <a:fillRef idx="0">
+            <a:schemeClr val="dk1"/>
+          </a:fillRef>
+          <a:effectRef idx="0">
+            <a:schemeClr val="dk1"/>
+          </a:effectRef>
+          <a:fontRef idx="minor">
+            <a:schemeClr val="tx1"/>
+          </a:fontRef>
+        </p:style>
+      </p:cxnSp>
+      <p:cxnSp>
+        <p:nvCxnSpPr>
+          <p:cNvPr id="55" name="Connector: Elbow 54">
+            <a:extLst>
+              <a:ext uri="{FF2B5EF4-FFF2-40B4-BE49-F238E27FC236}">
+                <a16:creationId xmlns:a16="http://schemas.microsoft.com/office/drawing/2014/main" id="{C9693990-8E80-4158-B5A3-168B2160ADDB}"/>
+              </a:ext>
+            </a:extLst>
+          </p:cNvPr>
+          <p:cNvCxnSpPr>
+            <a:cxnSpLocks/>
+            <a:stCxn id="30" idx="2"/>
+            <a:endCxn id="7" idx="0"/>
+          </p:cNvCxnSpPr>
+          <p:nvPr/>
+        </p:nvCxnSpPr>
+        <p:spPr>
+          <a:xfrm rot="5400000">
+            <a:off x="6364131" y="-1021571"/>
+            <a:ext cx="603406" cy="6894523"/>
+          </a:xfrm>
+          <a:prstGeom prst="bentConnector3">
+            <a:avLst>
+              <a:gd name="adj1" fmla="val 38424"/>
+            </a:avLst>
+          </a:prstGeom>
+          <a:ln w="76200">
+            <a:solidFill>
+              <a:schemeClr val="accent5"/>
+            </a:solidFill>
+            <a:tailEnd type="triangle"/>
+          </a:ln>
+        </p:spPr>
+        <p:style>
+          <a:lnRef idx="1">
+            <a:schemeClr val="accent1"/>
+          </a:lnRef>
+          <a:fillRef idx="0">
+            <a:schemeClr val="accent1"/>
+          </a:fillRef>
+          <a:effectRef idx="0">
+            <a:schemeClr val="accent1"/>
+          </a:effectRef>
+          <a:fontRef idx="minor">
+            <a:schemeClr val="tx1"/>
+          </a:fontRef>
+        </p:style>
+      </p:cxnSp>
+      <p:pic>
+        <p:nvPicPr>
+          <p:cNvPr id="1031" name="Picture 1030" descr="A diagram of a network&#10;&#10;AI-generated content may be incorrect.">
+            <a:extLst>
+              <a:ext uri="{FF2B5EF4-FFF2-40B4-BE49-F238E27FC236}">
+                <a16:creationId xmlns:a16="http://schemas.microsoft.com/office/drawing/2014/main" id="{E01D8258-C023-C866-8136-9695EAD8CF07}"/>
+              </a:ext>
+            </a:extLst>
+          </p:cNvPr>
+          <p:cNvPicPr>
+            <a:picLocks noChangeAspect="1"/>
+          </p:cNvPicPr>
+          <p:nvPr/>
+        </p:nvPicPr>
+        <p:blipFill>
+          <a:blip r:embed="rId9" cstate="print">
+            <a:extLst>
+              <a:ext uri="{28A0092B-C50C-407E-A947-70E740481C1C}">
+                <a14:useLocalDpi xmlns:a14="http://schemas.microsoft.com/office/drawing/2010/main" val="0"/>
+              </a:ext>
+            </a:extLst>
+          </a:blip>
+          <a:stretch>
+            <a:fillRect/>
+          </a:stretch>
+        </p:blipFill>
+        <p:spPr>
+          <a:xfrm>
+            <a:off x="2029028" y="417762"/>
+            <a:ext cx="2362820" cy="1324739"/>
+          </a:xfrm>
+          <a:prstGeom prst="rect">
+            <a:avLst/>
+          </a:prstGeom>
+          <a:ln>
+            <a:noFill/>
+          </a:ln>
+        </p:spPr>
+      </p:pic>
+      <p:grpSp>
+        <p:nvGrpSpPr>
+          <p:cNvPr id="1032" name="Group 1031">
+            <a:extLst>
+              <a:ext uri="{FF2B5EF4-FFF2-40B4-BE49-F238E27FC236}">
+                <a16:creationId xmlns:a16="http://schemas.microsoft.com/office/drawing/2014/main" id="{D777971A-E2FB-E418-A8D3-53AC7A99E919}"/>
+              </a:ext>
+            </a:extLst>
+          </p:cNvPr>
+          <p:cNvGrpSpPr/>
+          <p:nvPr/>
+        </p:nvGrpSpPr>
+        <p:grpSpPr>
+          <a:xfrm>
+            <a:off x="8994603" y="392918"/>
+            <a:ext cx="2285239" cy="1319139"/>
+            <a:chOff x="-2930466" y="3133562"/>
+            <a:chExt cx="1866473" cy="1223509"/>
+          </a:xfrm>
+        </p:grpSpPr>
+        <p:sp>
+          <p:nvSpPr>
+            <p:cNvPr id="1033" name="Rectangle: Rounded Corners 1032">
+              <a:extLst>
+                <a:ext uri="{FF2B5EF4-FFF2-40B4-BE49-F238E27FC236}">
+                  <a16:creationId xmlns:a16="http://schemas.microsoft.com/office/drawing/2014/main" id="{8A46E997-95C0-BE97-94B4-1D635666D72E}"/>
+                </a:ext>
+              </a:extLst>
+            </p:cNvPr>
+            <p:cNvSpPr/>
+            <p:nvPr/>
+          </p:nvSpPr>
+          <p:spPr>
+            <a:xfrm>
+              <a:off x="-2930466" y="3133562"/>
+              <a:ext cx="1827209" cy="1212944"/>
+            </a:xfrm>
+            <a:prstGeom prst="roundRect">
+              <a:avLst>
+                <a:gd name="adj" fmla="val 4102"/>
+              </a:avLst>
+            </a:prstGeom>
+            <a:ln>
+              <a:noFill/>
+            </a:ln>
+          </p:spPr>
+          <p:style>
+            <a:lnRef idx="2">
+              <a:schemeClr val="dk1"/>
+            </a:lnRef>
+            <a:fillRef idx="1">
+              <a:schemeClr val="lt1"/>
+            </a:fillRef>
+            <a:effectRef idx="0">
+              <a:schemeClr val="dk1"/>
+            </a:effectRef>
+            <a:fontRef idx="minor">
+              <a:schemeClr val="dk1"/>
+            </a:fontRef>
+          </p:style>
+          <p:txBody>
+            <a:bodyPr rtlCol="0" anchor="ctr"/>
+            <a:lstStyle>
+              <a:defPPr>
+                <a:defRPr lang="en-US"/>
+              </a:defPPr>
+              <a:lvl1pPr marL="0" algn="l" defTabSz="914400" rtl="0" eaLnBrk="1" latinLnBrk="0" hangingPunct="1">
+                <a:defRPr sz="1800" kern="1200">
+                  <a:solidFill>
+                    <a:schemeClr val="dk1"/>
+                  </a:solidFill>
+                  <a:latin typeface="+mn-lt"/>
+                  <a:ea typeface="+mn-ea"/>
+                  <a:cs typeface="+mn-cs"/>
+                </a:defRPr>
+              </a:lvl1pPr>
+              <a:lvl2pPr marL="457200" algn="l" defTabSz="914400" rtl="0" eaLnBrk="1" latinLnBrk="0" hangingPunct="1">
+                <a:defRPr sz="1800" kern="1200">
+                  <a:solidFill>
+                    <a:schemeClr val="dk1"/>
+                  </a:solidFill>
+                  <a:latin typeface="+mn-lt"/>
+                  <a:ea typeface="+mn-ea"/>
+                  <a:cs typeface="+mn-cs"/>
+                </a:defRPr>
+              </a:lvl2pPr>
+              <a:lvl3pPr marL="914400" algn="l" defTabSz="914400" rtl="0" eaLnBrk="1" latinLnBrk="0" hangingPunct="1">
+                <a:defRPr sz="1800" kern="1200">
+                  <a:solidFill>
+                    <a:schemeClr val="dk1"/>
+                  </a:solidFill>
+                  <a:latin typeface="+mn-lt"/>
+                  <a:ea typeface="+mn-ea"/>
+                  <a:cs typeface="+mn-cs"/>
+                </a:defRPr>
+              </a:lvl3pPr>
+              <a:lvl4pPr marL="1371600" algn="l" defTabSz="914400" rtl="0" eaLnBrk="1" latinLnBrk="0" hangingPunct="1">
+                <a:defRPr sz="1800" kern="1200">
+                  <a:solidFill>
+                    <a:schemeClr val="dk1"/>
+                  </a:solidFill>
+                  <a:latin typeface="+mn-lt"/>
+                  <a:ea typeface="+mn-ea"/>
+                  <a:cs typeface="+mn-cs"/>
+                </a:defRPr>
+              </a:lvl4pPr>
+              <a:lvl5pPr marL="1828800" algn="l" defTabSz="914400" rtl="0" eaLnBrk="1" latinLnBrk="0" hangingPunct="1">
+                <a:defRPr sz="1800" kern="1200">
+                  <a:solidFill>
+                    <a:schemeClr val="dk1"/>
+                  </a:solidFill>
+                  <a:latin typeface="+mn-lt"/>
+                  <a:ea typeface="+mn-ea"/>
+                  <a:cs typeface="+mn-cs"/>
+                </a:defRPr>
+              </a:lvl5pPr>
+              <a:lvl6pPr marL="2286000" algn="l" defTabSz="914400" rtl="0" eaLnBrk="1" latinLnBrk="0" hangingPunct="1">
+                <a:defRPr sz="1800" kern="1200">
+                  <a:solidFill>
+                    <a:schemeClr val="dk1"/>
+                  </a:solidFill>
+                  <a:latin typeface="+mn-lt"/>
+                  <a:ea typeface="+mn-ea"/>
+                  <a:cs typeface="+mn-cs"/>
+                </a:defRPr>
+              </a:lvl6pPr>
+              <a:lvl7pPr marL="2743200" algn="l" defTabSz="914400" rtl="0" eaLnBrk="1" latinLnBrk="0" hangingPunct="1">
+                <a:defRPr sz="1800" kern="1200">
+                  <a:solidFill>
+                    <a:schemeClr val="dk1"/>
+                  </a:solidFill>
+                  <a:latin typeface="+mn-lt"/>
+                  <a:ea typeface="+mn-ea"/>
+                  <a:cs typeface="+mn-cs"/>
+                </a:defRPr>
+              </a:lvl7pPr>
+              <a:lvl8pPr marL="3200400" algn="l" defTabSz="914400" rtl="0" eaLnBrk="1" latinLnBrk="0" hangingPunct="1">
+                <a:defRPr sz="1800" kern="1200">
+                  <a:solidFill>
+                    <a:schemeClr val="dk1"/>
+                  </a:solidFill>
+                  <a:latin typeface="+mn-lt"/>
+                  <a:ea typeface="+mn-ea"/>
+                  <a:cs typeface="+mn-cs"/>
+                </a:defRPr>
+              </a:lvl8pPr>
+              <a:lvl9pPr marL="3657600" algn="l" defTabSz="914400" rtl="0" eaLnBrk="1" latinLnBrk="0" hangingPunct="1">
+                <a:defRPr sz="1800" kern="1200">
+                  <a:solidFill>
+                    <a:schemeClr val="dk1"/>
+                  </a:solidFill>
+                  <a:latin typeface="+mn-lt"/>
+                  <a:ea typeface="+mn-ea"/>
+                  <a:cs typeface="+mn-cs"/>
+                </a:defRPr>
+              </a:lvl9pPr>
+            </a:lstStyle>
+            <a:p>
+              <a:pPr algn="ctr"/>
+              <a:endParaRPr lang="en-US"/>
+            </a:p>
+          </p:txBody>
+        </p:sp>
+        <p:pic>
+          <p:nvPicPr>
+            <p:cNvPr id="1034" name="Picture 1033" descr="Document Vector Art, Icons, and Graphics for Free Download">
+              <a:extLst>
+                <a:ext uri="{FF2B5EF4-FFF2-40B4-BE49-F238E27FC236}">
+                  <a16:creationId xmlns:a16="http://schemas.microsoft.com/office/drawing/2014/main" id="{9669CC6B-0237-99CC-0ABA-57FC7BA0C20E}"/>
+                </a:ext>
+              </a:extLst>
+            </p:cNvPr>
+            <p:cNvPicPr>
+              <a:picLocks noChangeAspect="1" noChangeArrowheads="1"/>
+            </p:cNvPicPr>
+            <p:nvPr/>
+          </p:nvPicPr>
+          <p:blipFill rotWithShape="1">
+            <a:blip r:embed="rId10" cstate="print">
+              <a:extLst>
+                <a:ext uri="{28A0092B-C50C-407E-A947-70E740481C1C}">
+                  <a14:useLocalDpi xmlns:a14="http://schemas.microsoft.com/office/drawing/2010/main" val="0"/>
+                </a:ext>
+              </a:extLst>
+            </a:blip>
+            <a:srcRect l="24114" t="15064" r="23774" b="27683"/>
+            <a:stretch>
+              <a:fillRect/>
+            </a:stretch>
+          </p:blipFill>
+          <p:spPr bwMode="auto">
+            <a:xfrm>
+              <a:off x="-2804134" y="3171801"/>
+              <a:ext cx="345885" cy="380012"/>
+            </a:xfrm>
+            <a:prstGeom prst="rect">
+              <a:avLst/>
+            </a:prstGeom>
+            <a:noFill/>
+            <a:ln>
+              <a:noFill/>
+            </a:ln>
+            <a:extLst>
+              <a:ext uri="{909E8E84-426E-40DD-AFC4-6F175D3DCCD1}">
+                <a14:hiddenFill xmlns:a14="http://schemas.microsoft.com/office/drawing/2010/main">
+                  <a:solidFill>
+                    <a:srgbClr val="FFFFFF"/>
+                  </a:solidFill>
+                </a14:hiddenFill>
+              </a:ext>
+            </a:extLst>
+          </p:spPr>
+        </p:pic>
+        <p:sp>
+          <p:nvSpPr>
+            <p:cNvPr id="1035" name="Right Arrow 2">
+              <a:extLst>
+                <a:ext uri="{FF2B5EF4-FFF2-40B4-BE49-F238E27FC236}">
+                  <a16:creationId xmlns:a16="http://schemas.microsoft.com/office/drawing/2014/main" id="{5766C89A-55C5-3A55-1D9E-62FF66A29FF8}"/>
+                </a:ext>
+              </a:extLst>
+            </p:cNvPr>
+            <p:cNvSpPr/>
+            <p:nvPr/>
+          </p:nvSpPr>
+          <p:spPr>
+            <a:xfrm>
+              <a:off x="-2383519" y="3655408"/>
+              <a:ext cx="235403" cy="202757"/>
+            </a:xfrm>
+            <a:prstGeom prst="rightArrow">
+              <a:avLst/>
+            </a:prstGeom>
+            <a:ln>
+              <a:noFill/>
+            </a:ln>
+          </p:spPr>
+          <p:style>
+            <a:lnRef idx="2">
+              <a:schemeClr val="accent1">
+                <a:shade val="50000"/>
+              </a:schemeClr>
+            </a:lnRef>
+            <a:fillRef idx="1">
+              <a:schemeClr val="accent1"/>
+            </a:fillRef>
+            <a:effectRef idx="0">
+              <a:schemeClr val="accent1"/>
+            </a:effectRef>
+            <a:fontRef idx="minor">
+              <a:schemeClr val="lt1"/>
+            </a:fontRef>
+          </p:style>
+          <p:txBody>
+            <a:bodyPr rtlCol="0" anchor="ctr"/>
+            <a:lstStyle>
+              <a:defPPr>
+                <a:defRPr lang="en-US"/>
+              </a:defPPr>
+              <a:lvl1pPr marL="0" algn="l" defTabSz="914400" rtl="0" eaLnBrk="1" latinLnBrk="0" hangingPunct="1">
+                <a:defRPr sz="1800" kern="1200">
+                  <a:solidFill>
+                    <a:schemeClr val="lt1"/>
+                  </a:solidFill>
+                  <a:latin typeface="+mn-lt"/>
+                  <a:ea typeface="+mn-ea"/>
+                  <a:cs typeface="+mn-cs"/>
+                </a:defRPr>
+              </a:lvl1pPr>
+              <a:lvl2pPr marL="457200" algn="l" defTabSz="914400" rtl="0" eaLnBrk="1" latinLnBrk="0" hangingPunct="1">
+                <a:defRPr sz="1800" kern="1200">
+                  <a:solidFill>
+                    <a:schemeClr val="lt1"/>
+                  </a:solidFill>
+                  <a:latin typeface="+mn-lt"/>
+                  <a:ea typeface="+mn-ea"/>
+                  <a:cs typeface="+mn-cs"/>
+                </a:defRPr>
+              </a:lvl2pPr>
+              <a:lvl3pPr marL="914400" algn="l" defTabSz="914400" rtl="0" eaLnBrk="1" latinLnBrk="0" hangingPunct="1">
+                <a:defRPr sz="1800" kern="1200">
+                  <a:solidFill>
+                    <a:schemeClr val="lt1"/>
+                  </a:solidFill>
+                  <a:latin typeface="+mn-lt"/>
+                  <a:ea typeface="+mn-ea"/>
+                  <a:cs typeface="+mn-cs"/>
+                </a:defRPr>
+              </a:lvl3pPr>
+              <a:lvl4pPr marL="1371600" algn="l" defTabSz="914400" rtl="0" eaLnBrk="1" latinLnBrk="0" hangingPunct="1">
+                <a:defRPr sz="1800" kern="1200">
+                  <a:solidFill>
+                    <a:schemeClr val="lt1"/>
+                  </a:solidFill>
+                  <a:latin typeface="+mn-lt"/>
+                  <a:ea typeface="+mn-ea"/>
+                  <a:cs typeface="+mn-cs"/>
+                </a:defRPr>
+              </a:lvl4pPr>
+              <a:lvl5pPr marL="1828800" algn="l" defTabSz="914400" rtl="0" eaLnBrk="1" latinLnBrk="0" hangingPunct="1">
+                <a:defRPr sz="1800" kern="1200">
+                  <a:solidFill>
+                    <a:schemeClr val="lt1"/>
+                  </a:solidFill>
+                  <a:latin typeface="+mn-lt"/>
+                  <a:ea typeface="+mn-ea"/>
+                  <a:cs typeface="+mn-cs"/>
+                </a:defRPr>
+              </a:lvl5pPr>
+              <a:lvl6pPr marL="2286000" algn="l" defTabSz="914400" rtl="0" eaLnBrk="1" latinLnBrk="0" hangingPunct="1">
+                <a:defRPr sz="1800" kern="1200">
+                  <a:solidFill>
+                    <a:schemeClr val="lt1"/>
+                  </a:solidFill>
+                  <a:latin typeface="+mn-lt"/>
+                  <a:ea typeface="+mn-ea"/>
+                  <a:cs typeface="+mn-cs"/>
+                </a:defRPr>
+              </a:lvl6pPr>
+              <a:lvl7pPr marL="2743200" algn="l" defTabSz="914400" rtl="0" eaLnBrk="1" latinLnBrk="0" hangingPunct="1">
+                <a:defRPr sz="1800" kern="1200">
+                  <a:solidFill>
+                    <a:schemeClr val="lt1"/>
+                  </a:solidFill>
+                  <a:latin typeface="+mn-lt"/>
+                  <a:ea typeface="+mn-ea"/>
+                  <a:cs typeface="+mn-cs"/>
+                </a:defRPr>
+              </a:lvl7pPr>
+              <a:lvl8pPr marL="3200400" algn="l" defTabSz="914400" rtl="0" eaLnBrk="1" latinLnBrk="0" hangingPunct="1">
+                <a:defRPr sz="1800" kern="1200">
+                  <a:solidFill>
+                    <a:schemeClr val="lt1"/>
+                  </a:solidFill>
+                  <a:latin typeface="+mn-lt"/>
+                  <a:ea typeface="+mn-ea"/>
+                  <a:cs typeface="+mn-cs"/>
+                </a:defRPr>
+              </a:lvl8pPr>
+              <a:lvl9pPr marL="3657600" algn="l" defTabSz="914400" rtl="0" eaLnBrk="1" latinLnBrk="0" hangingPunct="1">
+                <a:defRPr sz="1800" kern="1200">
+                  <a:solidFill>
+                    <a:schemeClr val="lt1"/>
+                  </a:solidFill>
+                  <a:latin typeface="+mn-lt"/>
+                  <a:ea typeface="+mn-ea"/>
+                  <a:cs typeface="+mn-cs"/>
+                </a:defRPr>
+              </a:lvl9pPr>
+            </a:lstStyle>
+            <a:p>
+              <a:pPr algn="ctr"/>
+              <a:endParaRPr lang="en-GB"/>
+            </a:p>
+          </p:txBody>
+        </p:sp>
+        <p:pic>
+          <p:nvPicPr>
+            <p:cNvPr id="1036" name="Picture 1035" descr="5+ điều cần biết về chụp cộng hưởng từ có tiêm thuốc tương phản">
+              <a:extLst>
+                <a:ext uri="{FF2B5EF4-FFF2-40B4-BE49-F238E27FC236}">
+                  <a16:creationId xmlns:a16="http://schemas.microsoft.com/office/drawing/2014/main" id="{9953B549-A781-A7B7-8263-469B95D24884}"/>
+                </a:ext>
+              </a:extLst>
+            </p:cNvPr>
+            <p:cNvPicPr>
+              <a:picLocks noChangeAspect="1" noChangeArrowheads="1"/>
+            </p:cNvPicPr>
+            <p:nvPr/>
+          </p:nvPicPr>
+          <p:blipFill>
+            <a:blip r:embed="rId11" cstate="print">
+              <a:extLst>
+                <a:ext uri="{28A0092B-C50C-407E-A947-70E740481C1C}">
+                  <a14:useLocalDpi xmlns:a14="http://schemas.microsoft.com/office/drawing/2010/main" val="0"/>
+                </a:ext>
+              </a:extLst>
+            </a:blip>
+            <a:srcRect/>
+            <a:stretch>
+              <a:fillRect/>
+            </a:stretch>
+          </p:blipFill>
+          <p:spPr bwMode="auto">
+            <a:xfrm>
+              <a:off x="-2798142" y="3620068"/>
+              <a:ext cx="339893" cy="388758"/>
+            </a:xfrm>
+            <a:prstGeom prst="rect">
+              <a:avLst/>
+            </a:prstGeom>
+            <a:ln>
+              <a:noFill/>
+            </a:ln>
+            <a:extLst>
+              <a:ext uri="{909E8E84-426E-40DD-AFC4-6F175D3DCCD1}">
+                <a14:hiddenFill xmlns:a14="http://schemas.microsoft.com/office/drawing/2010/main">
+                  <a:solidFill>
+                    <a:srgbClr val="FFFFFF"/>
+                  </a:solidFill>
+                </a14:hiddenFill>
+              </a:ext>
+            </a:extLst>
+          </p:spPr>
+        </p:pic>
+        <p:pic>
+          <p:nvPicPr>
+            <p:cNvPr id="1037" name="Picture 1036" descr="ECG signals (744 fragments) | IEEE DataPort">
+              <a:extLst>
+                <a:ext uri="{FF2B5EF4-FFF2-40B4-BE49-F238E27FC236}">
+                  <a16:creationId xmlns:a16="http://schemas.microsoft.com/office/drawing/2014/main" id="{E1EE9304-1A58-7FA4-1D0E-EE3E1691CBF7}"/>
+                </a:ext>
+              </a:extLst>
+            </p:cNvPr>
+            <p:cNvPicPr>
+              <a:picLocks noChangeAspect="1" noChangeArrowheads="1"/>
+            </p:cNvPicPr>
+            <p:nvPr/>
+          </p:nvPicPr>
+          <p:blipFill>
+            <a:blip r:embed="rId12" cstate="print">
+              <a:extLst>
+                <a:ext uri="{28A0092B-C50C-407E-A947-70E740481C1C}">
+                  <a14:useLocalDpi xmlns:a14="http://schemas.microsoft.com/office/drawing/2010/main" val="0"/>
+                </a:ext>
+              </a:extLst>
+            </a:blip>
+            <a:srcRect/>
+            <a:stretch>
+              <a:fillRect/>
+            </a:stretch>
+          </p:blipFill>
+          <p:spPr bwMode="auto">
+            <a:xfrm>
+              <a:off x="-2834267" y="4025581"/>
+              <a:ext cx="400515" cy="300386"/>
+            </a:xfrm>
+            <a:prstGeom prst="rect">
+              <a:avLst/>
+            </a:prstGeom>
+            <a:noFill/>
+            <a:ln>
+              <a:noFill/>
+            </a:ln>
+            <a:extLst>
+              <a:ext uri="{909E8E84-426E-40DD-AFC4-6F175D3DCCD1}">
+                <a14:hiddenFill xmlns:a14="http://schemas.microsoft.com/office/drawing/2010/main">
+                  <a:solidFill>
+                    <a:srgbClr val="FFFFFF"/>
+                  </a:solidFill>
+                </a14:hiddenFill>
+              </a:ext>
+            </a:extLst>
+          </p:spPr>
+        </p:pic>
+        <p:pic>
+          <p:nvPicPr>
+            <p:cNvPr id="1038" name="Picture 1037" descr="A black background with a black square&#10;&#10;AI-generated content may be incorrect.">
+              <a:extLst>
+                <a:ext uri="{FF2B5EF4-FFF2-40B4-BE49-F238E27FC236}">
+                  <a16:creationId xmlns:a16="http://schemas.microsoft.com/office/drawing/2014/main" id="{81A1433D-BE29-8BE4-A0EF-311763DB92BD}"/>
+                </a:ext>
+              </a:extLst>
+            </p:cNvPr>
+            <p:cNvPicPr>
+              <a:picLocks noChangeAspect="1"/>
+            </p:cNvPicPr>
+            <p:nvPr/>
+          </p:nvPicPr>
+          <p:blipFill>
+            <a:blip r:embed="rId13" cstate="print">
+              <a:extLst>
+                <a:ext uri="{28A0092B-C50C-407E-A947-70E740481C1C}">
+                  <a14:useLocalDpi xmlns:a14="http://schemas.microsoft.com/office/drawing/2010/main" val="0"/>
+                </a:ext>
+              </a:extLst>
+            </a:blip>
+            <a:stretch>
+              <a:fillRect/>
+            </a:stretch>
+          </p:blipFill>
+          <p:spPr>
+            <a:xfrm>
+              <a:off x="-2276938" y="3144126"/>
+              <a:ext cx="1212945" cy="1212945"/>
+            </a:xfrm>
+            <a:prstGeom prst="rect">
+              <a:avLst/>
+            </a:prstGeom>
+            <a:ln>
+              <a:noFill/>
+            </a:ln>
+          </p:spPr>
+        </p:pic>
+      </p:grpSp>
+      <p:cxnSp>
+        <p:nvCxnSpPr>
+          <p:cNvPr id="1039" name="Straight Arrow Connector 1038">
+            <a:extLst>
+              <a:ext uri="{FF2B5EF4-FFF2-40B4-BE49-F238E27FC236}">
+                <a16:creationId xmlns:a16="http://schemas.microsoft.com/office/drawing/2014/main" id="{F870BEB3-15D3-3926-CF6C-88853366A2AF}"/>
+              </a:ext>
+            </a:extLst>
+          </p:cNvPr>
+          <p:cNvCxnSpPr>
+            <a:cxnSpLocks/>
+          </p:cNvCxnSpPr>
+          <p:nvPr/>
+        </p:nvCxnSpPr>
+        <p:spPr>
+          <a:xfrm>
+            <a:off x="4391848" y="3494004"/>
+            <a:ext cx="906308" cy="12413"/>
+          </a:xfrm>
+          <a:prstGeom prst="straightConnector1">
+            <a:avLst/>
+          </a:prstGeom>
+          <a:ln w="76200">
+            <a:solidFill>
+              <a:schemeClr val="accent5"/>
+            </a:solidFill>
+            <a:tailEnd type="triangle"/>
+          </a:ln>
+        </p:spPr>
+        <p:style>
+          <a:lnRef idx="1">
+            <a:schemeClr val="dk1"/>
+          </a:lnRef>
+          <a:fillRef idx="0">
+            <a:schemeClr val="dk1"/>
+          </a:fillRef>
+          <a:effectRef idx="0">
+            <a:schemeClr val="dk1"/>
+          </a:effectRef>
+          <a:fontRef idx="minor">
+            <a:schemeClr val="tx1"/>
+          </a:fontRef>
+        </p:style>
+      </p:cxnSp>
+      <p:cxnSp>
+        <p:nvCxnSpPr>
+          <p:cNvPr id="1040" name="Straight Arrow Connector 1039">
+            <a:extLst>
+              <a:ext uri="{FF2B5EF4-FFF2-40B4-BE49-F238E27FC236}">
+                <a16:creationId xmlns:a16="http://schemas.microsoft.com/office/drawing/2014/main" id="{DD5FA705-B101-6096-4E00-F166ECFC1E41}"/>
+              </a:ext>
+            </a:extLst>
+          </p:cNvPr>
+          <p:cNvCxnSpPr>
+            <a:cxnSpLocks/>
+          </p:cNvCxnSpPr>
+          <p:nvPr/>
+        </p:nvCxnSpPr>
+        <p:spPr>
+          <a:xfrm>
+            <a:off x="8172756" y="3514692"/>
+            <a:ext cx="822960" cy="12413"/>
+          </a:xfrm>
+          <a:prstGeom prst="straightConnector1">
+            <a:avLst/>
+          </a:prstGeom>
+          <a:ln w="76200">
+            <a:solidFill>
+              <a:schemeClr val="accent5"/>
+            </a:solidFill>
+            <a:tailEnd type="triangle"/>
+          </a:ln>
+        </p:spPr>
+        <p:style>
+          <a:lnRef idx="1">
+            <a:schemeClr val="dk1"/>
+          </a:lnRef>
+          <a:fillRef idx="0">
+            <a:schemeClr val="dk1"/>
+          </a:fillRef>
+          <a:effectRef idx="0">
+            <a:schemeClr val="dk1"/>
+          </a:effectRef>
+          <a:fontRef idx="minor">
+            <a:schemeClr val="tx1"/>
+          </a:fontRef>
+        </p:style>
+      </p:cxnSp>
+      <p:cxnSp>
+        <p:nvCxnSpPr>
+          <p:cNvPr id="1042" name="Straight Arrow Connector 1041">
+            <a:extLst>
+              <a:ext uri="{FF2B5EF4-FFF2-40B4-BE49-F238E27FC236}">
+                <a16:creationId xmlns:a16="http://schemas.microsoft.com/office/drawing/2014/main" id="{B20D730C-9D47-7924-AD60-FF4A929F91E5}"/>
+              </a:ext>
+            </a:extLst>
+          </p:cNvPr>
+          <p:cNvCxnSpPr>
+            <a:cxnSpLocks/>
+          </p:cNvCxnSpPr>
+          <p:nvPr/>
+        </p:nvCxnSpPr>
+        <p:spPr>
+          <a:xfrm>
+            <a:off x="4431035" y="1130449"/>
+            <a:ext cx="906308" cy="12413"/>
+          </a:xfrm>
+          <a:prstGeom prst="straightConnector1">
+            <a:avLst/>
+          </a:prstGeom>
+          <a:ln w="76200">
+            <a:solidFill>
+              <a:schemeClr val="accent5"/>
+            </a:solidFill>
+            <a:tailEnd type="triangle"/>
+          </a:ln>
+        </p:spPr>
+        <p:style>
+          <a:lnRef idx="1">
+            <a:schemeClr val="dk1"/>
+          </a:lnRef>
+          <a:fillRef idx="0">
+            <a:schemeClr val="dk1"/>
+          </a:fillRef>
+          <a:effectRef idx="0">
+            <a:schemeClr val="dk1"/>
+          </a:effectRef>
+          <a:fontRef idx="minor">
+            <a:schemeClr val="tx1"/>
+          </a:fontRef>
+        </p:style>
+      </p:cxnSp>
+      <p:cxnSp>
+        <p:nvCxnSpPr>
+          <p:cNvPr id="1043" name="Straight Arrow Connector 1042">
+            <a:extLst>
+              <a:ext uri="{FF2B5EF4-FFF2-40B4-BE49-F238E27FC236}">
+                <a16:creationId xmlns:a16="http://schemas.microsoft.com/office/drawing/2014/main" id="{55E6752A-45A2-0749-E59F-BEAD9D181E26}"/>
+              </a:ext>
+            </a:extLst>
+          </p:cNvPr>
+          <p:cNvCxnSpPr>
+            <a:cxnSpLocks/>
+          </p:cNvCxnSpPr>
+          <p:nvPr/>
+        </p:nvCxnSpPr>
+        <p:spPr>
+          <a:xfrm>
+            <a:off x="8211943" y="1151137"/>
+            <a:ext cx="822960" cy="12413"/>
+          </a:xfrm>
+          <a:prstGeom prst="straightConnector1">
+            <a:avLst/>
+          </a:prstGeom>
+          <a:ln w="76200">
+            <a:solidFill>
+              <a:schemeClr val="accent5"/>
+            </a:solidFill>
+            <a:tailEnd type="triangle"/>
+          </a:ln>
+        </p:spPr>
+        <p:style>
+          <a:lnRef idx="1">
+            <a:schemeClr val="dk1"/>
+          </a:lnRef>
+          <a:fillRef idx="0">
+            <a:schemeClr val="dk1"/>
+          </a:fillRef>
+          <a:effectRef idx="0">
+            <a:schemeClr val="dk1"/>
+          </a:effectRef>
+          <a:fontRef idx="minor">
+            <a:schemeClr val="tx1"/>
+          </a:fontRef>
+        </p:style>
+      </p:cxnSp>
+      <p:cxnSp>
+        <p:nvCxnSpPr>
+          <p:cNvPr id="1047" name="Straight Arrow Connector 1046">
+            <a:extLst>
+              <a:ext uri="{FF2B5EF4-FFF2-40B4-BE49-F238E27FC236}">
+                <a16:creationId xmlns:a16="http://schemas.microsoft.com/office/drawing/2014/main" id="{F3B145AC-F5FB-63F3-B1A6-52400BC63492}"/>
+              </a:ext>
+            </a:extLst>
+          </p:cNvPr>
+          <p:cNvCxnSpPr>
+            <a:cxnSpLocks/>
+            <a:stCxn id="35" idx="0"/>
+            <a:endCxn id="13" idx="2"/>
+          </p:cNvCxnSpPr>
+          <p:nvPr/>
+        </p:nvCxnSpPr>
+        <p:spPr>
+          <a:xfrm flipH="1" flipV="1">
+            <a:off x="3198341" y="4475639"/>
+            <a:ext cx="7364" cy="435926"/>
+          </a:xfrm>
+          <a:prstGeom prst="straightConnector1">
+            <a:avLst/>
+          </a:prstGeom>
+          <a:ln w="76200">
+            <a:solidFill>
+              <a:schemeClr val="accent5"/>
+            </a:solidFill>
+            <a:tailEnd type="triangle"/>
+          </a:ln>
+        </p:spPr>
+        <p:style>
+          <a:lnRef idx="1">
+            <a:schemeClr val="dk1"/>
+          </a:lnRef>
+          <a:fillRef idx="0">
+            <a:schemeClr val="dk1"/>
+          </a:fillRef>
+          <a:effectRef idx="0">
+            <a:schemeClr val="dk1"/>
+          </a:effectRef>
+          <a:fontRef idx="minor">
+            <a:schemeClr val="tx1"/>
+          </a:fontRef>
+        </p:style>
+      </p:cxnSp>
+      <p:cxnSp>
+        <p:nvCxnSpPr>
+          <p:cNvPr id="1059" name="Connector: Elbow 1058">
+            <a:extLst>
+              <a:ext uri="{FF2B5EF4-FFF2-40B4-BE49-F238E27FC236}">
+                <a16:creationId xmlns:a16="http://schemas.microsoft.com/office/drawing/2014/main" id="{689D883D-131B-51FC-F5F4-022E9EE4C2D4}"/>
+              </a:ext>
+            </a:extLst>
+          </p:cNvPr>
+          <p:cNvCxnSpPr>
+            <a:cxnSpLocks/>
+            <a:stCxn id="15" idx="2"/>
+            <a:endCxn id="39" idx="0"/>
+          </p:cNvCxnSpPr>
+          <p:nvPr/>
+        </p:nvCxnSpPr>
+        <p:spPr>
+          <a:xfrm rot="16200000" flipH="1">
+            <a:off x="8222617" y="2988591"/>
+            <a:ext cx="459072" cy="3417189"/>
+          </a:xfrm>
+          <a:prstGeom prst="bentConnector3">
+            <a:avLst>
+              <a:gd name="adj1" fmla="val 29252"/>
+            </a:avLst>
+          </a:prstGeom>
+          <a:ln w="76200">
+            <a:solidFill>
+              <a:schemeClr val="accent5"/>
+            </a:solidFill>
+            <a:tailEnd type="triangle"/>
+          </a:ln>
+        </p:spPr>
+        <p:style>
+          <a:lnRef idx="1">
+            <a:schemeClr val="accent1"/>
+          </a:lnRef>
+          <a:fillRef idx="0">
+            <a:schemeClr val="accent1"/>
+          </a:fillRef>
+          <a:effectRef idx="0">
+            <a:schemeClr val="accent1"/>
+          </a:effectRef>
+          <a:fontRef idx="minor">
+            <a:schemeClr val="tx1"/>
+          </a:fontRef>
+        </p:style>
+      </p:cxnSp>
     </p:spTree>
     <p:extLst>
       <p:ext uri="{BB962C8B-B14F-4D97-AF65-F5344CB8AC3E}">
@@ -5538,4 +5804,319 @@
     </a:ext>
   </a:extLst>
 </a:theme>
+</file>
+
+<file path=ppt/theme/theme2.xml><?xml version="1.0" encoding="utf-8"?>
+<a:theme xmlns:a="http://schemas.openxmlformats.org/drawingml/2006/main" name="Office Theme">
+  <a:themeElements>
+    <a:clrScheme name="Office">
+      <a:dk1>
+        <a:sysClr val="windowText" lastClr="000000"/>
+      </a:dk1>
+      <a:lt1>
+        <a:sysClr val="window" lastClr="FFFFFF"/>
+      </a:lt1>
+      <a:dk2>
+        <a:srgbClr val="0E2841"/>
+      </a:dk2>
+      <a:lt2>
+        <a:srgbClr val="E8E8E8"/>
+      </a:lt2>
+      <a:accent1>
+        <a:srgbClr val="156082"/>
+      </a:accent1>
+      <a:accent2>
+        <a:srgbClr val="E97132"/>
+      </a:accent2>
+      <a:accent3>
+        <a:srgbClr val="196B24"/>
+      </a:accent3>
+      <a:accent4>
+        <a:srgbClr val="0F9ED5"/>
+      </a:accent4>
+      <a:accent5>
+        <a:srgbClr val="A02B93"/>
+      </a:accent5>
+      <a:accent6>
+        <a:srgbClr val="4EA72E"/>
+      </a:accent6>
+      <a:hlink>
+        <a:srgbClr val="467886"/>
+      </a:hlink>
+      <a:folHlink>
+        <a:srgbClr val="96607D"/>
+      </a:folHlink>
+    </a:clrScheme>
+    <a:fontScheme name="Office">
+      <a:majorFont>
+        <a:latin typeface="Aptos Display" panose="02110004020202020204"/>
+        <a:ea typeface=""/>
+        <a:cs typeface=""/>
+        <a:font script="Jpan" typeface="游ゴシック Light"/>
+        <a:font script="Hang" typeface="맑은 고딕"/>
+        <a:font script="Hans" typeface="等线 Light"/>
+        <a:font script="Hant" typeface="新細明體"/>
+        <a:font script="Arab" typeface="Times New Roman"/>
+        <a:font script="Hebr" typeface="Times New Roman"/>
+        <a:font script="Thai" typeface="Angsana New"/>
+        <a:font script="Ethi" typeface="Nyala"/>
+        <a:font script="Beng" typeface="Vrinda"/>
+        <a:font script="Gujr" typeface="Shruti"/>
+        <a:font script="Khmr" typeface="MoolBoran"/>
+        <a:font script="Knda" typeface="Tunga"/>
+        <a:font script="Guru" typeface="Raavi"/>
+        <a:font script="Cans" typeface="Euphemia"/>
+        <a:font script="Cher" typeface="Plantagenet Cherokee"/>
+        <a:font script="Yiii" typeface="Microsoft Yi Baiti"/>
+        <a:font script="Tibt" typeface="Microsoft Himalaya"/>
+        <a:font script="Thaa" typeface="MV Boli"/>
+        <a:font script="Deva" typeface="Mangal"/>
+        <a:font script="Telu" typeface="Gautami"/>
+        <a:font script="Taml" typeface="Latha"/>
+        <a:font script="Syrc" typeface="Estrangelo Edessa"/>
+        <a:font script="Orya" typeface="Kalinga"/>
+        <a:font script="Mlym" typeface="Kartika"/>
+        <a:font script="Laoo" typeface="DokChampa"/>
+        <a:font script="Sinh" typeface="Iskoola Pota"/>
+        <a:font script="Mong" typeface="Mongolian Baiti"/>
+        <a:font script="Viet" typeface="Times New Roman"/>
+        <a:font script="Uigh" typeface="Microsoft Uighur"/>
+        <a:font script="Geor" typeface="Sylfaen"/>
+        <a:font script="Armn" typeface="Arial"/>
+        <a:font script="Bugi" typeface="Leelawadee UI"/>
+        <a:font script="Bopo" typeface="Microsoft JhengHei"/>
+        <a:font script="Java" typeface="Javanese Text"/>
+        <a:font script="Lisu" typeface="Segoe UI"/>
+        <a:font script="Mymr" typeface="Myanmar Text"/>
+        <a:font script="Nkoo" typeface="Ebrima"/>
+        <a:font script="Olck" typeface="Nirmala UI"/>
+        <a:font script="Osma" typeface="Ebrima"/>
+        <a:font script="Phag" typeface="Phagspa"/>
+        <a:font script="Syrn" typeface="Estrangelo Edessa"/>
+        <a:font script="Syrj" typeface="Estrangelo Edessa"/>
+        <a:font script="Syre" typeface="Estrangelo Edessa"/>
+        <a:font script="Sora" typeface="Nirmala UI"/>
+        <a:font script="Tale" typeface="Microsoft Tai Le"/>
+        <a:font script="Talu" typeface="Microsoft New Tai Lue"/>
+        <a:font script="Tfng" typeface="Ebrima"/>
+      </a:majorFont>
+      <a:minorFont>
+        <a:latin typeface="Aptos" panose="02110004020202020204"/>
+        <a:ea typeface=""/>
+        <a:cs typeface=""/>
+        <a:font script="Jpan" typeface="游ゴシック"/>
+        <a:font script="Hang" typeface="맑은 고딕"/>
+        <a:font script="Hans" typeface="等线"/>
+        <a:font script="Hant" typeface="新細明體"/>
+        <a:font script="Arab" typeface="Arial"/>
+        <a:font script="Hebr" typeface="Arial"/>
+        <a:font script="Thai" typeface="Cordia New"/>
+        <a:font script="Ethi" typeface="Nyala"/>
+        <a:font script="Beng" typeface="Vrinda"/>
+        <a:font script="Gujr" typeface="Shruti"/>
+        <a:font script="Khmr" typeface="DaunPenh"/>
+        <a:font script="Knda" typeface="Tunga"/>
+        <a:font script="Guru" typeface="Raavi"/>
+        <a:font script="Cans" typeface="Euphemia"/>
+        <a:font script="Cher" typeface="Plantagenet Cherokee"/>
+        <a:font script="Yiii" typeface="Microsoft Yi Baiti"/>
+        <a:font script="Tibt" typeface="Microsoft Himalaya"/>
+        <a:font script="Thaa" typeface="MV Boli"/>
+        <a:font script="Deva" typeface="Mangal"/>
+        <a:font script="Telu" typeface="Gautami"/>
+        <a:font script="Taml" typeface="Latha"/>
+        <a:font script="Syrc" typeface="Estrangelo Edessa"/>
+        <a:font script="Orya" typeface="Kalinga"/>
+        <a:font script="Mlym" typeface="Kartika"/>
+        <a:font script="Laoo" typeface="DokChampa"/>
+        <a:font script="Sinh" typeface="Iskoola Pota"/>
+        <a:font script="Mong" typeface="Mongolian Baiti"/>
+        <a:font script="Viet" typeface="Arial"/>
+        <a:font script="Uigh" typeface="Microsoft Uighur"/>
+        <a:font script="Geor" typeface="Sylfaen"/>
+        <a:font script="Armn" typeface="Arial"/>
+        <a:font script="Bugi" typeface="Leelawadee UI"/>
+        <a:font script="Bopo" typeface="Microsoft JhengHei"/>
+        <a:font script="Java" typeface="Javanese Text"/>
+        <a:font script="Lisu" typeface="Segoe UI"/>
+        <a:font script="Mymr" typeface="Myanmar Text"/>
+        <a:font script="Nkoo" typeface="Ebrima"/>
+        <a:font script="Olck" typeface="Nirmala UI"/>
+        <a:font script="Osma" typeface="Ebrima"/>
+        <a:font script="Phag" typeface="Phagspa"/>
+        <a:font script="Syrn" typeface="Estrangelo Edessa"/>
+        <a:font script="Syrj" typeface="Estrangelo Edessa"/>
+        <a:font script="Syre" typeface="Estrangelo Edessa"/>
+        <a:font script="Sora" typeface="Nirmala UI"/>
+        <a:font script="Tale" typeface="Microsoft Tai Le"/>
+        <a:font script="Talu" typeface="Microsoft New Tai Lue"/>
+        <a:font script="Tfng" typeface="Ebrima"/>
+      </a:minorFont>
+    </a:fontScheme>
+    <a:fmtScheme name="Office">
+      <a:fillStyleLst>
+        <a:solidFill>
+          <a:schemeClr val="phClr"/>
+        </a:solidFill>
+        <a:gradFill rotWithShape="1">
+          <a:gsLst>
+            <a:gs pos="0">
+              <a:schemeClr val="phClr">
+                <a:lumMod val="110000"/>
+                <a:satMod val="105000"/>
+                <a:tint val="67000"/>
+              </a:schemeClr>
+            </a:gs>
+            <a:gs pos="50000">
+              <a:schemeClr val="phClr">
+                <a:lumMod val="105000"/>
+                <a:satMod val="103000"/>
+                <a:tint val="73000"/>
+              </a:schemeClr>
+            </a:gs>
+            <a:gs pos="100000">
+              <a:schemeClr val="phClr">
+                <a:lumMod val="105000"/>
+                <a:satMod val="109000"/>
+                <a:tint val="81000"/>
+              </a:schemeClr>
+            </a:gs>
+          </a:gsLst>
+          <a:lin ang="5400000" scaled="0"/>
+        </a:gradFill>
+        <a:gradFill rotWithShape="1">
+          <a:gsLst>
+            <a:gs pos="0">
+              <a:schemeClr val="phClr">
+                <a:satMod val="103000"/>
+                <a:lumMod val="102000"/>
+                <a:tint val="94000"/>
+              </a:schemeClr>
+            </a:gs>
+            <a:gs pos="50000">
+              <a:schemeClr val="phClr">
+                <a:satMod val="110000"/>
+                <a:lumMod val="100000"/>
+                <a:shade val="100000"/>
+              </a:schemeClr>
+            </a:gs>
+            <a:gs pos="100000">
+              <a:schemeClr val="phClr">
+                <a:lumMod val="99000"/>
+                <a:satMod val="120000"/>
+                <a:shade val="78000"/>
+              </a:schemeClr>
+            </a:gs>
+          </a:gsLst>
+          <a:lin ang="5400000" scaled="0"/>
+        </a:gradFill>
+      </a:fillStyleLst>
+      <a:lnStyleLst>
+        <a:ln w="12700" cap="flat" cmpd="sng" algn="ctr">
+          <a:solidFill>
+            <a:schemeClr val="phClr"/>
+          </a:solidFill>
+          <a:prstDash val="solid"/>
+          <a:miter lim="800000"/>
+        </a:ln>
+        <a:ln w="19050" cap="flat" cmpd="sng" algn="ctr">
+          <a:solidFill>
+            <a:schemeClr val="phClr"/>
+          </a:solidFill>
+          <a:prstDash val="solid"/>
+          <a:miter lim="800000"/>
+        </a:ln>
+        <a:ln w="25400" cap="flat" cmpd="sng" algn="ctr">
+          <a:solidFill>
+            <a:schemeClr val="phClr"/>
+          </a:solidFill>
+          <a:prstDash val="solid"/>
+          <a:miter lim="800000"/>
+        </a:ln>
+      </a:lnStyleLst>
+      <a:effectStyleLst>
+        <a:effectStyle>
+          <a:effectLst/>
+        </a:effectStyle>
+        <a:effectStyle>
+          <a:effectLst/>
+        </a:effectStyle>
+        <a:effectStyle>
+          <a:effectLst>
+            <a:outerShdw blurRad="57150" dist="19050" dir="5400000" algn="ctr" rotWithShape="0">
+              <a:srgbClr val="000000">
+                <a:alpha val="63000"/>
+              </a:srgbClr>
+            </a:outerShdw>
+          </a:effectLst>
+        </a:effectStyle>
+      </a:effectStyleLst>
+      <a:bgFillStyleLst>
+        <a:solidFill>
+          <a:schemeClr val="phClr"/>
+        </a:solidFill>
+        <a:solidFill>
+          <a:schemeClr val="phClr">
+            <a:tint val="95000"/>
+            <a:satMod val="170000"/>
+          </a:schemeClr>
+        </a:solidFill>
+        <a:gradFill rotWithShape="1">
+          <a:gsLst>
+            <a:gs pos="0">
+              <a:schemeClr val="phClr">
+                <a:tint val="93000"/>
+                <a:satMod val="150000"/>
+                <a:shade val="98000"/>
+                <a:lumMod val="102000"/>
+              </a:schemeClr>
+            </a:gs>
+            <a:gs pos="50000">
+              <a:schemeClr val="phClr">
+                <a:tint val="98000"/>
+                <a:satMod val="130000"/>
+                <a:shade val="90000"/>
+                <a:lumMod val="103000"/>
+              </a:schemeClr>
+            </a:gs>
+            <a:gs pos="100000">
+              <a:schemeClr val="phClr">
+                <a:shade val="63000"/>
+                <a:satMod val="120000"/>
+              </a:schemeClr>
+            </a:gs>
+          </a:gsLst>
+          <a:lin ang="5400000" scaled="0"/>
+        </a:gradFill>
+      </a:bgFillStyleLst>
+    </a:fmtScheme>
+  </a:themeElements>
+  <a:objectDefaults>
+    <a:lnDef>
+      <a:spPr/>
+      <a:bodyPr/>
+      <a:lstStyle/>
+      <a:style>
+        <a:lnRef idx="2">
+          <a:schemeClr val="accent1"/>
+        </a:lnRef>
+        <a:fillRef idx="0">
+          <a:schemeClr val="accent1"/>
+        </a:fillRef>
+        <a:effectRef idx="1">
+          <a:schemeClr val="accent1"/>
+        </a:effectRef>
+        <a:fontRef idx="minor">
+          <a:schemeClr val="tx1"/>
+        </a:fontRef>
+      </a:style>
+    </a:lnDef>
+  </a:objectDefaults>
+  <a:extraClrSchemeLst/>
+  <a:extLst>
+    <a:ext uri="{05A4C25C-085E-4340-85A3-A5531E510DB2}">
+      <thm15:themeFamily xmlns:thm15="http://schemas.microsoft.com/office/thememl/2012/main" name="Office Theme" id="{2E142A2C-CD16-42D6-873A-C26D2A0506FA}" vid="{1BDDFF52-6CD6-40A5-AB3C-68EB2F1E4D0A}"/>
+    </a:ext>
+  </a:extLst>
+</a:theme>
 </file>
--- a/images/page.pptx
+++ b/images/page.pptx
@@ -5,10 +5,11 @@
     <p:sldMasterId id="2147483648" r:id="rId1"/>
   </p:sldMasterIdLst>
   <p:notesMasterIdLst>
-    <p:notesMasterId r:id="rId3"/>
+    <p:notesMasterId r:id="rId4"/>
   </p:notesMasterIdLst>
   <p:sldIdLst>
     <p:sldId id="256" r:id="rId2"/>
+    <p:sldId id="257" r:id="rId3"/>
   </p:sldIdLst>
   <p:sldSz cx="12192000" cy="6858000"/>
   <p:notesSz cx="6858000" cy="9144000"/>
@@ -3413,7 +3414,7 @@
         </p:nvSpPr>
         <p:spPr>
           <a:xfrm>
-            <a:off x="5288803" y="405108"/>
+            <a:off x="5657103" y="633708"/>
             <a:ext cx="2884554" cy="1712818"/>
           </a:xfrm>
           <a:prstGeom prst="roundRect">
@@ -3464,7 +3465,7 @@
         </p:nvSpPr>
         <p:spPr>
           <a:xfrm>
-            <a:off x="9003835" y="2766196"/>
+            <a:off x="10375435" y="2766196"/>
             <a:ext cx="2276009" cy="1712818"/>
           </a:xfrm>
           <a:prstGeom prst="roundRect">
@@ -3515,7 +3516,7 @@
         </p:nvSpPr>
         <p:spPr>
           <a:xfrm>
-            <a:off x="5298158" y="2758029"/>
+            <a:off x="5666458" y="2758029"/>
             <a:ext cx="2890802" cy="1712818"/>
           </a:xfrm>
           <a:prstGeom prst="roundRect">
@@ -3566,7 +3567,7 @@
         </p:nvSpPr>
         <p:spPr>
           <a:xfrm>
-            <a:off x="2069490" y="2748457"/>
+            <a:off x="1713890" y="2748457"/>
             <a:ext cx="2308860" cy="1712818"/>
           </a:xfrm>
           <a:prstGeom prst="roundRect">
@@ -3630,7 +3631,7 @@
         </p:blipFill>
         <p:spPr>
           <a:xfrm rot="16200000">
-            <a:off x="9459690" y="2324330"/>
+            <a:off x="10831290" y="2324330"/>
             <a:ext cx="1364302" cy="2276009"/>
           </a:xfrm>
           <a:prstGeom prst="rect">
@@ -3661,7 +3662,7 @@
         </p:blipFill>
         <p:spPr>
           <a:xfrm>
-            <a:off x="5290173" y="2731104"/>
+            <a:off x="5658473" y="2731104"/>
             <a:ext cx="2898787" cy="1338103"/>
           </a:xfrm>
           <a:prstGeom prst="rect">
@@ -3691,7 +3692,7 @@
         </p:blipFill>
         <p:spPr>
           <a:xfrm>
-            <a:off x="2069490" y="2727393"/>
+            <a:off x="1713890" y="2727393"/>
             <a:ext cx="2298163" cy="1364302"/>
           </a:xfrm>
           <a:prstGeom prst="rect">
@@ -3722,7 +3723,7 @@
         </p:blipFill>
         <p:spPr bwMode="auto">
           <a:xfrm rot="5400000">
-            <a:off x="6077355" y="-381975"/>
+            <a:off x="6445655" y="-153375"/>
             <a:ext cx="1313191" cy="2877608"/>
           </a:xfrm>
           <a:prstGeom prst="rect">
@@ -3750,8 +3751,8 @@
         </p:nvCxnSpPr>
         <p:spPr>
           <a:xfrm>
-            <a:off x="523875" y="2538268"/>
-            <a:ext cx="10755967" cy="14535"/>
+            <a:off x="-809626" y="2608118"/>
+            <a:ext cx="13441680" cy="14535"/>
           </a:xfrm>
           <a:prstGeom prst="line">
             <a:avLst/>
@@ -3783,7 +3784,7 @@
         </p:nvSpPr>
         <p:spPr>
           <a:xfrm>
-            <a:off x="2029028" y="4106307"/>
+            <a:off x="1673428" y="4106307"/>
             <a:ext cx="2338625" cy="369332"/>
           </a:xfrm>
           <a:prstGeom prst="rect">
@@ -3815,7 +3816,7 @@
         </p:nvSpPr>
         <p:spPr>
           <a:xfrm>
-            <a:off x="5290173" y="4098318"/>
+            <a:off x="5658473" y="4098318"/>
             <a:ext cx="2906772" cy="369332"/>
           </a:xfrm>
           <a:prstGeom prst="rect">
@@ -3847,8 +3848,8 @@
         </p:nvSpPr>
         <p:spPr>
           <a:xfrm>
-            <a:off x="449527" y="3387558"/>
-            <a:ext cx="2020097" cy="369332"/>
+            <a:off x="-807773" y="3387558"/>
+            <a:ext cx="2667842" cy="369332"/>
           </a:xfrm>
           <a:prstGeom prst="rect">
             <a:avLst/>
@@ -3883,8 +3884,8 @@
         </p:nvSpPr>
         <p:spPr>
           <a:xfrm>
-            <a:off x="449527" y="1052374"/>
-            <a:ext cx="1979941" cy="400110"/>
+            <a:off x="-807773" y="1280974"/>
+            <a:ext cx="2614810" cy="400110"/>
           </a:xfrm>
           <a:prstGeom prst="rect">
             <a:avLst/>
@@ -3919,8 +3920,8 @@
         </p:nvSpPr>
         <p:spPr>
           <a:xfrm>
-            <a:off x="449528" y="5432395"/>
-            <a:ext cx="1876394" cy="646331"/>
+            <a:off x="-807773" y="5381595"/>
+            <a:ext cx="2478061" cy="369332"/>
           </a:xfrm>
           <a:prstGeom prst="rect">
             <a:avLst/>
@@ -3961,8 +3962,8 @@
         </p:nvCxnSpPr>
         <p:spPr>
           <a:xfrm>
-            <a:off x="557213" y="4791531"/>
-            <a:ext cx="10769680" cy="14554"/>
+            <a:off x="-852487" y="4715331"/>
+            <a:ext cx="13533120" cy="14554"/>
           </a:xfrm>
           <a:prstGeom prst="line">
             <a:avLst/>
@@ -3994,7 +3995,7 @@
         </p:nvSpPr>
         <p:spPr>
           <a:xfrm>
-            <a:off x="9003834" y="4111070"/>
+            <a:off x="10375434" y="4111070"/>
             <a:ext cx="2276008" cy="369332"/>
           </a:xfrm>
           <a:prstGeom prst="rect">
@@ -4026,7 +4027,7 @@
         </p:nvSpPr>
         <p:spPr>
           <a:xfrm>
-            <a:off x="2029027" y="417762"/>
+            <a:off x="1673427" y="646362"/>
             <a:ext cx="2362820" cy="1712818"/>
           </a:xfrm>
           <a:prstGeom prst="roundRect">
@@ -4077,7 +4078,7 @@
         </p:nvSpPr>
         <p:spPr>
           <a:xfrm>
-            <a:off x="2267257" y="1754064"/>
+            <a:off x="1911657" y="1982664"/>
             <a:ext cx="1930251" cy="369332"/>
           </a:xfrm>
           <a:prstGeom prst="rect">
@@ -4109,7 +4110,7 @@
         </p:nvSpPr>
         <p:spPr>
           <a:xfrm>
-            <a:off x="5288614" y="1724727"/>
+            <a:off x="5656914" y="1953327"/>
             <a:ext cx="2900341" cy="369332"/>
           </a:xfrm>
           <a:prstGeom prst="rect">
@@ -4141,7 +4142,7 @@
         </p:nvSpPr>
         <p:spPr>
           <a:xfrm>
-            <a:off x="8994603" y="411169"/>
+            <a:off x="10366203" y="639769"/>
             <a:ext cx="2236983" cy="1712818"/>
           </a:xfrm>
           <a:prstGeom prst="roundRect">
@@ -4192,7 +4193,7 @@
         </p:nvSpPr>
         <p:spPr>
           <a:xfrm>
-            <a:off x="8994603" y="1733591"/>
+            <a:off x="10366203" y="1962191"/>
             <a:ext cx="2236983" cy="369332"/>
           </a:xfrm>
           <a:prstGeom prst="rect">
@@ -4224,7 +4225,7 @@
         </p:nvSpPr>
         <p:spPr>
           <a:xfrm>
-            <a:off x="2056790" y="4911565"/>
+            <a:off x="1701190" y="4860765"/>
             <a:ext cx="2297830" cy="1687992"/>
           </a:xfrm>
           <a:prstGeom prst="roundRect">
@@ -4275,7 +4276,7 @@
         </p:nvSpPr>
         <p:spPr>
           <a:xfrm>
-            <a:off x="5336068" y="4911565"/>
+            <a:off x="5704368" y="4860765"/>
             <a:ext cx="2852892" cy="1712818"/>
           </a:xfrm>
           <a:prstGeom prst="roundRect">
@@ -4326,7 +4327,7 @@
         </p:nvSpPr>
         <p:spPr>
           <a:xfrm>
-            <a:off x="8998904" y="4923249"/>
+            <a:off x="10370504" y="4872449"/>
             <a:ext cx="2308860" cy="1712818"/>
           </a:xfrm>
           <a:prstGeom prst="roundRect">
@@ -4392,7 +4393,7 @@
         </p:blipFill>
         <p:spPr bwMode="auto">
           <a:xfrm rot="5400000">
-            <a:off x="6122498" y="4125131"/>
+            <a:off x="6490798" y="4074331"/>
             <a:ext cx="1280023" cy="2852891"/>
           </a:xfrm>
           <a:prstGeom prst="rect">
@@ -4433,7 +4434,7 @@
         </p:blipFill>
         <p:spPr bwMode="auto">
           <a:xfrm>
-            <a:off x="8994603" y="4926722"/>
+            <a:off x="10366203" y="4875922"/>
             <a:ext cx="2332290" cy="1068641"/>
           </a:xfrm>
           <a:prstGeom prst="rect">
@@ -4459,7 +4460,7 @@
         </p:nvSpPr>
         <p:spPr>
           <a:xfrm>
-            <a:off x="5336068" y="6249277"/>
+            <a:off x="5704368" y="6198477"/>
             <a:ext cx="2852892" cy="369332"/>
           </a:xfrm>
           <a:prstGeom prst="rect">
@@ -4491,7 +4492,7 @@
         </p:nvSpPr>
         <p:spPr>
           <a:xfrm>
-            <a:off x="2056790" y="6212425"/>
+            <a:off x="1701190" y="6161625"/>
             <a:ext cx="2297830" cy="369332"/>
           </a:xfrm>
           <a:prstGeom prst="rect">
@@ -4538,7 +4539,7 @@
         </p:blipFill>
         <p:spPr bwMode="auto">
           <a:xfrm>
-            <a:off x="2052384" y="4905726"/>
+            <a:off x="1696784" y="4854926"/>
             <a:ext cx="2302570" cy="1225197"/>
           </a:xfrm>
           <a:prstGeom prst="rect">
@@ -4564,7 +4565,7 @@
         </p:nvSpPr>
         <p:spPr>
           <a:xfrm>
-            <a:off x="9021200" y="5983317"/>
+            <a:off x="10392800" y="5932517"/>
             <a:ext cx="2286564" cy="646331"/>
           </a:xfrm>
           <a:prstGeom prst="rect">
@@ -4606,8 +4607,8 @@
         </p:nvCxnSpPr>
         <p:spPr>
           <a:xfrm>
-            <a:off x="4354620" y="5755561"/>
-            <a:ext cx="981448" cy="12413"/>
+            <a:off x="3999020" y="5704761"/>
+            <a:ext cx="1705348" cy="12413"/>
           </a:xfrm>
           <a:prstGeom prst="straightConnector1">
             <a:avLst/>
@@ -4652,8 +4653,8 @@
         </p:nvCxnSpPr>
         <p:spPr>
           <a:xfrm>
-            <a:off x="8188960" y="5767974"/>
-            <a:ext cx="809944" cy="11684"/>
+            <a:off x="8557260" y="5717174"/>
+            <a:ext cx="1813244" cy="11684"/>
           </a:xfrm>
           <a:prstGeom prst="straightConnector1">
             <a:avLst/>
@@ -4698,12 +4699,12 @@
         </p:nvCxnSpPr>
         <p:spPr>
           <a:xfrm rot="5400000">
-            <a:off x="6364131" y="-1021571"/>
-            <a:ext cx="603406" cy="6894523"/>
+            <a:off x="6986431" y="-1770871"/>
+            <a:ext cx="374806" cy="8621723"/>
           </a:xfrm>
           <a:prstGeom prst="bentConnector3">
             <a:avLst>
-              <a:gd name="adj1" fmla="val 38424"/>
+              <a:gd name="adj1" fmla="val 19504"/>
             </a:avLst>
           </a:prstGeom>
           <a:ln w="76200">
@@ -4756,7 +4757,7 @@
         </p:blipFill>
         <p:spPr>
           <a:xfrm>
-            <a:off x="2029028" y="417762"/>
+            <a:off x="1673428" y="646362"/>
             <a:ext cx="2362820" cy="1324739"/>
           </a:xfrm>
           <a:prstGeom prst="rect">
@@ -4781,7 +4782,7 @@
         </p:nvGrpSpPr>
         <p:grpSpPr>
           <a:xfrm>
-            <a:off x="8994603" y="392918"/>
+            <a:off x="10366203" y="621518"/>
             <a:ext cx="2285239" cy="1319139"/>
             <a:chOff x="-2930466" y="3133562"/>
             <a:chExt cx="1866473" cy="1223509"/>
@@ -5366,7 +5367,7 @@
         </p:nvCxnSpPr>
         <p:spPr>
           <a:xfrm>
-            <a:off x="4431035" y="1130449"/>
+            <a:off x="4431035" y="1359049"/>
             <a:ext cx="906308" cy="12413"/>
           </a:xfrm>
           <a:prstGeom prst="straightConnector1">
@@ -5410,7 +5411,7 @@
         </p:nvCxnSpPr>
         <p:spPr>
           <a:xfrm>
-            <a:off x="8211943" y="1151137"/>
+            <a:off x="8211943" y="1379737"/>
             <a:ext cx="822960" cy="12413"/>
           </a:xfrm>
           <a:prstGeom prst="straightConnector1">
@@ -5456,8 +5457,8 @@
         </p:nvCxnSpPr>
         <p:spPr>
           <a:xfrm flipH="1" flipV="1">
-            <a:off x="3198341" y="4475639"/>
-            <a:ext cx="7364" cy="435926"/>
+            <a:off x="2842741" y="4475639"/>
+            <a:ext cx="7364" cy="385126"/>
           </a:xfrm>
           <a:prstGeom prst="straightConnector1">
             <a:avLst/>
@@ -5502,12 +5503,12 @@
         </p:nvCxnSpPr>
         <p:spPr>
           <a:xfrm rot="16200000" flipH="1">
-            <a:off x="8222617" y="2988591"/>
-            <a:ext cx="459072" cy="3417189"/>
+            <a:off x="9117967" y="2461541"/>
+            <a:ext cx="408272" cy="4420489"/>
           </a:xfrm>
           <a:prstGeom prst="bentConnector3">
             <a:avLst>
-              <a:gd name="adj1" fmla="val 29252"/>
+              <a:gd name="adj1" fmla="val 29780"/>
             </a:avLst>
           </a:prstGeom>
           <a:ln w="76200">
@@ -5536,6 +5537,86 @@
     <p:extLst>
       <p:ext uri="{BB962C8B-B14F-4D97-AF65-F5344CB8AC3E}">
         <p14:creationId xmlns:p14="http://schemas.microsoft.com/office/powerpoint/2010/main" val="1068102135"/>
+      </p:ext>
+    </p:extLst>
+  </p:cSld>
+  <p:clrMapOvr>
+    <a:masterClrMapping/>
+  </p:clrMapOvr>
+</p:sld>
+</file>
+
+<file path=ppt/slides/slide2.xml><?xml version="1.0" encoding="utf-8"?>
+<p:sld xmlns:a="http://schemas.openxmlformats.org/drawingml/2006/main" xmlns:r="http://schemas.openxmlformats.org/officeDocument/2006/relationships" xmlns:p="http://schemas.openxmlformats.org/presentationml/2006/main">
+  <p:cSld>
+    <p:spTree>
+      <p:nvGrpSpPr>
+        <p:cNvPr id="1" name=""/>
+        <p:cNvGrpSpPr/>
+        <p:nvPr/>
+      </p:nvGrpSpPr>
+      <p:grpSpPr>
+        <a:xfrm>
+          <a:off x="0" y="0"/>
+          <a:ext cx="0" cy="0"/>
+          <a:chOff x="0" y="0"/>
+          <a:chExt cx="0" cy="0"/>
+        </a:xfrm>
+      </p:grpSpPr>
+      <p:sp>
+        <p:nvSpPr>
+          <p:cNvPr id="2" name="Title 1">
+            <a:extLst>
+              <a:ext uri="{FF2B5EF4-FFF2-40B4-BE49-F238E27FC236}">
+                <a16:creationId xmlns:a16="http://schemas.microsoft.com/office/drawing/2014/main" id="{5DBDF6D8-76B0-44D8-7E00-C182D9B4872E}"/>
+              </a:ext>
+            </a:extLst>
+          </p:cNvPr>
+          <p:cNvSpPr>
+            <a:spLocks noGrp="1"/>
+          </p:cNvSpPr>
+          <p:nvPr>
+            <p:ph type="title"/>
+          </p:nvPr>
+        </p:nvSpPr>
+        <p:spPr/>
+        <p:txBody>
+          <a:bodyPr/>
+          <a:lstStyle/>
+          <a:p>
+            <a:endParaRPr lang="en-US"/>
+          </a:p>
+        </p:txBody>
+      </p:sp>
+      <p:sp>
+        <p:nvSpPr>
+          <p:cNvPr id="3" name="Content Placeholder 2">
+            <a:extLst>
+              <a:ext uri="{FF2B5EF4-FFF2-40B4-BE49-F238E27FC236}">
+                <a16:creationId xmlns:a16="http://schemas.microsoft.com/office/drawing/2014/main" id="{FEFF3BFB-3A02-6463-D66A-6295323A63AF}"/>
+              </a:ext>
+            </a:extLst>
+          </p:cNvPr>
+          <p:cNvSpPr>
+            <a:spLocks noGrp="1"/>
+          </p:cNvSpPr>
+          <p:nvPr>
+            <p:ph idx="1"/>
+          </p:nvPr>
+        </p:nvSpPr>
+        <p:spPr/>
+        <p:txBody>
+          <a:bodyPr/>
+          <a:lstStyle/>
+          <a:p>
+            <a:endParaRPr lang="en-US"/>
+          </a:p>
+        </p:txBody>
+      </p:sp>
+    </p:spTree>
+    <p:extLst>
+      <p:ext uri="{BB962C8B-B14F-4D97-AF65-F5344CB8AC3E}">
+        <p14:creationId xmlns:p14="http://schemas.microsoft.com/office/powerpoint/2010/main" val="3395147240"/>
       </p:ext>
     </p:extLst>
   </p:cSld>

--- a/images/page.pptx
+++ b/images/page.pptx
@@ -5,11 +5,13 @@
     <p:sldMasterId id="2147483648" r:id="rId1"/>
   </p:sldMasterIdLst>
   <p:notesMasterIdLst>
-    <p:notesMasterId r:id="rId4"/>
+    <p:notesMasterId r:id="rId6"/>
   </p:notesMasterIdLst>
   <p:sldIdLst>
     <p:sldId id="256" r:id="rId2"/>
     <p:sldId id="257" r:id="rId3"/>
+    <p:sldId id="258" r:id="rId4"/>
+    <p:sldId id="259" r:id="rId5"/>
   </p:sldIdLst>
   <p:sldSz cx="12192000" cy="6858000"/>
   <p:notesSz cx="6858000" cy="9144000"/>
@@ -198,7 +200,7 @@
           <a:p>
             <a:fld id="{1AC07CF5-E3D8-44D9-AB18-48680B7A2A06}" type="datetimeFigureOut">
               <a:rPr lang="en-US" smtClean="0"/>
-              <a:t>8/9/2025</a:t>
+              <a:t>9/10/2025</a:t>
             </a:fld>
             <a:endParaRPr lang="en-US"/>
           </a:p>
@@ -680,7 +682,7 @@
           <a:p>
             <a:fld id="{E5919C8D-9390-4064-AEF1-7A82EB763E60}" type="datetimeFigureOut">
               <a:rPr lang="en-GB" smtClean="0"/>
-              <a:t>09/08/2025</a:t>
+              <a:t>10/09/2025</a:t>
             </a:fld>
             <a:endParaRPr lang="en-GB"/>
           </a:p>
@@ -850,7 +852,7 @@
           <a:p>
             <a:fld id="{E5919C8D-9390-4064-AEF1-7A82EB763E60}" type="datetimeFigureOut">
               <a:rPr lang="en-GB" smtClean="0"/>
-              <a:t>09/08/2025</a:t>
+              <a:t>10/09/2025</a:t>
             </a:fld>
             <a:endParaRPr lang="en-GB"/>
           </a:p>
@@ -1030,7 +1032,7 @@
           <a:p>
             <a:fld id="{E5919C8D-9390-4064-AEF1-7A82EB763E60}" type="datetimeFigureOut">
               <a:rPr lang="en-GB" smtClean="0"/>
-              <a:t>09/08/2025</a:t>
+              <a:t>10/09/2025</a:t>
             </a:fld>
             <a:endParaRPr lang="en-GB"/>
           </a:p>
@@ -1200,7 +1202,7 @@
           <a:p>
             <a:fld id="{E5919C8D-9390-4064-AEF1-7A82EB763E60}" type="datetimeFigureOut">
               <a:rPr lang="en-GB" smtClean="0"/>
-              <a:t>09/08/2025</a:t>
+              <a:t>10/09/2025</a:t>
             </a:fld>
             <a:endParaRPr lang="en-GB"/>
           </a:p>
@@ -1446,7 +1448,7 @@
           <a:p>
             <a:fld id="{E5919C8D-9390-4064-AEF1-7A82EB763E60}" type="datetimeFigureOut">
               <a:rPr lang="en-GB" smtClean="0"/>
-              <a:t>09/08/2025</a:t>
+              <a:t>10/09/2025</a:t>
             </a:fld>
             <a:endParaRPr lang="en-GB"/>
           </a:p>
@@ -1678,7 +1680,7 @@
           <a:p>
             <a:fld id="{E5919C8D-9390-4064-AEF1-7A82EB763E60}" type="datetimeFigureOut">
               <a:rPr lang="en-GB" smtClean="0"/>
-              <a:t>09/08/2025</a:t>
+              <a:t>10/09/2025</a:t>
             </a:fld>
             <a:endParaRPr lang="en-GB"/>
           </a:p>
@@ -2045,7 +2047,7 @@
           <a:p>
             <a:fld id="{E5919C8D-9390-4064-AEF1-7A82EB763E60}" type="datetimeFigureOut">
               <a:rPr lang="en-GB" smtClean="0"/>
-              <a:t>09/08/2025</a:t>
+              <a:t>10/09/2025</a:t>
             </a:fld>
             <a:endParaRPr lang="en-GB"/>
           </a:p>
@@ -2163,7 +2165,7 @@
           <a:p>
             <a:fld id="{E5919C8D-9390-4064-AEF1-7A82EB763E60}" type="datetimeFigureOut">
               <a:rPr lang="en-GB" smtClean="0"/>
-              <a:t>09/08/2025</a:t>
+              <a:t>10/09/2025</a:t>
             </a:fld>
             <a:endParaRPr lang="en-GB"/>
           </a:p>
@@ -2258,7 +2260,7 @@
           <a:p>
             <a:fld id="{E5919C8D-9390-4064-AEF1-7A82EB763E60}" type="datetimeFigureOut">
               <a:rPr lang="en-GB" smtClean="0"/>
-              <a:t>09/08/2025</a:t>
+              <a:t>10/09/2025</a:t>
             </a:fld>
             <a:endParaRPr lang="en-GB"/>
           </a:p>
@@ -2535,7 +2537,7 @@
           <a:p>
             <a:fld id="{E5919C8D-9390-4064-AEF1-7A82EB763E60}" type="datetimeFigureOut">
               <a:rPr lang="en-GB" smtClean="0"/>
-              <a:t>09/08/2025</a:t>
+              <a:t>10/09/2025</a:t>
             </a:fld>
             <a:endParaRPr lang="en-GB"/>
           </a:p>
@@ -2788,7 +2790,7 @@
           <a:p>
             <a:fld id="{E5919C8D-9390-4064-AEF1-7A82EB763E60}" type="datetimeFigureOut">
               <a:rPr lang="en-GB" smtClean="0"/>
-              <a:t>09/08/2025</a:t>
+              <a:t>10/09/2025</a:t>
             </a:fld>
             <a:endParaRPr lang="en-GB"/>
           </a:p>
@@ -3001,7 +3003,7 @@
           <a:p>
             <a:fld id="{E5919C8D-9390-4064-AEF1-7A82EB763E60}" type="datetimeFigureOut">
               <a:rPr lang="en-GB" smtClean="0"/>
-              <a:t>09/08/2025</a:t>
+              <a:t>10/09/2025</a:t>
             </a:fld>
             <a:endParaRPr lang="en-GB"/>
           </a:p>
@@ -5617,6 +5619,516 @@
     <p:extLst>
       <p:ext uri="{BB962C8B-B14F-4D97-AF65-F5344CB8AC3E}">
         <p14:creationId xmlns:p14="http://schemas.microsoft.com/office/powerpoint/2010/main" val="3395147240"/>
+      </p:ext>
+    </p:extLst>
+  </p:cSld>
+  <p:clrMapOvr>
+    <a:masterClrMapping/>
+  </p:clrMapOvr>
+</p:sld>
+</file>
+
+<file path=ppt/slides/slide3.xml><?xml version="1.0" encoding="utf-8"?>
+<p:sld xmlns:a="http://schemas.openxmlformats.org/drawingml/2006/main" xmlns:r="http://schemas.openxmlformats.org/officeDocument/2006/relationships" xmlns:p="http://schemas.openxmlformats.org/presentationml/2006/main">
+  <p:cSld>
+    <p:spTree>
+      <p:nvGrpSpPr>
+        <p:cNvPr id="1" name=""/>
+        <p:cNvGrpSpPr/>
+        <p:nvPr/>
+      </p:nvGrpSpPr>
+      <p:grpSpPr>
+        <a:xfrm>
+          <a:off x="0" y="0"/>
+          <a:ext cx="0" cy="0"/>
+          <a:chOff x="0" y="0"/>
+          <a:chExt cx="0" cy="0"/>
+        </a:xfrm>
+      </p:grpSpPr>
+      <p:sp>
+        <p:nvSpPr>
+          <p:cNvPr id="11" name="Rectangle 10">
+            <a:extLst>
+              <a:ext uri="{FF2B5EF4-FFF2-40B4-BE49-F238E27FC236}">
+                <a16:creationId xmlns:a16="http://schemas.microsoft.com/office/drawing/2014/main" id="{4F1F64F4-8766-BE43-8A3E-38BC7D19D16E}"/>
+              </a:ext>
+            </a:extLst>
+          </p:cNvPr>
+          <p:cNvSpPr/>
+          <p:nvPr/>
+        </p:nvSpPr>
+        <p:spPr>
+          <a:xfrm>
+            <a:off x="477877" y="675461"/>
+            <a:ext cx="5408286" cy="3878159"/>
+          </a:xfrm>
+          <a:prstGeom prst="rect">
+            <a:avLst/>
+          </a:prstGeom>
+          <a:solidFill>
+            <a:schemeClr val="bg1"/>
+          </a:solidFill>
+          <a:ln>
+            <a:solidFill>
+              <a:schemeClr val="bg1"/>
+            </a:solidFill>
+          </a:ln>
+        </p:spPr>
+        <p:style>
+          <a:lnRef idx="2">
+            <a:schemeClr val="accent1">
+              <a:shade val="15000"/>
+            </a:schemeClr>
+          </a:lnRef>
+          <a:fillRef idx="1">
+            <a:schemeClr val="accent1"/>
+          </a:fillRef>
+          <a:effectRef idx="0">
+            <a:schemeClr val="accent1"/>
+          </a:effectRef>
+          <a:fontRef idx="minor">
+            <a:schemeClr val="lt1"/>
+          </a:fontRef>
+        </p:style>
+        <p:txBody>
+          <a:bodyPr rtlCol="0" anchor="ctr"/>
+          <a:lstStyle/>
+          <a:p>
+            <a:pPr algn="ctr"/>
+            <a:endParaRPr lang="en-US"/>
+          </a:p>
+        </p:txBody>
+      </p:sp>
+      <p:pic>
+        <p:nvPicPr>
+          <p:cNvPr id="5" name="Picture 4">
+            <a:extLst>
+              <a:ext uri="{FF2B5EF4-FFF2-40B4-BE49-F238E27FC236}">
+                <a16:creationId xmlns:a16="http://schemas.microsoft.com/office/drawing/2014/main" id="{D9CDC127-1985-AC44-FE5B-A606E464C4AE}"/>
+              </a:ext>
+            </a:extLst>
+          </p:cNvPr>
+          <p:cNvPicPr>
+            <a:picLocks noChangeAspect="1"/>
+          </p:cNvPicPr>
+          <p:nvPr/>
+        </p:nvPicPr>
+        <p:blipFill>
+          <a:blip r:embed="rId2"/>
+          <a:srcRect t="7949"/>
+          <a:stretch>
+            <a:fillRect/>
+          </a:stretch>
+        </p:blipFill>
+        <p:spPr>
+          <a:xfrm>
+            <a:off x="743615" y="863854"/>
+            <a:ext cx="3711815" cy="1922659"/>
+          </a:xfrm>
+          <a:prstGeom prst="rect">
+            <a:avLst/>
+          </a:prstGeom>
+        </p:spPr>
+      </p:pic>
+      <p:pic>
+        <p:nvPicPr>
+          <p:cNvPr id="7" name="Picture 6">
+            <a:extLst>
+              <a:ext uri="{FF2B5EF4-FFF2-40B4-BE49-F238E27FC236}">
+                <a16:creationId xmlns:a16="http://schemas.microsoft.com/office/drawing/2014/main" id="{CF4C548A-F962-BC97-8A09-8D7B906F904D}"/>
+              </a:ext>
+            </a:extLst>
+          </p:cNvPr>
+          <p:cNvPicPr>
+            <a:picLocks noChangeAspect="1"/>
+          </p:cNvPicPr>
+          <p:nvPr/>
+        </p:nvPicPr>
+        <p:blipFill>
+          <a:blip r:embed="rId3"/>
+          <a:srcRect t="919"/>
+          <a:stretch>
+            <a:fillRect/>
+          </a:stretch>
+        </p:blipFill>
+        <p:spPr>
+          <a:xfrm>
+            <a:off x="4681502" y="954909"/>
+            <a:ext cx="1072037" cy="3374920"/>
+          </a:xfrm>
+          <a:prstGeom prst="rect">
+            <a:avLst/>
+          </a:prstGeom>
+        </p:spPr>
+      </p:pic>
+      <p:sp>
+        <p:nvSpPr>
+          <p:cNvPr id="8" name="Rectangle 7">
+            <a:extLst>
+              <a:ext uri="{FF2B5EF4-FFF2-40B4-BE49-F238E27FC236}">
+                <a16:creationId xmlns:a16="http://schemas.microsoft.com/office/drawing/2014/main" id="{88ACE59A-63E5-051B-9399-0B3503CE1573}"/>
+              </a:ext>
+            </a:extLst>
+          </p:cNvPr>
+          <p:cNvSpPr/>
+          <p:nvPr/>
+        </p:nvSpPr>
+        <p:spPr>
+          <a:xfrm>
+            <a:off x="4784384" y="954909"/>
+            <a:ext cx="433137" cy="404261"/>
+          </a:xfrm>
+          <a:prstGeom prst="rect">
+            <a:avLst/>
+          </a:prstGeom>
+          <a:ln>
+            <a:solidFill>
+              <a:schemeClr val="bg1"/>
+            </a:solidFill>
+          </a:ln>
+        </p:spPr>
+        <p:style>
+          <a:lnRef idx="2">
+            <a:schemeClr val="dk1"/>
+          </a:lnRef>
+          <a:fillRef idx="1">
+            <a:schemeClr val="lt1"/>
+          </a:fillRef>
+          <a:effectRef idx="0">
+            <a:schemeClr val="dk1"/>
+          </a:effectRef>
+          <a:fontRef idx="minor">
+            <a:schemeClr val="dk1"/>
+          </a:fontRef>
+        </p:style>
+        <p:txBody>
+          <a:bodyPr rtlCol="0" anchor="ctr"/>
+          <a:lstStyle/>
+          <a:p>
+            <a:pPr algn="ctr"/>
+            <a:endParaRPr lang="en-US" dirty="0"/>
+          </a:p>
+        </p:txBody>
+      </p:sp>
+      <p:pic>
+        <p:nvPicPr>
+          <p:cNvPr id="1026" name="Picture 2">
+            <a:extLst>
+              <a:ext uri="{FF2B5EF4-FFF2-40B4-BE49-F238E27FC236}">
+                <a16:creationId xmlns:a16="http://schemas.microsoft.com/office/drawing/2014/main" id="{F7F9F16C-D982-C8BA-6662-864242C4E646}"/>
+              </a:ext>
+            </a:extLst>
+          </p:cNvPr>
+          <p:cNvPicPr>
+            <a:picLocks noChangeAspect="1" noChangeArrowheads="1"/>
+          </p:cNvPicPr>
+          <p:nvPr/>
+        </p:nvPicPr>
+        <p:blipFill>
+          <a:blip r:embed="rId4" cstate="print">
+            <a:extLst>
+              <a:ext uri="{28A0092B-C50C-407E-A947-70E740481C1C}">
+                <a14:useLocalDpi xmlns:a14="http://schemas.microsoft.com/office/drawing/2010/main" val="0"/>
+              </a:ext>
+            </a:extLst>
+          </a:blip>
+          <a:srcRect/>
+          <a:stretch>
+            <a:fillRect/>
+          </a:stretch>
+        </p:blipFill>
+        <p:spPr bwMode="auto">
+          <a:xfrm>
+            <a:off x="743615" y="2985203"/>
+            <a:ext cx="4013914" cy="1444353"/>
+          </a:xfrm>
+          <a:prstGeom prst="rect">
+            <a:avLst/>
+          </a:prstGeom>
+          <a:noFill/>
+          <a:extLst>
+            <a:ext uri="{909E8E84-426E-40DD-AFC4-6F175D3DCCD1}">
+              <a14:hiddenFill xmlns:a14="http://schemas.microsoft.com/office/drawing/2010/main">
+                <a:solidFill>
+                  <a:srgbClr val="FFFFFF"/>
+                </a:solidFill>
+              </a14:hiddenFill>
+            </a:ext>
+          </a:extLst>
+        </p:spPr>
+      </p:pic>
+    </p:spTree>
+    <p:extLst>
+      <p:ext uri="{BB962C8B-B14F-4D97-AF65-F5344CB8AC3E}">
+        <p14:creationId xmlns:p14="http://schemas.microsoft.com/office/powerpoint/2010/main" val="3864576138"/>
+      </p:ext>
+    </p:extLst>
+  </p:cSld>
+  <p:clrMapOvr>
+    <a:masterClrMapping/>
+  </p:clrMapOvr>
+</p:sld>
+</file>
+
+<file path=ppt/slides/slide4.xml><?xml version="1.0" encoding="utf-8"?>
+<p:sld xmlns:a="http://schemas.openxmlformats.org/drawingml/2006/main" xmlns:r="http://schemas.openxmlformats.org/officeDocument/2006/relationships" xmlns:p="http://schemas.openxmlformats.org/presentationml/2006/main">
+  <p:cSld>
+    <p:spTree>
+      <p:nvGrpSpPr>
+        <p:cNvPr id="1" name=""/>
+        <p:cNvGrpSpPr/>
+        <p:nvPr/>
+      </p:nvGrpSpPr>
+      <p:grpSpPr>
+        <a:xfrm>
+          <a:off x="0" y="0"/>
+          <a:ext cx="0" cy="0"/>
+          <a:chOff x="0" y="0"/>
+          <a:chExt cx="0" cy="0"/>
+        </a:xfrm>
+      </p:grpSpPr>
+      <p:pic>
+        <p:nvPicPr>
+          <p:cNvPr id="5" name="Content Placeholder 4" descr="A qr code on a white background&#10;&#10;AI-generated content may be incorrect.">
+            <a:extLst>
+              <a:ext uri="{FF2B5EF4-FFF2-40B4-BE49-F238E27FC236}">
+                <a16:creationId xmlns:a16="http://schemas.microsoft.com/office/drawing/2014/main" id="{BD96D753-C0F8-8970-3591-D48803A4972F}"/>
+              </a:ext>
+            </a:extLst>
+          </p:cNvPr>
+          <p:cNvPicPr>
+            <a:picLocks noGrp="1" noChangeAspect="1"/>
+          </p:cNvPicPr>
+          <p:nvPr>
+            <p:ph idx="1"/>
+          </p:nvPr>
+        </p:nvPicPr>
+        <p:blipFill>
+          <a:blip r:embed="rId2" cstate="print">
+            <a:extLst>
+              <a:ext uri="{28A0092B-C50C-407E-A947-70E740481C1C}">
+                <a14:useLocalDpi xmlns:a14="http://schemas.microsoft.com/office/drawing/2010/main" val="0"/>
+              </a:ext>
+            </a:extLst>
+          </a:blip>
+          <a:srcRect l="23038" t="37760" r="22200" b="15424"/>
+          <a:stretch>
+            <a:fillRect/>
+          </a:stretch>
+        </p:blipFill>
+        <p:spPr>
+          <a:xfrm>
+            <a:off x="5399773" y="2979020"/>
+            <a:ext cx="1583356" cy="1650732"/>
+          </a:xfrm>
+        </p:spPr>
+      </p:pic>
+      <p:sp>
+        <p:nvSpPr>
+          <p:cNvPr id="7" name="Rectangle: Rounded Corners 6">
+            <a:extLst>
+              <a:ext uri="{FF2B5EF4-FFF2-40B4-BE49-F238E27FC236}">
+                <a16:creationId xmlns:a16="http://schemas.microsoft.com/office/drawing/2014/main" id="{54299324-F031-54D0-4B0B-65E6A1C8B3CE}"/>
+              </a:ext>
+            </a:extLst>
+          </p:cNvPr>
+          <p:cNvSpPr/>
+          <p:nvPr/>
+        </p:nvSpPr>
+        <p:spPr>
+          <a:xfrm>
+            <a:off x="3071863" y="3101340"/>
+            <a:ext cx="2354580" cy="445770"/>
+          </a:xfrm>
+          <a:prstGeom prst="roundRect">
+            <a:avLst/>
+          </a:prstGeom>
+        </p:spPr>
+        <p:style>
+          <a:lnRef idx="3">
+            <a:schemeClr val="lt1"/>
+          </a:lnRef>
+          <a:fillRef idx="1">
+            <a:schemeClr val="accent1"/>
+          </a:fillRef>
+          <a:effectRef idx="1">
+            <a:schemeClr val="accent1"/>
+          </a:effectRef>
+          <a:fontRef idx="minor">
+            <a:schemeClr val="lt1"/>
+          </a:fontRef>
+        </p:style>
+        <p:txBody>
+          <a:bodyPr rtlCol="0" anchor="ctr"/>
+          <a:lstStyle/>
+          <a:p>
+            <a:pPr algn="ctr"/>
+            <a:r>
+              <a:rPr lang="en-US" dirty="0" err="1"/>
+              <a:t>AISeQ</a:t>
+            </a:r>
+            <a:r>
+              <a:rPr lang="en-US" dirty="0"/>
+              <a:t> lab x Dev Linux</a:t>
+            </a:r>
+          </a:p>
+        </p:txBody>
+      </p:sp>
+      <p:sp>
+        <p:nvSpPr>
+          <p:cNvPr id="8" name="TextBox 7">
+            <a:extLst>
+              <a:ext uri="{FF2B5EF4-FFF2-40B4-BE49-F238E27FC236}">
+                <a16:creationId xmlns:a16="http://schemas.microsoft.com/office/drawing/2014/main" id="{68382098-E2F4-596D-EFC9-45A0D82DD0AE}"/>
+              </a:ext>
+            </a:extLst>
+          </p:cNvPr>
+          <p:cNvSpPr txBox="1"/>
+          <p:nvPr/>
+        </p:nvSpPr>
+        <p:spPr>
+          <a:xfrm>
+            <a:off x="3010902" y="3547110"/>
+            <a:ext cx="2479308" cy="646331"/>
+          </a:xfrm>
+          <a:prstGeom prst="rect">
+            <a:avLst/>
+          </a:prstGeom>
+          <a:noFill/>
+        </p:spPr>
+        <p:txBody>
+          <a:bodyPr wrap="square" rtlCol="0">
+            <a:spAutoFit/>
+          </a:bodyPr>
+          <a:lstStyle/>
+          <a:p>
+            <a:r>
+              <a:rPr lang="en-US" sz="1200" dirty="0" err="1"/>
+              <a:t>Tổ</a:t>
+            </a:r>
+            <a:r>
+              <a:rPr lang="en-US" sz="1200" dirty="0"/>
+              <a:t> </a:t>
+            </a:r>
+            <a:r>
+              <a:rPr lang="en-US" sz="1200" dirty="0" err="1"/>
+              <a:t>chức</a:t>
+            </a:r>
+            <a:r>
+              <a:rPr lang="en-US" sz="1200" dirty="0"/>
+              <a:t> </a:t>
+            </a:r>
+            <a:r>
+              <a:rPr lang="en-US" sz="1200" dirty="0" err="1"/>
+              <a:t>các</a:t>
+            </a:r>
+            <a:r>
+              <a:rPr lang="en-US" sz="1200" dirty="0"/>
+              <a:t> </a:t>
+            </a:r>
+            <a:r>
+              <a:rPr lang="en-US" sz="1200" dirty="0" err="1"/>
+              <a:t>khóa</a:t>
+            </a:r>
+            <a:r>
+              <a:rPr lang="en-US" sz="1200" dirty="0"/>
+              <a:t> </a:t>
+            </a:r>
+            <a:r>
+              <a:rPr lang="en-US" sz="1200" dirty="0" err="1"/>
+              <a:t>về</a:t>
+            </a:r>
+            <a:r>
+              <a:rPr lang="en-US" sz="1200" dirty="0"/>
+              <a:t> </a:t>
+            </a:r>
+            <a:r>
+              <a:rPr lang="en-US" sz="1200" dirty="0" err="1"/>
+              <a:t>thiết</a:t>
+            </a:r>
+            <a:r>
+              <a:rPr lang="en-US" sz="1200" dirty="0"/>
+              <a:t> </a:t>
+            </a:r>
+            <a:r>
+              <a:rPr lang="en-US" sz="1200" dirty="0" err="1"/>
+              <a:t>kế</a:t>
+            </a:r>
+            <a:r>
+              <a:rPr lang="en-US" sz="1200" dirty="0"/>
+              <a:t> vi </a:t>
+            </a:r>
+            <a:r>
+              <a:rPr lang="en-US" sz="1200" dirty="0" err="1"/>
+              <a:t>mạch</a:t>
+            </a:r>
+            <a:r>
+              <a:rPr lang="en-US" sz="1200" dirty="0"/>
+              <a:t> </a:t>
+            </a:r>
+            <a:r>
+              <a:rPr lang="en-US" sz="1200" dirty="0" err="1"/>
+              <a:t>kết</a:t>
+            </a:r>
+            <a:r>
+              <a:rPr lang="en-US" sz="1200" dirty="0"/>
+              <a:t> </a:t>
+            </a:r>
+            <a:r>
+              <a:rPr lang="en-US" sz="1200" dirty="0" err="1"/>
+              <a:t>hợp</a:t>
+            </a:r>
+            <a:r>
+              <a:rPr lang="en-US" sz="1200" dirty="0"/>
+              <a:t> </a:t>
+            </a:r>
+            <a:r>
+              <a:rPr lang="en-US" sz="1200" dirty="0" err="1"/>
+              <a:t>nhúng</a:t>
+            </a:r>
+            <a:endParaRPr lang="en-US" sz="1200" dirty="0"/>
+          </a:p>
+          <a:p>
+            <a:r>
+              <a:rPr lang="en-US" sz="1200" b="1" dirty="0"/>
+              <a:t>Thông tin chi </a:t>
+            </a:r>
+            <a:r>
+              <a:rPr lang="en-US" sz="1200" b="1" dirty="0" err="1"/>
+              <a:t>tiết</a:t>
+            </a:r>
+            <a:r>
+              <a:rPr lang="en-US" sz="1200" dirty="0"/>
+              <a:t>: group </a:t>
+            </a:r>
+            <a:r>
+              <a:rPr lang="en-US" sz="1200" dirty="0" err="1"/>
+              <a:t>Zalo</a:t>
+            </a:r>
+            <a:r>
+              <a:rPr lang="en-US" sz="1200" dirty="0"/>
+              <a:t> </a:t>
+            </a:r>
+            <a:r>
+              <a:rPr lang="en-US" sz="1200" dirty="0" err="1"/>
+              <a:t>tư</a:t>
+            </a:r>
+            <a:r>
+              <a:rPr lang="en-US" sz="1200" dirty="0"/>
+              <a:t> </a:t>
+            </a:r>
+            <a:r>
+              <a:rPr lang="en-US" sz="1200" dirty="0" err="1"/>
+              <a:t>vấn</a:t>
+            </a:r>
+            <a:endParaRPr lang="en-US" sz="1200" dirty="0"/>
+          </a:p>
+        </p:txBody>
+      </p:sp>
+    </p:spTree>
+    <p:extLst>
+      <p:ext uri="{BB962C8B-B14F-4D97-AF65-F5344CB8AC3E}">
+        <p14:creationId xmlns:p14="http://schemas.microsoft.com/office/powerpoint/2010/main" val="101970490"/>
       </p:ext>
     </p:extLst>
   </p:cSld>
